--- a/Symbols.pptx
+++ b/Symbols.pptx
@@ -6,6 +6,7 @@
   </p:sldMasterIdLst>
   <p:sldIdLst>
     <p:sldId id="257" r:id="rId2"/>
+    <p:sldId id="258" r:id="rId3"/>
   </p:sldIdLst>
   <p:sldSz cx="12192000" cy="6858000"/>
   <p:notesSz cx="6858000" cy="9144000"/>
@@ -104,6 +105,11 @@
       </a:defRPr>
     </a:lvl9pPr>
   </p:defaultTextStyle>
+  <p:extLst>
+    <p:ext uri="{EFAFB233-063F-42B5-8137-9DF3F51BA10A}">
+      <p15:sldGuideLst xmlns:p15="http://schemas.microsoft.com/office/powerpoint/2012/main"/>
+    </p:ext>
+  </p:extLst>
 </p:presentation>
 </file>
 
@@ -7673,6 +7679,3839 @@
 </p:sld>
 </file>
 
+<file path=ppt/slides/slide2.xml><?xml version="1.0" encoding="utf-8"?>
+<p:sld xmlns:a="http://schemas.openxmlformats.org/drawingml/2006/main" xmlns:r="http://schemas.openxmlformats.org/officeDocument/2006/relationships" xmlns:p="http://schemas.openxmlformats.org/presentationml/2006/main">
+  <p:cSld>
+    <p:spTree>
+      <p:nvGrpSpPr>
+        <p:cNvPr id="1" name=""/>
+        <p:cNvGrpSpPr/>
+        <p:nvPr/>
+      </p:nvGrpSpPr>
+      <p:grpSpPr>
+        <a:xfrm>
+          <a:off x="0" y="0"/>
+          <a:ext cx="0" cy="0"/>
+          <a:chOff x="0" y="0"/>
+          <a:chExt cx="0" cy="0"/>
+        </a:xfrm>
+      </p:grpSpPr>
+      <p:sp>
+        <p:nvSpPr>
+          <p:cNvPr id="4" name="TextBox 3">
+            <a:extLst>
+              <a:ext uri="{FF2B5EF4-FFF2-40B4-BE49-F238E27FC236}">
+                <a16:creationId xmlns:a16="http://schemas.microsoft.com/office/drawing/2014/main" id="{60042DA3-D5EA-9B19-8339-AFFFCED59B4B}"/>
+              </a:ext>
+            </a:extLst>
+          </p:cNvPr>
+          <p:cNvSpPr txBox="1"/>
+          <p:nvPr/>
+        </p:nvSpPr>
+        <p:spPr>
+          <a:xfrm>
+            <a:off x="10300" y="-18181"/>
+            <a:ext cx="845103" cy="461665"/>
+          </a:xfrm>
+          <a:prstGeom prst="rect">
+            <a:avLst/>
+          </a:prstGeom>
+          <a:noFill/>
+        </p:spPr>
+        <p:txBody>
+          <a:bodyPr wrap="none" rtlCol="0">
+            <a:spAutoFit/>
+          </a:bodyPr>
+          <a:lstStyle/>
+          <a:p>
+            <a:r>
+              <a:rPr lang="en-US" sz="2400" dirty="0"/>
+              <a:t>Misc.</a:t>
+            </a:r>
+          </a:p>
+        </p:txBody>
+      </p:sp>
+      <p:sp>
+        <p:nvSpPr>
+          <p:cNvPr id="124" name="TextBox 123">
+            <a:extLst>
+              <a:ext uri="{FF2B5EF4-FFF2-40B4-BE49-F238E27FC236}">
+                <a16:creationId xmlns:a16="http://schemas.microsoft.com/office/drawing/2014/main" id="{D0B76610-BD3F-5ACF-464E-5ED139C6F98E}"/>
+              </a:ext>
+            </a:extLst>
+          </p:cNvPr>
+          <p:cNvSpPr txBox="1"/>
+          <p:nvPr/>
+        </p:nvSpPr>
+        <p:spPr>
+          <a:xfrm>
+            <a:off x="593756" y="1744176"/>
+            <a:ext cx="1884811" cy="369332"/>
+          </a:xfrm>
+          <a:prstGeom prst="rect">
+            <a:avLst/>
+          </a:prstGeom>
+          <a:noFill/>
+        </p:spPr>
+        <p:txBody>
+          <a:bodyPr wrap="none" rtlCol="0">
+            <a:spAutoFit/>
+          </a:bodyPr>
+          <a:lstStyle/>
+          <a:p>
+            <a:r>
+              <a:rPr lang="en-US" dirty="0"/>
+              <a:t>Panel Mount LEDs</a:t>
+            </a:r>
+          </a:p>
+        </p:txBody>
+      </p:sp>
+      <p:sp>
+        <p:nvSpPr>
+          <p:cNvPr id="125" name="TextBox 124">
+            <a:extLst>
+              <a:ext uri="{FF2B5EF4-FFF2-40B4-BE49-F238E27FC236}">
+                <a16:creationId xmlns:a16="http://schemas.microsoft.com/office/drawing/2014/main" id="{C8CDE88D-C2B3-413C-D44B-BCA863B5E46D}"/>
+              </a:ext>
+            </a:extLst>
+          </p:cNvPr>
+          <p:cNvSpPr txBox="1"/>
+          <p:nvPr/>
+        </p:nvSpPr>
+        <p:spPr>
+          <a:xfrm>
+            <a:off x="593755" y="3959884"/>
+            <a:ext cx="1005468" cy="369332"/>
+          </a:xfrm>
+          <a:prstGeom prst="rect">
+            <a:avLst/>
+          </a:prstGeom>
+          <a:noFill/>
+        </p:spPr>
+        <p:txBody>
+          <a:bodyPr wrap="none" rtlCol="0">
+            <a:spAutoFit/>
+          </a:bodyPr>
+          <a:lstStyle/>
+          <a:p>
+            <a:r>
+              <a:rPr lang="en-US" dirty="0"/>
+              <a:t>Switches</a:t>
+            </a:r>
+          </a:p>
+        </p:txBody>
+      </p:sp>
+      <p:sp>
+        <p:nvSpPr>
+          <p:cNvPr id="126" name="TextBox 125">
+            <a:extLst>
+              <a:ext uri="{FF2B5EF4-FFF2-40B4-BE49-F238E27FC236}">
+                <a16:creationId xmlns:a16="http://schemas.microsoft.com/office/drawing/2014/main" id="{E085A870-A84E-D81D-5B99-873154070C2E}"/>
+              </a:ext>
+            </a:extLst>
+          </p:cNvPr>
+          <p:cNvSpPr txBox="1"/>
+          <p:nvPr/>
+        </p:nvSpPr>
+        <p:spPr>
+          <a:xfrm>
+            <a:off x="593755" y="6021134"/>
+            <a:ext cx="942887" cy="369332"/>
+          </a:xfrm>
+          <a:prstGeom prst="rect">
+            <a:avLst/>
+          </a:prstGeom>
+          <a:noFill/>
+        </p:spPr>
+        <p:txBody>
+          <a:bodyPr wrap="none" rtlCol="0">
+            <a:spAutoFit/>
+          </a:bodyPr>
+          <a:lstStyle/>
+          <a:p>
+            <a:r>
+              <a:rPr lang="en-US" dirty="0"/>
+              <a:t>Displays</a:t>
+            </a:r>
+          </a:p>
+        </p:txBody>
+      </p:sp>
+      <p:grpSp>
+        <p:nvGrpSpPr>
+          <p:cNvPr id="133" name="Group 132">
+            <a:extLst>
+              <a:ext uri="{FF2B5EF4-FFF2-40B4-BE49-F238E27FC236}">
+                <a16:creationId xmlns:a16="http://schemas.microsoft.com/office/drawing/2014/main" id="{E81F23F9-84C1-7F0A-0D23-EF0E9C703BE3}"/>
+              </a:ext>
+            </a:extLst>
+          </p:cNvPr>
+          <p:cNvGrpSpPr/>
+          <p:nvPr/>
+        </p:nvGrpSpPr>
+        <p:grpSpPr>
+          <a:xfrm>
+            <a:off x="660245" y="858070"/>
+            <a:ext cx="358218" cy="605631"/>
+            <a:chOff x="660245" y="858070"/>
+            <a:chExt cx="358218" cy="605631"/>
+          </a:xfrm>
+        </p:grpSpPr>
+        <p:sp>
+          <p:nvSpPr>
+            <p:cNvPr id="2" name="Oval 1">
+              <a:extLst>
+                <a:ext uri="{FF2B5EF4-FFF2-40B4-BE49-F238E27FC236}">
+                  <a16:creationId xmlns:a16="http://schemas.microsoft.com/office/drawing/2014/main" id="{75D8A3A1-5524-C1B1-8847-FC3703B92E17}"/>
+                </a:ext>
+              </a:extLst>
+            </p:cNvPr>
+            <p:cNvSpPr/>
+            <p:nvPr/>
+          </p:nvSpPr>
+          <p:spPr>
+            <a:xfrm>
+              <a:off x="730914" y="858070"/>
+              <a:ext cx="216881" cy="216881"/>
+            </a:xfrm>
+            <a:prstGeom prst="ellipse">
+              <a:avLst/>
+            </a:prstGeom>
+            <a:solidFill>
+              <a:srgbClr val="FF0000"/>
+            </a:solidFill>
+            <a:ln>
+              <a:solidFill>
+                <a:srgbClr val="C00000"/>
+              </a:solidFill>
+            </a:ln>
+          </p:spPr>
+          <p:style>
+            <a:lnRef idx="2">
+              <a:schemeClr val="accent1">
+                <a:shade val="50000"/>
+              </a:schemeClr>
+            </a:lnRef>
+            <a:fillRef idx="1">
+              <a:schemeClr val="accent1"/>
+            </a:fillRef>
+            <a:effectRef idx="0">
+              <a:schemeClr val="accent1"/>
+            </a:effectRef>
+            <a:fontRef idx="minor">
+              <a:schemeClr val="lt1"/>
+            </a:fontRef>
+          </p:style>
+          <p:txBody>
+            <a:bodyPr rtlCol="0" anchor="ctr"/>
+            <a:lstStyle/>
+            <a:p>
+              <a:pPr algn="ctr"/>
+              <a:endParaRPr lang="en-US"/>
+            </a:p>
+          </p:txBody>
+        </p:sp>
+        <p:sp>
+          <p:nvSpPr>
+            <p:cNvPr id="3" name="Rectangle: Rounded Corners 2">
+              <a:extLst>
+                <a:ext uri="{FF2B5EF4-FFF2-40B4-BE49-F238E27FC236}">
+                  <a16:creationId xmlns:a16="http://schemas.microsoft.com/office/drawing/2014/main" id="{E07312E0-FB53-536B-1E4B-BC622B18C9A7}"/>
+                </a:ext>
+              </a:extLst>
+            </p:cNvPr>
+            <p:cNvSpPr/>
+            <p:nvPr/>
+          </p:nvSpPr>
+          <p:spPr>
+            <a:xfrm>
+              <a:off x="736310" y="1053678"/>
+              <a:ext cx="206089" cy="410023"/>
+            </a:xfrm>
+            <a:prstGeom prst="roundRect">
+              <a:avLst/>
+            </a:prstGeom>
+            <a:solidFill>
+              <a:schemeClr val="tx1">
+                <a:lumMod val="65000"/>
+                <a:lumOff val="35000"/>
+              </a:schemeClr>
+            </a:solidFill>
+          </p:spPr>
+          <p:style>
+            <a:lnRef idx="2">
+              <a:schemeClr val="dk1">
+                <a:shade val="50000"/>
+              </a:schemeClr>
+            </a:lnRef>
+            <a:fillRef idx="1">
+              <a:schemeClr val="dk1"/>
+            </a:fillRef>
+            <a:effectRef idx="0">
+              <a:schemeClr val="dk1"/>
+            </a:effectRef>
+            <a:fontRef idx="minor">
+              <a:schemeClr val="lt1"/>
+            </a:fontRef>
+          </p:style>
+          <p:txBody>
+            <a:bodyPr rtlCol="0" anchor="ctr"/>
+            <a:lstStyle/>
+            <a:p>
+              <a:pPr algn="ctr"/>
+              <a:endParaRPr lang="en-US" dirty="0"/>
+            </a:p>
+          </p:txBody>
+        </p:sp>
+        <p:sp>
+          <p:nvSpPr>
+            <p:cNvPr id="14" name="Rectangle: Rounded Corners 13">
+              <a:extLst>
+                <a:ext uri="{FF2B5EF4-FFF2-40B4-BE49-F238E27FC236}">
+                  <a16:creationId xmlns:a16="http://schemas.microsoft.com/office/drawing/2014/main" id="{E5553EC5-7290-DEE6-0C47-DC2979281192}"/>
+                </a:ext>
+              </a:extLst>
+            </p:cNvPr>
+            <p:cNvSpPr/>
+            <p:nvPr/>
+          </p:nvSpPr>
+          <p:spPr>
+            <a:xfrm>
+              <a:off x="660245" y="934139"/>
+              <a:ext cx="358218" cy="216881"/>
+            </a:xfrm>
+            <a:prstGeom prst="roundRect">
+              <a:avLst>
+                <a:gd name="adj" fmla="val 6917"/>
+              </a:avLst>
+            </a:prstGeom>
+            <a:solidFill>
+              <a:schemeClr val="tx1">
+                <a:lumMod val="65000"/>
+                <a:lumOff val="35000"/>
+              </a:schemeClr>
+            </a:solidFill>
+          </p:spPr>
+          <p:style>
+            <a:lnRef idx="2">
+              <a:schemeClr val="dk1">
+                <a:shade val="50000"/>
+              </a:schemeClr>
+            </a:lnRef>
+            <a:fillRef idx="1">
+              <a:schemeClr val="dk1"/>
+            </a:fillRef>
+            <a:effectRef idx="0">
+              <a:schemeClr val="dk1"/>
+            </a:effectRef>
+            <a:fontRef idx="minor">
+              <a:schemeClr val="lt1"/>
+            </a:fontRef>
+          </p:style>
+          <p:txBody>
+            <a:bodyPr rtlCol="0" anchor="ctr"/>
+            <a:lstStyle/>
+            <a:p>
+              <a:pPr algn="ctr"/>
+              <a:endParaRPr lang="en-US"/>
+            </a:p>
+          </p:txBody>
+        </p:sp>
+      </p:grpSp>
+      <p:grpSp>
+        <p:nvGrpSpPr>
+          <p:cNvPr id="134" name="Group 133">
+            <a:extLst>
+              <a:ext uri="{FF2B5EF4-FFF2-40B4-BE49-F238E27FC236}">
+                <a16:creationId xmlns:a16="http://schemas.microsoft.com/office/drawing/2014/main" id="{47F551DE-CCF6-F065-D872-97806B17C44A}"/>
+              </a:ext>
+            </a:extLst>
+          </p:cNvPr>
+          <p:cNvGrpSpPr/>
+          <p:nvPr/>
+        </p:nvGrpSpPr>
+        <p:grpSpPr>
+          <a:xfrm>
+            <a:off x="1378266" y="858070"/>
+            <a:ext cx="358218" cy="605631"/>
+            <a:chOff x="1378266" y="858070"/>
+            <a:chExt cx="358218" cy="605631"/>
+          </a:xfrm>
+        </p:grpSpPr>
+        <p:sp>
+          <p:nvSpPr>
+            <p:cNvPr id="24" name="Oval 23">
+              <a:extLst>
+                <a:ext uri="{FF2B5EF4-FFF2-40B4-BE49-F238E27FC236}">
+                  <a16:creationId xmlns:a16="http://schemas.microsoft.com/office/drawing/2014/main" id="{AC5FF539-A2B9-2772-F46A-B3BB1EFC2866}"/>
+                </a:ext>
+              </a:extLst>
+            </p:cNvPr>
+            <p:cNvSpPr/>
+            <p:nvPr/>
+          </p:nvSpPr>
+          <p:spPr>
+            <a:xfrm>
+              <a:off x="1448935" y="858070"/>
+              <a:ext cx="216881" cy="216881"/>
+            </a:xfrm>
+            <a:prstGeom prst="ellipse">
+              <a:avLst/>
+            </a:prstGeom>
+            <a:solidFill>
+              <a:srgbClr val="00B050"/>
+            </a:solidFill>
+            <a:ln>
+              <a:solidFill>
+                <a:schemeClr val="accent6">
+                  <a:lumMod val="50000"/>
+                </a:schemeClr>
+              </a:solidFill>
+            </a:ln>
+          </p:spPr>
+          <p:style>
+            <a:lnRef idx="2">
+              <a:schemeClr val="accent1">
+                <a:shade val="50000"/>
+              </a:schemeClr>
+            </a:lnRef>
+            <a:fillRef idx="1">
+              <a:schemeClr val="accent1"/>
+            </a:fillRef>
+            <a:effectRef idx="0">
+              <a:schemeClr val="accent1"/>
+            </a:effectRef>
+            <a:fontRef idx="minor">
+              <a:schemeClr val="lt1"/>
+            </a:fontRef>
+          </p:style>
+          <p:txBody>
+            <a:bodyPr rtlCol="0" anchor="ctr"/>
+            <a:lstStyle/>
+            <a:p>
+              <a:pPr algn="ctr"/>
+              <a:endParaRPr lang="en-US"/>
+            </a:p>
+          </p:txBody>
+        </p:sp>
+        <p:sp>
+          <p:nvSpPr>
+            <p:cNvPr id="28" name="Rectangle: Rounded Corners 27">
+              <a:extLst>
+                <a:ext uri="{FF2B5EF4-FFF2-40B4-BE49-F238E27FC236}">
+                  <a16:creationId xmlns:a16="http://schemas.microsoft.com/office/drawing/2014/main" id="{BF175901-5928-AA59-D4D9-C2F65F471CDF}"/>
+                </a:ext>
+              </a:extLst>
+            </p:cNvPr>
+            <p:cNvSpPr/>
+            <p:nvPr/>
+          </p:nvSpPr>
+          <p:spPr>
+            <a:xfrm>
+              <a:off x="1454331" y="1053678"/>
+              <a:ext cx="206089" cy="410023"/>
+            </a:xfrm>
+            <a:prstGeom prst="roundRect">
+              <a:avLst/>
+            </a:prstGeom>
+            <a:solidFill>
+              <a:schemeClr val="tx1">
+                <a:lumMod val="65000"/>
+                <a:lumOff val="35000"/>
+              </a:schemeClr>
+            </a:solidFill>
+          </p:spPr>
+          <p:style>
+            <a:lnRef idx="2">
+              <a:schemeClr val="dk1">
+                <a:shade val="50000"/>
+              </a:schemeClr>
+            </a:lnRef>
+            <a:fillRef idx="1">
+              <a:schemeClr val="dk1"/>
+            </a:fillRef>
+            <a:effectRef idx="0">
+              <a:schemeClr val="dk1"/>
+            </a:effectRef>
+            <a:fontRef idx="minor">
+              <a:schemeClr val="lt1"/>
+            </a:fontRef>
+          </p:style>
+          <p:txBody>
+            <a:bodyPr rtlCol="0" anchor="ctr"/>
+            <a:lstStyle/>
+            <a:p>
+              <a:pPr algn="ctr"/>
+              <a:endParaRPr lang="en-US" dirty="0"/>
+            </a:p>
+          </p:txBody>
+        </p:sp>
+        <p:sp>
+          <p:nvSpPr>
+            <p:cNvPr id="32" name="Rectangle: Rounded Corners 31">
+              <a:extLst>
+                <a:ext uri="{FF2B5EF4-FFF2-40B4-BE49-F238E27FC236}">
+                  <a16:creationId xmlns:a16="http://schemas.microsoft.com/office/drawing/2014/main" id="{895AC563-5BF4-C115-98D9-8FC9CF9286C6}"/>
+                </a:ext>
+              </a:extLst>
+            </p:cNvPr>
+            <p:cNvSpPr/>
+            <p:nvPr/>
+          </p:nvSpPr>
+          <p:spPr>
+            <a:xfrm>
+              <a:off x="1378266" y="934139"/>
+              <a:ext cx="358218" cy="216881"/>
+            </a:xfrm>
+            <a:prstGeom prst="roundRect">
+              <a:avLst>
+                <a:gd name="adj" fmla="val 6917"/>
+              </a:avLst>
+            </a:prstGeom>
+            <a:solidFill>
+              <a:schemeClr val="tx1">
+                <a:lumMod val="65000"/>
+                <a:lumOff val="35000"/>
+              </a:schemeClr>
+            </a:solidFill>
+          </p:spPr>
+          <p:style>
+            <a:lnRef idx="2">
+              <a:schemeClr val="dk1">
+                <a:shade val="50000"/>
+              </a:schemeClr>
+            </a:lnRef>
+            <a:fillRef idx="1">
+              <a:schemeClr val="dk1"/>
+            </a:fillRef>
+            <a:effectRef idx="0">
+              <a:schemeClr val="dk1"/>
+            </a:effectRef>
+            <a:fontRef idx="minor">
+              <a:schemeClr val="lt1"/>
+            </a:fontRef>
+          </p:style>
+          <p:txBody>
+            <a:bodyPr rtlCol="0" anchor="ctr"/>
+            <a:lstStyle/>
+            <a:p>
+              <a:pPr algn="ctr"/>
+              <a:endParaRPr lang="en-US"/>
+            </a:p>
+          </p:txBody>
+        </p:sp>
+      </p:grpSp>
+      <p:grpSp>
+        <p:nvGrpSpPr>
+          <p:cNvPr id="135" name="Group 134">
+            <a:extLst>
+              <a:ext uri="{FF2B5EF4-FFF2-40B4-BE49-F238E27FC236}">
+                <a16:creationId xmlns:a16="http://schemas.microsoft.com/office/drawing/2014/main" id="{B7DF0D66-4791-0486-BE6B-9AC5F4BF9865}"/>
+              </a:ext>
+            </a:extLst>
+          </p:cNvPr>
+          <p:cNvGrpSpPr/>
+          <p:nvPr/>
+        </p:nvGrpSpPr>
+        <p:grpSpPr>
+          <a:xfrm>
+            <a:off x="2096287" y="874153"/>
+            <a:ext cx="358218" cy="605631"/>
+            <a:chOff x="2096287" y="874153"/>
+            <a:chExt cx="358218" cy="605631"/>
+          </a:xfrm>
+        </p:grpSpPr>
+        <p:sp>
+          <p:nvSpPr>
+            <p:cNvPr id="40" name="Oval 39">
+              <a:extLst>
+                <a:ext uri="{FF2B5EF4-FFF2-40B4-BE49-F238E27FC236}">
+                  <a16:creationId xmlns:a16="http://schemas.microsoft.com/office/drawing/2014/main" id="{412E11AB-C5C2-7B10-09F0-1F056154714E}"/>
+                </a:ext>
+              </a:extLst>
+            </p:cNvPr>
+            <p:cNvSpPr/>
+            <p:nvPr/>
+          </p:nvSpPr>
+          <p:spPr>
+            <a:xfrm>
+              <a:off x="2166956" y="874153"/>
+              <a:ext cx="216881" cy="216881"/>
+            </a:xfrm>
+            <a:prstGeom prst="ellipse">
+              <a:avLst/>
+            </a:prstGeom>
+            <a:solidFill>
+              <a:srgbClr val="0070C0"/>
+            </a:solidFill>
+            <a:ln>
+              <a:solidFill>
+                <a:schemeClr val="accent1">
+                  <a:lumMod val="50000"/>
+                </a:schemeClr>
+              </a:solidFill>
+            </a:ln>
+          </p:spPr>
+          <p:style>
+            <a:lnRef idx="2">
+              <a:schemeClr val="accent1">
+                <a:shade val="50000"/>
+              </a:schemeClr>
+            </a:lnRef>
+            <a:fillRef idx="1">
+              <a:schemeClr val="accent1"/>
+            </a:fillRef>
+            <a:effectRef idx="0">
+              <a:schemeClr val="accent1"/>
+            </a:effectRef>
+            <a:fontRef idx="minor">
+              <a:schemeClr val="lt1"/>
+            </a:fontRef>
+          </p:style>
+          <p:txBody>
+            <a:bodyPr rtlCol="0" anchor="ctr"/>
+            <a:lstStyle/>
+            <a:p>
+              <a:pPr algn="ctr"/>
+              <a:endParaRPr lang="en-US"/>
+            </a:p>
+          </p:txBody>
+        </p:sp>
+        <p:sp>
+          <p:nvSpPr>
+            <p:cNvPr id="44" name="Rectangle: Rounded Corners 43">
+              <a:extLst>
+                <a:ext uri="{FF2B5EF4-FFF2-40B4-BE49-F238E27FC236}">
+                  <a16:creationId xmlns:a16="http://schemas.microsoft.com/office/drawing/2014/main" id="{11B61E57-DABD-D64C-AA3D-3363647B85BF}"/>
+                </a:ext>
+              </a:extLst>
+            </p:cNvPr>
+            <p:cNvSpPr/>
+            <p:nvPr/>
+          </p:nvSpPr>
+          <p:spPr>
+            <a:xfrm>
+              <a:off x="2172352" y="1069761"/>
+              <a:ext cx="206089" cy="410023"/>
+            </a:xfrm>
+            <a:prstGeom prst="roundRect">
+              <a:avLst/>
+            </a:prstGeom>
+            <a:solidFill>
+              <a:schemeClr val="tx1">
+                <a:lumMod val="65000"/>
+                <a:lumOff val="35000"/>
+              </a:schemeClr>
+            </a:solidFill>
+          </p:spPr>
+          <p:style>
+            <a:lnRef idx="2">
+              <a:schemeClr val="dk1">
+                <a:shade val="50000"/>
+              </a:schemeClr>
+            </a:lnRef>
+            <a:fillRef idx="1">
+              <a:schemeClr val="dk1"/>
+            </a:fillRef>
+            <a:effectRef idx="0">
+              <a:schemeClr val="dk1"/>
+            </a:effectRef>
+            <a:fontRef idx="minor">
+              <a:schemeClr val="lt1"/>
+            </a:fontRef>
+          </p:style>
+          <p:txBody>
+            <a:bodyPr rtlCol="0" anchor="ctr"/>
+            <a:lstStyle/>
+            <a:p>
+              <a:pPr algn="ctr"/>
+              <a:endParaRPr lang="en-US" dirty="0"/>
+            </a:p>
+          </p:txBody>
+        </p:sp>
+        <p:sp>
+          <p:nvSpPr>
+            <p:cNvPr id="57" name="Rectangle: Rounded Corners 56">
+              <a:extLst>
+                <a:ext uri="{FF2B5EF4-FFF2-40B4-BE49-F238E27FC236}">
+                  <a16:creationId xmlns:a16="http://schemas.microsoft.com/office/drawing/2014/main" id="{4CBF63E6-4542-855D-F158-C2D035571EFE}"/>
+                </a:ext>
+              </a:extLst>
+            </p:cNvPr>
+            <p:cNvSpPr/>
+            <p:nvPr/>
+          </p:nvSpPr>
+          <p:spPr>
+            <a:xfrm>
+              <a:off x="2096287" y="950222"/>
+              <a:ext cx="358218" cy="216881"/>
+            </a:xfrm>
+            <a:prstGeom prst="roundRect">
+              <a:avLst>
+                <a:gd name="adj" fmla="val 6917"/>
+              </a:avLst>
+            </a:prstGeom>
+            <a:solidFill>
+              <a:schemeClr val="tx1">
+                <a:lumMod val="65000"/>
+                <a:lumOff val="35000"/>
+              </a:schemeClr>
+            </a:solidFill>
+          </p:spPr>
+          <p:style>
+            <a:lnRef idx="2">
+              <a:schemeClr val="dk1">
+                <a:shade val="50000"/>
+              </a:schemeClr>
+            </a:lnRef>
+            <a:fillRef idx="1">
+              <a:schemeClr val="dk1"/>
+            </a:fillRef>
+            <a:effectRef idx="0">
+              <a:schemeClr val="dk1"/>
+            </a:effectRef>
+            <a:fontRef idx="minor">
+              <a:schemeClr val="lt1"/>
+            </a:fontRef>
+          </p:style>
+          <p:txBody>
+            <a:bodyPr rtlCol="0" anchor="ctr"/>
+            <a:lstStyle/>
+            <a:p>
+              <a:pPr algn="ctr"/>
+              <a:endParaRPr lang="en-US"/>
+            </a:p>
+          </p:txBody>
+        </p:sp>
+      </p:grpSp>
+      <p:grpSp>
+        <p:nvGrpSpPr>
+          <p:cNvPr id="136" name="Group 135">
+            <a:extLst>
+              <a:ext uri="{FF2B5EF4-FFF2-40B4-BE49-F238E27FC236}">
+                <a16:creationId xmlns:a16="http://schemas.microsoft.com/office/drawing/2014/main" id="{71C80E94-B9F5-4050-78E1-B84CA73C7858}"/>
+              </a:ext>
+            </a:extLst>
+          </p:cNvPr>
+          <p:cNvGrpSpPr/>
+          <p:nvPr/>
+        </p:nvGrpSpPr>
+        <p:grpSpPr>
+          <a:xfrm>
+            <a:off x="2814308" y="874153"/>
+            <a:ext cx="358218" cy="605631"/>
+            <a:chOff x="2814308" y="874153"/>
+            <a:chExt cx="358218" cy="605631"/>
+          </a:xfrm>
+        </p:grpSpPr>
+        <p:sp>
+          <p:nvSpPr>
+            <p:cNvPr id="61" name="Oval 60">
+              <a:extLst>
+                <a:ext uri="{FF2B5EF4-FFF2-40B4-BE49-F238E27FC236}">
+                  <a16:creationId xmlns:a16="http://schemas.microsoft.com/office/drawing/2014/main" id="{B8116648-7819-92C0-444B-7AC6CAC9DDB3}"/>
+                </a:ext>
+              </a:extLst>
+            </p:cNvPr>
+            <p:cNvSpPr/>
+            <p:nvPr/>
+          </p:nvSpPr>
+          <p:spPr>
+            <a:xfrm>
+              <a:off x="2884977" y="874153"/>
+              <a:ext cx="216881" cy="216881"/>
+            </a:xfrm>
+            <a:prstGeom prst="ellipse">
+              <a:avLst/>
+            </a:prstGeom>
+            <a:solidFill>
+              <a:srgbClr val="FFFF00"/>
+            </a:solidFill>
+            <a:ln>
+              <a:solidFill>
+                <a:schemeClr val="accent4">
+                  <a:lumMod val="50000"/>
+                </a:schemeClr>
+              </a:solidFill>
+            </a:ln>
+          </p:spPr>
+          <p:style>
+            <a:lnRef idx="2">
+              <a:schemeClr val="accent1">
+                <a:shade val="50000"/>
+              </a:schemeClr>
+            </a:lnRef>
+            <a:fillRef idx="1">
+              <a:schemeClr val="accent1"/>
+            </a:fillRef>
+            <a:effectRef idx="0">
+              <a:schemeClr val="accent1"/>
+            </a:effectRef>
+            <a:fontRef idx="minor">
+              <a:schemeClr val="lt1"/>
+            </a:fontRef>
+          </p:style>
+          <p:txBody>
+            <a:bodyPr rtlCol="0" anchor="ctr"/>
+            <a:lstStyle/>
+            <a:p>
+              <a:pPr algn="ctr"/>
+              <a:endParaRPr lang="en-US"/>
+            </a:p>
+          </p:txBody>
+        </p:sp>
+        <p:sp>
+          <p:nvSpPr>
+            <p:cNvPr id="64" name="Rectangle: Rounded Corners 63">
+              <a:extLst>
+                <a:ext uri="{FF2B5EF4-FFF2-40B4-BE49-F238E27FC236}">
+                  <a16:creationId xmlns:a16="http://schemas.microsoft.com/office/drawing/2014/main" id="{23C9A840-4BD1-7037-DE2C-EC1D2F3ABCA5}"/>
+                </a:ext>
+              </a:extLst>
+            </p:cNvPr>
+            <p:cNvSpPr/>
+            <p:nvPr/>
+          </p:nvSpPr>
+          <p:spPr>
+            <a:xfrm>
+              <a:off x="2890373" y="1069761"/>
+              <a:ext cx="206089" cy="410023"/>
+            </a:xfrm>
+            <a:prstGeom prst="roundRect">
+              <a:avLst/>
+            </a:prstGeom>
+            <a:solidFill>
+              <a:schemeClr val="tx1">
+                <a:lumMod val="65000"/>
+                <a:lumOff val="35000"/>
+              </a:schemeClr>
+            </a:solidFill>
+          </p:spPr>
+          <p:style>
+            <a:lnRef idx="2">
+              <a:schemeClr val="dk1">
+                <a:shade val="50000"/>
+              </a:schemeClr>
+            </a:lnRef>
+            <a:fillRef idx="1">
+              <a:schemeClr val="dk1"/>
+            </a:fillRef>
+            <a:effectRef idx="0">
+              <a:schemeClr val="dk1"/>
+            </a:effectRef>
+            <a:fontRef idx="minor">
+              <a:schemeClr val="lt1"/>
+            </a:fontRef>
+          </p:style>
+          <p:txBody>
+            <a:bodyPr rtlCol="0" anchor="ctr"/>
+            <a:lstStyle/>
+            <a:p>
+              <a:pPr algn="ctr"/>
+              <a:endParaRPr lang="en-US" dirty="0"/>
+            </a:p>
+          </p:txBody>
+        </p:sp>
+        <p:sp>
+          <p:nvSpPr>
+            <p:cNvPr id="65" name="Rectangle: Rounded Corners 64">
+              <a:extLst>
+                <a:ext uri="{FF2B5EF4-FFF2-40B4-BE49-F238E27FC236}">
+                  <a16:creationId xmlns:a16="http://schemas.microsoft.com/office/drawing/2014/main" id="{013ABA1F-EA04-227B-0CD3-901E48D1E181}"/>
+                </a:ext>
+              </a:extLst>
+            </p:cNvPr>
+            <p:cNvSpPr/>
+            <p:nvPr/>
+          </p:nvSpPr>
+          <p:spPr>
+            <a:xfrm>
+              <a:off x="2814308" y="950222"/>
+              <a:ext cx="358218" cy="216881"/>
+            </a:xfrm>
+            <a:prstGeom prst="roundRect">
+              <a:avLst>
+                <a:gd name="adj" fmla="val 6917"/>
+              </a:avLst>
+            </a:prstGeom>
+            <a:solidFill>
+              <a:schemeClr val="tx1">
+                <a:lumMod val="65000"/>
+                <a:lumOff val="35000"/>
+              </a:schemeClr>
+            </a:solidFill>
+          </p:spPr>
+          <p:style>
+            <a:lnRef idx="2">
+              <a:schemeClr val="dk1">
+                <a:shade val="50000"/>
+              </a:schemeClr>
+            </a:lnRef>
+            <a:fillRef idx="1">
+              <a:schemeClr val="dk1"/>
+            </a:fillRef>
+            <a:effectRef idx="0">
+              <a:schemeClr val="dk1"/>
+            </a:effectRef>
+            <a:fontRef idx="minor">
+              <a:schemeClr val="lt1"/>
+            </a:fontRef>
+          </p:style>
+          <p:txBody>
+            <a:bodyPr rtlCol="0" anchor="ctr"/>
+            <a:lstStyle/>
+            <a:p>
+              <a:pPr algn="ctr"/>
+              <a:endParaRPr lang="en-US"/>
+            </a:p>
+          </p:txBody>
+        </p:sp>
+      </p:grpSp>
+      <p:grpSp>
+        <p:nvGrpSpPr>
+          <p:cNvPr id="137" name="Group 136">
+            <a:extLst>
+              <a:ext uri="{FF2B5EF4-FFF2-40B4-BE49-F238E27FC236}">
+                <a16:creationId xmlns:a16="http://schemas.microsoft.com/office/drawing/2014/main" id="{520A857D-B719-C3EC-8E1B-455B0559EB4E}"/>
+              </a:ext>
+            </a:extLst>
+          </p:cNvPr>
+          <p:cNvGrpSpPr/>
+          <p:nvPr/>
+        </p:nvGrpSpPr>
+        <p:grpSpPr>
+          <a:xfrm>
+            <a:off x="3532329" y="896129"/>
+            <a:ext cx="358218" cy="605631"/>
+            <a:chOff x="3532329" y="896129"/>
+            <a:chExt cx="358218" cy="605631"/>
+          </a:xfrm>
+        </p:grpSpPr>
+        <p:sp>
+          <p:nvSpPr>
+            <p:cNvPr id="69" name="Oval 68">
+              <a:extLst>
+                <a:ext uri="{FF2B5EF4-FFF2-40B4-BE49-F238E27FC236}">
+                  <a16:creationId xmlns:a16="http://schemas.microsoft.com/office/drawing/2014/main" id="{264591B3-EA61-5DA4-E16C-4E628E221E6C}"/>
+                </a:ext>
+              </a:extLst>
+            </p:cNvPr>
+            <p:cNvSpPr/>
+            <p:nvPr/>
+          </p:nvSpPr>
+          <p:spPr>
+            <a:xfrm>
+              <a:off x="3602998" y="896129"/>
+              <a:ext cx="216881" cy="216881"/>
+            </a:xfrm>
+            <a:prstGeom prst="ellipse">
+              <a:avLst/>
+            </a:prstGeom>
+            <a:solidFill>
+              <a:schemeClr val="accent2"/>
+            </a:solidFill>
+            <a:ln>
+              <a:solidFill>
+                <a:schemeClr val="accent2">
+                  <a:lumMod val="50000"/>
+                </a:schemeClr>
+              </a:solidFill>
+            </a:ln>
+          </p:spPr>
+          <p:style>
+            <a:lnRef idx="2">
+              <a:schemeClr val="accent1">
+                <a:shade val="50000"/>
+              </a:schemeClr>
+            </a:lnRef>
+            <a:fillRef idx="1">
+              <a:schemeClr val="accent1"/>
+            </a:fillRef>
+            <a:effectRef idx="0">
+              <a:schemeClr val="accent1"/>
+            </a:effectRef>
+            <a:fontRef idx="minor">
+              <a:schemeClr val="lt1"/>
+            </a:fontRef>
+          </p:style>
+          <p:txBody>
+            <a:bodyPr rtlCol="0" anchor="ctr"/>
+            <a:lstStyle/>
+            <a:p>
+              <a:pPr algn="ctr"/>
+              <a:endParaRPr lang="en-US"/>
+            </a:p>
+          </p:txBody>
+        </p:sp>
+        <p:sp>
+          <p:nvSpPr>
+            <p:cNvPr id="72" name="Rectangle: Rounded Corners 71">
+              <a:extLst>
+                <a:ext uri="{FF2B5EF4-FFF2-40B4-BE49-F238E27FC236}">
+                  <a16:creationId xmlns:a16="http://schemas.microsoft.com/office/drawing/2014/main" id="{2D1A4E7D-C7A2-878D-5EA9-84DB8A54D8FB}"/>
+                </a:ext>
+              </a:extLst>
+            </p:cNvPr>
+            <p:cNvSpPr/>
+            <p:nvPr/>
+          </p:nvSpPr>
+          <p:spPr>
+            <a:xfrm>
+              <a:off x="3608394" y="1091737"/>
+              <a:ext cx="206089" cy="410023"/>
+            </a:xfrm>
+            <a:prstGeom prst="roundRect">
+              <a:avLst/>
+            </a:prstGeom>
+            <a:solidFill>
+              <a:schemeClr val="tx1">
+                <a:lumMod val="65000"/>
+                <a:lumOff val="35000"/>
+              </a:schemeClr>
+            </a:solidFill>
+          </p:spPr>
+          <p:style>
+            <a:lnRef idx="2">
+              <a:schemeClr val="dk1">
+                <a:shade val="50000"/>
+              </a:schemeClr>
+            </a:lnRef>
+            <a:fillRef idx="1">
+              <a:schemeClr val="dk1"/>
+            </a:fillRef>
+            <a:effectRef idx="0">
+              <a:schemeClr val="dk1"/>
+            </a:effectRef>
+            <a:fontRef idx="minor">
+              <a:schemeClr val="lt1"/>
+            </a:fontRef>
+          </p:style>
+          <p:txBody>
+            <a:bodyPr rtlCol="0" anchor="ctr"/>
+            <a:lstStyle/>
+            <a:p>
+              <a:pPr algn="ctr"/>
+              <a:endParaRPr lang="en-US" dirty="0"/>
+            </a:p>
+          </p:txBody>
+        </p:sp>
+        <p:sp>
+          <p:nvSpPr>
+            <p:cNvPr id="73" name="Rectangle: Rounded Corners 72">
+              <a:extLst>
+                <a:ext uri="{FF2B5EF4-FFF2-40B4-BE49-F238E27FC236}">
+                  <a16:creationId xmlns:a16="http://schemas.microsoft.com/office/drawing/2014/main" id="{F11D5381-0D51-1491-38F2-39C9A9392536}"/>
+                </a:ext>
+              </a:extLst>
+            </p:cNvPr>
+            <p:cNvSpPr/>
+            <p:nvPr/>
+          </p:nvSpPr>
+          <p:spPr>
+            <a:xfrm>
+              <a:off x="3532329" y="972198"/>
+              <a:ext cx="358218" cy="216881"/>
+            </a:xfrm>
+            <a:prstGeom prst="roundRect">
+              <a:avLst>
+                <a:gd name="adj" fmla="val 6917"/>
+              </a:avLst>
+            </a:prstGeom>
+            <a:solidFill>
+              <a:schemeClr val="tx1">
+                <a:lumMod val="65000"/>
+                <a:lumOff val="35000"/>
+              </a:schemeClr>
+            </a:solidFill>
+          </p:spPr>
+          <p:style>
+            <a:lnRef idx="2">
+              <a:schemeClr val="dk1">
+                <a:shade val="50000"/>
+              </a:schemeClr>
+            </a:lnRef>
+            <a:fillRef idx="1">
+              <a:schemeClr val="dk1"/>
+            </a:fillRef>
+            <a:effectRef idx="0">
+              <a:schemeClr val="dk1"/>
+            </a:effectRef>
+            <a:fontRef idx="minor">
+              <a:schemeClr val="lt1"/>
+            </a:fontRef>
+          </p:style>
+          <p:txBody>
+            <a:bodyPr rtlCol="0" anchor="ctr"/>
+            <a:lstStyle/>
+            <a:p>
+              <a:pPr algn="ctr"/>
+              <a:endParaRPr lang="en-US"/>
+            </a:p>
+          </p:txBody>
+        </p:sp>
+      </p:grpSp>
+      <p:grpSp>
+        <p:nvGrpSpPr>
+          <p:cNvPr id="138" name="Group 137">
+            <a:extLst>
+              <a:ext uri="{FF2B5EF4-FFF2-40B4-BE49-F238E27FC236}">
+                <a16:creationId xmlns:a16="http://schemas.microsoft.com/office/drawing/2014/main" id="{CC9BF208-688D-5CC2-2C69-29CCEDA6720D}"/>
+              </a:ext>
+            </a:extLst>
+          </p:cNvPr>
+          <p:cNvGrpSpPr/>
+          <p:nvPr/>
+        </p:nvGrpSpPr>
+        <p:grpSpPr>
+          <a:xfrm>
+            <a:off x="4250350" y="896129"/>
+            <a:ext cx="358218" cy="605631"/>
+            <a:chOff x="4250350" y="896129"/>
+            <a:chExt cx="358218" cy="605631"/>
+          </a:xfrm>
+        </p:grpSpPr>
+        <p:sp>
+          <p:nvSpPr>
+            <p:cNvPr id="77" name="Oval 76">
+              <a:extLst>
+                <a:ext uri="{FF2B5EF4-FFF2-40B4-BE49-F238E27FC236}">
+                  <a16:creationId xmlns:a16="http://schemas.microsoft.com/office/drawing/2014/main" id="{E246C1DD-CCFD-BB1B-5D85-925B1F69F56B}"/>
+                </a:ext>
+              </a:extLst>
+            </p:cNvPr>
+            <p:cNvSpPr/>
+            <p:nvPr/>
+          </p:nvSpPr>
+          <p:spPr>
+            <a:xfrm>
+              <a:off x="4321019" y="896129"/>
+              <a:ext cx="216881" cy="216881"/>
+            </a:xfrm>
+            <a:prstGeom prst="ellipse">
+              <a:avLst/>
+            </a:prstGeom>
+            <a:solidFill>
+              <a:srgbClr val="7030A0"/>
+            </a:solidFill>
+            <a:ln>
+              <a:solidFill>
+                <a:srgbClr val="3A1953"/>
+              </a:solidFill>
+            </a:ln>
+          </p:spPr>
+          <p:style>
+            <a:lnRef idx="2">
+              <a:schemeClr val="accent1">
+                <a:shade val="50000"/>
+              </a:schemeClr>
+            </a:lnRef>
+            <a:fillRef idx="1">
+              <a:schemeClr val="accent1"/>
+            </a:fillRef>
+            <a:effectRef idx="0">
+              <a:schemeClr val="accent1"/>
+            </a:effectRef>
+            <a:fontRef idx="minor">
+              <a:schemeClr val="lt1"/>
+            </a:fontRef>
+          </p:style>
+          <p:txBody>
+            <a:bodyPr rtlCol="0" anchor="ctr"/>
+            <a:lstStyle/>
+            <a:p>
+              <a:pPr algn="ctr"/>
+              <a:endParaRPr lang="en-US"/>
+            </a:p>
+          </p:txBody>
+        </p:sp>
+        <p:sp>
+          <p:nvSpPr>
+            <p:cNvPr id="80" name="Rectangle: Rounded Corners 79">
+              <a:extLst>
+                <a:ext uri="{FF2B5EF4-FFF2-40B4-BE49-F238E27FC236}">
+                  <a16:creationId xmlns:a16="http://schemas.microsoft.com/office/drawing/2014/main" id="{5503434B-AE50-4EA1-7698-E9652A1B372D}"/>
+                </a:ext>
+              </a:extLst>
+            </p:cNvPr>
+            <p:cNvSpPr/>
+            <p:nvPr/>
+          </p:nvSpPr>
+          <p:spPr>
+            <a:xfrm>
+              <a:off x="4326415" y="1091737"/>
+              <a:ext cx="206089" cy="410023"/>
+            </a:xfrm>
+            <a:prstGeom prst="roundRect">
+              <a:avLst/>
+            </a:prstGeom>
+            <a:solidFill>
+              <a:schemeClr val="tx1">
+                <a:lumMod val="65000"/>
+                <a:lumOff val="35000"/>
+              </a:schemeClr>
+            </a:solidFill>
+          </p:spPr>
+          <p:style>
+            <a:lnRef idx="2">
+              <a:schemeClr val="dk1">
+                <a:shade val="50000"/>
+              </a:schemeClr>
+            </a:lnRef>
+            <a:fillRef idx="1">
+              <a:schemeClr val="dk1"/>
+            </a:fillRef>
+            <a:effectRef idx="0">
+              <a:schemeClr val="dk1"/>
+            </a:effectRef>
+            <a:fontRef idx="minor">
+              <a:schemeClr val="lt1"/>
+            </a:fontRef>
+          </p:style>
+          <p:txBody>
+            <a:bodyPr rtlCol="0" anchor="ctr"/>
+            <a:lstStyle/>
+            <a:p>
+              <a:pPr algn="ctr"/>
+              <a:endParaRPr lang="en-US" dirty="0"/>
+            </a:p>
+          </p:txBody>
+        </p:sp>
+        <p:sp>
+          <p:nvSpPr>
+            <p:cNvPr id="81" name="Rectangle: Rounded Corners 80">
+              <a:extLst>
+                <a:ext uri="{FF2B5EF4-FFF2-40B4-BE49-F238E27FC236}">
+                  <a16:creationId xmlns:a16="http://schemas.microsoft.com/office/drawing/2014/main" id="{61AE4533-6110-FB23-272F-560A09AADB17}"/>
+                </a:ext>
+              </a:extLst>
+            </p:cNvPr>
+            <p:cNvSpPr/>
+            <p:nvPr/>
+          </p:nvSpPr>
+          <p:spPr>
+            <a:xfrm>
+              <a:off x="4250350" y="972198"/>
+              <a:ext cx="358218" cy="216881"/>
+            </a:xfrm>
+            <a:prstGeom prst="roundRect">
+              <a:avLst>
+                <a:gd name="adj" fmla="val 6917"/>
+              </a:avLst>
+            </a:prstGeom>
+            <a:solidFill>
+              <a:schemeClr val="tx1">
+                <a:lumMod val="65000"/>
+                <a:lumOff val="35000"/>
+              </a:schemeClr>
+            </a:solidFill>
+          </p:spPr>
+          <p:style>
+            <a:lnRef idx="2">
+              <a:schemeClr val="dk1">
+                <a:shade val="50000"/>
+              </a:schemeClr>
+            </a:lnRef>
+            <a:fillRef idx="1">
+              <a:schemeClr val="dk1"/>
+            </a:fillRef>
+            <a:effectRef idx="0">
+              <a:schemeClr val="dk1"/>
+            </a:effectRef>
+            <a:fontRef idx="minor">
+              <a:schemeClr val="lt1"/>
+            </a:fontRef>
+          </p:style>
+          <p:txBody>
+            <a:bodyPr rtlCol="0" anchor="ctr"/>
+            <a:lstStyle/>
+            <a:p>
+              <a:pPr algn="ctr"/>
+              <a:endParaRPr lang="en-US"/>
+            </a:p>
+          </p:txBody>
+        </p:sp>
+      </p:grpSp>
+      <p:grpSp>
+        <p:nvGrpSpPr>
+          <p:cNvPr id="139" name="Group 138">
+            <a:extLst>
+              <a:ext uri="{FF2B5EF4-FFF2-40B4-BE49-F238E27FC236}">
+                <a16:creationId xmlns:a16="http://schemas.microsoft.com/office/drawing/2014/main" id="{0128C51E-EF37-9077-C4E1-F2A9DB64F265}"/>
+              </a:ext>
+            </a:extLst>
+          </p:cNvPr>
+          <p:cNvGrpSpPr/>
+          <p:nvPr/>
+        </p:nvGrpSpPr>
+        <p:grpSpPr>
+          <a:xfrm>
+            <a:off x="4968371" y="874153"/>
+            <a:ext cx="358218" cy="605631"/>
+            <a:chOff x="4968371" y="874153"/>
+            <a:chExt cx="358218" cy="605631"/>
+          </a:xfrm>
+        </p:grpSpPr>
+        <p:sp>
+          <p:nvSpPr>
+            <p:cNvPr id="85" name="Oval 84">
+              <a:extLst>
+                <a:ext uri="{FF2B5EF4-FFF2-40B4-BE49-F238E27FC236}">
+                  <a16:creationId xmlns:a16="http://schemas.microsoft.com/office/drawing/2014/main" id="{B424A612-E2B5-541A-3A95-3AF5717A9209}"/>
+                </a:ext>
+              </a:extLst>
+            </p:cNvPr>
+            <p:cNvSpPr/>
+            <p:nvPr/>
+          </p:nvSpPr>
+          <p:spPr>
+            <a:xfrm>
+              <a:off x="5039040" y="874153"/>
+              <a:ext cx="216881" cy="216881"/>
+            </a:xfrm>
+            <a:prstGeom prst="ellipse">
+              <a:avLst/>
+            </a:prstGeom>
+            <a:solidFill>
+              <a:schemeClr val="bg1"/>
+            </a:solidFill>
+            <a:ln>
+              <a:solidFill>
+                <a:schemeClr val="bg1">
+                  <a:lumMod val="50000"/>
+                </a:schemeClr>
+              </a:solidFill>
+            </a:ln>
+          </p:spPr>
+          <p:style>
+            <a:lnRef idx="2">
+              <a:schemeClr val="accent1">
+                <a:shade val="50000"/>
+              </a:schemeClr>
+            </a:lnRef>
+            <a:fillRef idx="1">
+              <a:schemeClr val="accent1"/>
+            </a:fillRef>
+            <a:effectRef idx="0">
+              <a:schemeClr val="accent1"/>
+            </a:effectRef>
+            <a:fontRef idx="minor">
+              <a:schemeClr val="lt1"/>
+            </a:fontRef>
+          </p:style>
+          <p:txBody>
+            <a:bodyPr rtlCol="0" anchor="ctr"/>
+            <a:lstStyle/>
+            <a:p>
+              <a:pPr algn="ctr"/>
+              <a:endParaRPr lang="en-US"/>
+            </a:p>
+          </p:txBody>
+        </p:sp>
+        <p:sp>
+          <p:nvSpPr>
+            <p:cNvPr id="88" name="Rectangle: Rounded Corners 87">
+              <a:extLst>
+                <a:ext uri="{FF2B5EF4-FFF2-40B4-BE49-F238E27FC236}">
+                  <a16:creationId xmlns:a16="http://schemas.microsoft.com/office/drawing/2014/main" id="{8F8B934B-9226-AE2F-2541-A55C80A79114}"/>
+                </a:ext>
+              </a:extLst>
+            </p:cNvPr>
+            <p:cNvSpPr/>
+            <p:nvPr/>
+          </p:nvSpPr>
+          <p:spPr>
+            <a:xfrm>
+              <a:off x="5044436" y="1069761"/>
+              <a:ext cx="206089" cy="410023"/>
+            </a:xfrm>
+            <a:prstGeom prst="roundRect">
+              <a:avLst/>
+            </a:prstGeom>
+            <a:solidFill>
+              <a:schemeClr val="tx1">
+                <a:lumMod val="65000"/>
+                <a:lumOff val="35000"/>
+              </a:schemeClr>
+            </a:solidFill>
+          </p:spPr>
+          <p:style>
+            <a:lnRef idx="2">
+              <a:schemeClr val="dk1">
+                <a:shade val="50000"/>
+              </a:schemeClr>
+            </a:lnRef>
+            <a:fillRef idx="1">
+              <a:schemeClr val="dk1"/>
+            </a:fillRef>
+            <a:effectRef idx="0">
+              <a:schemeClr val="dk1"/>
+            </a:effectRef>
+            <a:fontRef idx="minor">
+              <a:schemeClr val="lt1"/>
+            </a:fontRef>
+          </p:style>
+          <p:txBody>
+            <a:bodyPr rtlCol="0" anchor="ctr"/>
+            <a:lstStyle/>
+            <a:p>
+              <a:pPr algn="ctr"/>
+              <a:endParaRPr lang="en-US" dirty="0"/>
+            </a:p>
+          </p:txBody>
+        </p:sp>
+        <p:sp>
+          <p:nvSpPr>
+            <p:cNvPr id="89" name="Rectangle: Rounded Corners 88">
+              <a:extLst>
+                <a:ext uri="{FF2B5EF4-FFF2-40B4-BE49-F238E27FC236}">
+                  <a16:creationId xmlns:a16="http://schemas.microsoft.com/office/drawing/2014/main" id="{508EE1D6-BBAE-34A5-E279-881B129EB9C1}"/>
+                </a:ext>
+              </a:extLst>
+            </p:cNvPr>
+            <p:cNvSpPr/>
+            <p:nvPr/>
+          </p:nvSpPr>
+          <p:spPr>
+            <a:xfrm>
+              <a:off x="4968371" y="950222"/>
+              <a:ext cx="358218" cy="216881"/>
+            </a:xfrm>
+            <a:prstGeom prst="roundRect">
+              <a:avLst>
+                <a:gd name="adj" fmla="val 6917"/>
+              </a:avLst>
+            </a:prstGeom>
+            <a:solidFill>
+              <a:schemeClr val="tx1">
+                <a:lumMod val="65000"/>
+                <a:lumOff val="35000"/>
+              </a:schemeClr>
+            </a:solidFill>
+          </p:spPr>
+          <p:style>
+            <a:lnRef idx="2">
+              <a:schemeClr val="dk1">
+                <a:shade val="50000"/>
+              </a:schemeClr>
+            </a:lnRef>
+            <a:fillRef idx="1">
+              <a:schemeClr val="dk1"/>
+            </a:fillRef>
+            <a:effectRef idx="0">
+              <a:schemeClr val="dk1"/>
+            </a:effectRef>
+            <a:fontRef idx="minor">
+              <a:schemeClr val="lt1"/>
+            </a:fontRef>
+          </p:style>
+          <p:txBody>
+            <a:bodyPr rtlCol="0" anchor="ctr"/>
+            <a:lstStyle/>
+            <a:p>
+              <a:pPr algn="ctr"/>
+              <a:endParaRPr lang="en-US"/>
+            </a:p>
+          </p:txBody>
+        </p:sp>
+      </p:grpSp>
+      <p:grpSp>
+        <p:nvGrpSpPr>
+          <p:cNvPr id="160" name="Group 159">
+            <a:extLst>
+              <a:ext uri="{FF2B5EF4-FFF2-40B4-BE49-F238E27FC236}">
+                <a16:creationId xmlns:a16="http://schemas.microsoft.com/office/drawing/2014/main" id="{BC4B9CE2-875C-1FBC-AF30-B9FF87136734}"/>
+              </a:ext>
+            </a:extLst>
+          </p:cNvPr>
+          <p:cNvGrpSpPr/>
+          <p:nvPr/>
+        </p:nvGrpSpPr>
+        <p:grpSpPr>
+          <a:xfrm>
+            <a:off x="627695" y="2209452"/>
+            <a:ext cx="1253765" cy="1588839"/>
+            <a:chOff x="627695" y="2209452"/>
+            <a:chExt cx="1253765" cy="1588839"/>
+          </a:xfrm>
+        </p:grpSpPr>
+        <p:sp>
+          <p:nvSpPr>
+            <p:cNvPr id="140" name="Rectangle: Rounded Corners 139">
+              <a:extLst>
+                <a:ext uri="{FF2B5EF4-FFF2-40B4-BE49-F238E27FC236}">
+                  <a16:creationId xmlns:a16="http://schemas.microsoft.com/office/drawing/2014/main" id="{2545E408-484B-ECE4-044B-0ACF7EE2807C}"/>
+                </a:ext>
+              </a:extLst>
+            </p:cNvPr>
+            <p:cNvSpPr/>
+            <p:nvPr/>
+          </p:nvSpPr>
+          <p:spPr>
+            <a:xfrm rot="3210986">
+              <a:off x="593037" y="2616406"/>
+              <a:ext cx="947520" cy="133611"/>
+            </a:xfrm>
+            <a:prstGeom prst="roundRect">
+              <a:avLst>
+                <a:gd name="adj" fmla="val 50000"/>
+              </a:avLst>
+            </a:prstGeom>
+          </p:spPr>
+          <p:style>
+            <a:lnRef idx="2">
+              <a:schemeClr val="accent3">
+                <a:shade val="50000"/>
+              </a:schemeClr>
+            </a:lnRef>
+            <a:fillRef idx="1">
+              <a:schemeClr val="accent3"/>
+            </a:fillRef>
+            <a:effectRef idx="0">
+              <a:schemeClr val="accent3"/>
+            </a:effectRef>
+            <a:fontRef idx="minor">
+              <a:schemeClr val="lt1"/>
+            </a:fontRef>
+          </p:style>
+          <p:txBody>
+            <a:bodyPr rtlCol="0" anchor="ctr"/>
+            <a:lstStyle/>
+            <a:p>
+              <a:pPr algn="ctr"/>
+              <a:endParaRPr lang="en-US"/>
+            </a:p>
+          </p:txBody>
+        </p:sp>
+        <p:sp>
+          <p:nvSpPr>
+            <p:cNvPr id="141" name="Rectangle: Rounded Corners 140">
+              <a:extLst>
+                <a:ext uri="{FF2B5EF4-FFF2-40B4-BE49-F238E27FC236}">
+                  <a16:creationId xmlns:a16="http://schemas.microsoft.com/office/drawing/2014/main" id="{664DA6BA-6147-E754-1529-647A713D959E}"/>
+                </a:ext>
+              </a:extLst>
+            </p:cNvPr>
+            <p:cNvSpPr/>
+            <p:nvPr/>
+          </p:nvSpPr>
+          <p:spPr>
+            <a:xfrm>
+              <a:off x="1049245" y="2873727"/>
+              <a:ext cx="361951" cy="169684"/>
+            </a:xfrm>
+            <a:prstGeom prst="roundRect">
+              <a:avLst>
+                <a:gd name="adj" fmla="val 5678"/>
+              </a:avLst>
+            </a:prstGeom>
+          </p:spPr>
+          <p:style>
+            <a:lnRef idx="2">
+              <a:schemeClr val="accent3">
+                <a:shade val="50000"/>
+              </a:schemeClr>
+            </a:lnRef>
+            <a:fillRef idx="1">
+              <a:schemeClr val="accent3"/>
+            </a:fillRef>
+            <a:effectRef idx="0">
+              <a:schemeClr val="accent3"/>
+            </a:effectRef>
+            <a:fontRef idx="minor">
+              <a:schemeClr val="lt1"/>
+            </a:fontRef>
+          </p:style>
+          <p:txBody>
+            <a:bodyPr rtlCol="0" anchor="ctr"/>
+            <a:lstStyle/>
+            <a:p>
+              <a:pPr algn="ctr"/>
+              <a:endParaRPr lang="en-US"/>
+            </a:p>
+          </p:txBody>
+        </p:sp>
+        <p:sp>
+          <p:nvSpPr>
+            <p:cNvPr id="142" name="Rectangle: Rounded Corners 141">
+              <a:extLst>
+                <a:ext uri="{FF2B5EF4-FFF2-40B4-BE49-F238E27FC236}">
+                  <a16:creationId xmlns:a16="http://schemas.microsoft.com/office/drawing/2014/main" id="{7BB0B2FB-51E3-D68E-54E0-EB1C3B0CFBF6}"/>
+                </a:ext>
+              </a:extLst>
+            </p:cNvPr>
+            <p:cNvSpPr/>
+            <p:nvPr/>
+          </p:nvSpPr>
+          <p:spPr>
+            <a:xfrm rot="5400000">
+              <a:off x="674830" y="3631749"/>
+              <a:ext cx="223100" cy="109981"/>
+            </a:xfrm>
+            <a:prstGeom prst="roundRect">
+              <a:avLst>
+                <a:gd name="adj" fmla="val 5678"/>
+              </a:avLst>
+            </a:prstGeom>
+          </p:spPr>
+          <p:style>
+            <a:lnRef idx="2">
+              <a:schemeClr val="accent3">
+                <a:shade val="50000"/>
+              </a:schemeClr>
+            </a:lnRef>
+            <a:fillRef idx="1">
+              <a:schemeClr val="accent3"/>
+            </a:fillRef>
+            <a:effectRef idx="0">
+              <a:schemeClr val="accent3"/>
+            </a:effectRef>
+            <a:fontRef idx="minor">
+              <a:schemeClr val="lt1"/>
+            </a:fontRef>
+          </p:style>
+          <p:txBody>
+            <a:bodyPr rtlCol="0" anchor="ctr"/>
+            <a:lstStyle/>
+            <a:p>
+              <a:pPr algn="ctr"/>
+              <a:endParaRPr lang="en-US"/>
+            </a:p>
+          </p:txBody>
+        </p:sp>
+        <p:sp>
+          <p:nvSpPr>
+            <p:cNvPr id="143" name="Rectangle: Rounded Corners 142">
+              <a:extLst>
+                <a:ext uri="{FF2B5EF4-FFF2-40B4-BE49-F238E27FC236}">
+                  <a16:creationId xmlns:a16="http://schemas.microsoft.com/office/drawing/2014/main" id="{E2481A3A-6BA7-2BD2-6745-145760C7881F}"/>
+                </a:ext>
+              </a:extLst>
+            </p:cNvPr>
+            <p:cNvSpPr/>
+            <p:nvPr/>
+          </p:nvSpPr>
+          <p:spPr>
+            <a:xfrm rot="5400000">
+              <a:off x="1584515" y="3631750"/>
+              <a:ext cx="223100" cy="109981"/>
+            </a:xfrm>
+            <a:prstGeom prst="roundRect">
+              <a:avLst>
+                <a:gd name="adj" fmla="val 5678"/>
+              </a:avLst>
+            </a:prstGeom>
+          </p:spPr>
+          <p:style>
+            <a:lnRef idx="2">
+              <a:schemeClr val="accent3">
+                <a:shade val="50000"/>
+              </a:schemeClr>
+            </a:lnRef>
+            <a:fillRef idx="1">
+              <a:schemeClr val="accent3"/>
+            </a:fillRef>
+            <a:effectRef idx="0">
+              <a:schemeClr val="accent3"/>
+            </a:effectRef>
+            <a:fontRef idx="minor">
+              <a:schemeClr val="lt1"/>
+            </a:fontRef>
+          </p:style>
+          <p:txBody>
+            <a:bodyPr rtlCol="0" anchor="ctr"/>
+            <a:lstStyle/>
+            <a:p>
+              <a:pPr algn="ctr"/>
+              <a:endParaRPr lang="en-US"/>
+            </a:p>
+          </p:txBody>
+        </p:sp>
+        <p:sp>
+          <p:nvSpPr>
+            <p:cNvPr id="144" name="Rectangle: Rounded Corners 143">
+              <a:extLst>
+                <a:ext uri="{FF2B5EF4-FFF2-40B4-BE49-F238E27FC236}">
+                  <a16:creationId xmlns:a16="http://schemas.microsoft.com/office/drawing/2014/main" id="{A6E88E29-DCC6-72A6-B4BA-18B676370B2F}"/>
+                </a:ext>
+              </a:extLst>
+            </p:cNvPr>
+            <p:cNvSpPr/>
+            <p:nvPr/>
+          </p:nvSpPr>
+          <p:spPr>
+            <a:xfrm>
+              <a:off x="627695" y="3000154"/>
+              <a:ext cx="1253765" cy="575035"/>
+            </a:xfrm>
+            <a:prstGeom prst="roundRect">
+              <a:avLst>
+                <a:gd name="adj" fmla="val 5678"/>
+              </a:avLst>
+            </a:prstGeom>
+            <a:solidFill>
+              <a:schemeClr val="tx1">
+                <a:lumMod val="75000"/>
+                <a:lumOff val="25000"/>
+              </a:schemeClr>
+            </a:solidFill>
+          </p:spPr>
+          <p:style>
+            <a:lnRef idx="2">
+              <a:schemeClr val="dk1">
+                <a:shade val="50000"/>
+              </a:schemeClr>
+            </a:lnRef>
+            <a:fillRef idx="1">
+              <a:schemeClr val="dk1"/>
+            </a:fillRef>
+            <a:effectRef idx="0">
+              <a:schemeClr val="dk1"/>
+            </a:effectRef>
+            <a:fontRef idx="minor">
+              <a:schemeClr val="lt1"/>
+            </a:fontRef>
+          </p:style>
+          <p:txBody>
+            <a:bodyPr rtlCol="0" anchor="ctr"/>
+            <a:lstStyle/>
+            <a:p>
+              <a:pPr algn="ctr"/>
+              <a:endParaRPr lang="en-US"/>
+            </a:p>
+          </p:txBody>
+        </p:sp>
+        <p:sp>
+          <p:nvSpPr>
+            <p:cNvPr id="145" name="Rectangle: Rounded Corners 144">
+              <a:extLst>
+                <a:ext uri="{FF2B5EF4-FFF2-40B4-BE49-F238E27FC236}">
+                  <a16:creationId xmlns:a16="http://schemas.microsoft.com/office/drawing/2014/main" id="{EDCB2A10-F824-DB04-C8D5-3FC256882D50}"/>
+                </a:ext>
+              </a:extLst>
+            </p:cNvPr>
+            <p:cNvSpPr/>
+            <p:nvPr/>
+          </p:nvSpPr>
+          <p:spPr>
+            <a:xfrm>
+              <a:off x="627695" y="2934166"/>
+              <a:ext cx="1253765" cy="169684"/>
+            </a:xfrm>
+            <a:prstGeom prst="roundRect">
+              <a:avLst>
+                <a:gd name="adj" fmla="val 5678"/>
+              </a:avLst>
+            </a:prstGeom>
+          </p:spPr>
+          <p:style>
+            <a:lnRef idx="2">
+              <a:schemeClr val="accent3">
+                <a:shade val="50000"/>
+              </a:schemeClr>
+            </a:lnRef>
+            <a:fillRef idx="1">
+              <a:schemeClr val="accent3"/>
+            </a:fillRef>
+            <a:effectRef idx="0">
+              <a:schemeClr val="accent3"/>
+            </a:effectRef>
+            <a:fontRef idx="minor">
+              <a:schemeClr val="lt1"/>
+            </a:fontRef>
+          </p:style>
+          <p:txBody>
+            <a:bodyPr rtlCol="0" anchor="ctr"/>
+            <a:lstStyle/>
+            <a:p>
+              <a:pPr algn="ctr"/>
+              <a:endParaRPr lang="en-US"/>
+            </a:p>
+          </p:txBody>
+        </p:sp>
+      </p:grpSp>
+      <p:grpSp>
+        <p:nvGrpSpPr>
+          <p:cNvPr id="161" name="Group 160">
+            <a:extLst>
+              <a:ext uri="{FF2B5EF4-FFF2-40B4-BE49-F238E27FC236}">
+                <a16:creationId xmlns:a16="http://schemas.microsoft.com/office/drawing/2014/main" id="{70DD75E9-4EA7-EBD1-5D35-C95691D21CFA}"/>
+              </a:ext>
+            </a:extLst>
+          </p:cNvPr>
+          <p:cNvGrpSpPr/>
+          <p:nvPr/>
+        </p:nvGrpSpPr>
+        <p:grpSpPr>
+          <a:xfrm>
+            <a:off x="2349233" y="2209730"/>
+            <a:ext cx="1253765" cy="1588839"/>
+            <a:chOff x="2349233" y="2209730"/>
+            <a:chExt cx="1253765" cy="1588839"/>
+          </a:xfrm>
+        </p:grpSpPr>
+        <p:sp>
+          <p:nvSpPr>
+            <p:cNvPr id="152" name="Rectangle: Rounded Corners 151">
+              <a:extLst>
+                <a:ext uri="{FF2B5EF4-FFF2-40B4-BE49-F238E27FC236}">
+                  <a16:creationId xmlns:a16="http://schemas.microsoft.com/office/drawing/2014/main" id="{46DE44DC-85FA-02C6-D82C-5BBE6932DB9C}"/>
+                </a:ext>
+              </a:extLst>
+            </p:cNvPr>
+            <p:cNvSpPr/>
+            <p:nvPr/>
+          </p:nvSpPr>
+          <p:spPr>
+            <a:xfrm rot="5400000">
+              <a:off x="2846408" y="3631750"/>
+              <a:ext cx="223100" cy="109981"/>
+            </a:xfrm>
+            <a:prstGeom prst="roundRect">
+              <a:avLst>
+                <a:gd name="adj" fmla="val 5678"/>
+              </a:avLst>
+            </a:prstGeom>
+          </p:spPr>
+          <p:style>
+            <a:lnRef idx="2">
+              <a:schemeClr val="accent3">
+                <a:shade val="50000"/>
+              </a:schemeClr>
+            </a:lnRef>
+            <a:fillRef idx="1">
+              <a:schemeClr val="accent3"/>
+            </a:fillRef>
+            <a:effectRef idx="0">
+              <a:schemeClr val="accent3"/>
+            </a:effectRef>
+            <a:fontRef idx="minor">
+              <a:schemeClr val="lt1"/>
+            </a:fontRef>
+          </p:style>
+          <p:txBody>
+            <a:bodyPr rtlCol="0" anchor="ctr"/>
+            <a:lstStyle/>
+            <a:p>
+              <a:pPr algn="ctr"/>
+              <a:endParaRPr lang="en-US"/>
+            </a:p>
+          </p:txBody>
+        </p:sp>
+        <p:sp>
+          <p:nvSpPr>
+            <p:cNvPr id="146" name="Rectangle: Rounded Corners 145">
+              <a:extLst>
+                <a:ext uri="{FF2B5EF4-FFF2-40B4-BE49-F238E27FC236}">
+                  <a16:creationId xmlns:a16="http://schemas.microsoft.com/office/drawing/2014/main" id="{F2B2EB9E-F1C9-59D5-0182-C482C42B8FB0}"/>
+                </a:ext>
+              </a:extLst>
+            </p:cNvPr>
+            <p:cNvSpPr/>
+            <p:nvPr/>
+          </p:nvSpPr>
+          <p:spPr>
+            <a:xfrm rot="3210986">
+              <a:off x="2314575" y="2616684"/>
+              <a:ext cx="947520" cy="133611"/>
+            </a:xfrm>
+            <a:prstGeom prst="roundRect">
+              <a:avLst>
+                <a:gd name="adj" fmla="val 50000"/>
+              </a:avLst>
+            </a:prstGeom>
+          </p:spPr>
+          <p:style>
+            <a:lnRef idx="2">
+              <a:schemeClr val="accent3">
+                <a:shade val="50000"/>
+              </a:schemeClr>
+            </a:lnRef>
+            <a:fillRef idx="1">
+              <a:schemeClr val="accent3"/>
+            </a:fillRef>
+            <a:effectRef idx="0">
+              <a:schemeClr val="accent3"/>
+            </a:effectRef>
+            <a:fontRef idx="minor">
+              <a:schemeClr val="lt1"/>
+            </a:fontRef>
+          </p:style>
+          <p:txBody>
+            <a:bodyPr rtlCol="0" anchor="ctr"/>
+            <a:lstStyle/>
+            <a:p>
+              <a:pPr algn="ctr"/>
+              <a:endParaRPr lang="en-US"/>
+            </a:p>
+          </p:txBody>
+        </p:sp>
+        <p:sp>
+          <p:nvSpPr>
+            <p:cNvPr id="147" name="Rectangle: Rounded Corners 146">
+              <a:extLst>
+                <a:ext uri="{FF2B5EF4-FFF2-40B4-BE49-F238E27FC236}">
+                  <a16:creationId xmlns:a16="http://schemas.microsoft.com/office/drawing/2014/main" id="{3798EAB8-3865-C60F-4B01-4C8400BEDAAD}"/>
+                </a:ext>
+              </a:extLst>
+            </p:cNvPr>
+            <p:cNvSpPr/>
+            <p:nvPr/>
+          </p:nvSpPr>
+          <p:spPr>
+            <a:xfrm>
+              <a:off x="2770783" y="2874005"/>
+              <a:ext cx="361951" cy="169684"/>
+            </a:xfrm>
+            <a:prstGeom prst="roundRect">
+              <a:avLst>
+                <a:gd name="adj" fmla="val 5678"/>
+              </a:avLst>
+            </a:prstGeom>
+          </p:spPr>
+          <p:style>
+            <a:lnRef idx="2">
+              <a:schemeClr val="accent3">
+                <a:shade val="50000"/>
+              </a:schemeClr>
+            </a:lnRef>
+            <a:fillRef idx="1">
+              <a:schemeClr val="accent3"/>
+            </a:fillRef>
+            <a:effectRef idx="0">
+              <a:schemeClr val="accent3"/>
+            </a:effectRef>
+            <a:fontRef idx="minor">
+              <a:schemeClr val="lt1"/>
+            </a:fontRef>
+          </p:style>
+          <p:txBody>
+            <a:bodyPr rtlCol="0" anchor="ctr"/>
+            <a:lstStyle/>
+            <a:p>
+              <a:pPr algn="ctr"/>
+              <a:endParaRPr lang="en-US"/>
+            </a:p>
+          </p:txBody>
+        </p:sp>
+        <p:sp>
+          <p:nvSpPr>
+            <p:cNvPr id="148" name="Rectangle: Rounded Corners 147">
+              <a:extLst>
+                <a:ext uri="{FF2B5EF4-FFF2-40B4-BE49-F238E27FC236}">
+                  <a16:creationId xmlns:a16="http://schemas.microsoft.com/office/drawing/2014/main" id="{204D021D-1BD9-1A87-FE04-7A355E3DA5DB}"/>
+                </a:ext>
+              </a:extLst>
+            </p:cNvPr>
+            <p:cNvSpPr/>
+            <p:nvPr/>
+          </p:nvSpPr>
+          <p:spPr>
+            <a:xfrm rot="5400000">
+              <a:off x="2396368" y="3632027"/>
+              <a:ext cx="223100" cy="109981"/>
+            </a:xfrm>
+            <a:prstGeom prst="roundRect">
+              <a:avLst>
+                <a:gd name="adj" fmla="val 5678"/>
+              </a:avLst>
+            </a:prstGeom>
+          </p:spPr>
+          <p:style>
+            <a:lnRef idx="2">
+              <a:schemeClr val="accent3">
+                <a:shade val="50000"/>
+              </a:schemeClr>
+            </a:lnRef>
+            <a:fillRef idx="1">
+              <a:schemeClr val="accent3"/>
+            </a:fillRef>
+            <a:effectRef idx="0">
+              <a:schemeClr val="accent3"/>
+            </a:effectRef>
+            <a:fontRef idx="minor">
+              <a:schemeClr val="lt1"/>
+            </a:fontRef>
+          </p:style>
+          <p:txBody>
+            <a:bodyPr rtlCol="0" anchor="ctr"/>
+            <a:lstStyle/>
+            <a:p>
+              <a:pPr algn="ctr"/>
+              <a:endParaRPr lang="en-US"/>
+            </a:p>
+          </p:txBody>
+        </p:sp>
+        <p:sp>
+          <p:nvSpPr>
+            <p:cNvPr id="149" name="Rectangle: Rounded Corners 148">
+              <a:extLst>
+                <a:ext uri="{FF2B5EF4-FFF2-40B4-BE49-F238E27FC236}">
+                  <a16:creationId xmlns:a16="http://schemas.microsoft.com/office/drawing/2014/main" id="{D18FA55A-B748-1F1D-1B23-2596913260BB}"/>
+                </a:ext>
+              </a:extLst>
+            </p:cNvPr>
+            <p:cNvSpPr/>
+            <p:nvPr/>
+          </p:nvSpPr>
+          <p:spPr>
+            <a:xfrm rot="5400000">
+              <a:off x="3306053" y="3632028"/>
+              <a:ext cx="223100" cy="109981"/>
+            </a:xfrm>
+            <a:prstGeom prst="roundRect">
+              <a:avLst>
+                <a:gd name="adj" fmla="val 5678"/>
+              </a:avLst>
+            </a:prstGeom>
+          </p:spPr>
+          <p:style>
+            <a:lnRef idx="2">
+              <a:schemeClr val="accent3">
+                <a:shade val="50000"/>
+              </a:schemeClr>
+            </a:lnRef>
+            <a:fillRef idx="1">
+              <a:schemeClr val="accent3"/>
+            </a:fillRef>
+            <a:effectRef idx="0">
+              <a:schemeClr val="accent3"/>
+            </a:effectRef>
+            <a:fontRef idx="minor">
+              <a:schemeClr val="lt1"/>
+            </a:fontRef>
+          </p:style>
+          <p:txBody>
+            <a:bodyPr rtlCol="0" anchor="ctr"/>
+            <a:lstStyle/>
+            <a:p>
+              <a:pPr algn="ctr"/>
+              <a:endParaRPr lang="en-US"/>
+            </a:p>
+          </p:txBody>
+        </p:sp>
+        <p:sp>
+          <p:nvSpPr>
+            <p:cNvPr id="150" name="Rectangle: Rounded Corners 149">
+              <a:extLst>
+                <a:ext uri="{FF2B5EF4-FFF2-40B4-BE49-F238E27FC236}">
+                  <a16:creationId xmlns:a16="http://schemas.microsoft.com/office/drawing/2014/main" id="{E5DC4A6C-40A2-0C59-3EA4-8C9F93F833E9}"/>
+                </a:ext>
+              </a:extLst>
+            </p:cNvPr>
+            <p:cNvSpPr/>
+            <p:nvPr/>
+          </p:nvSpPr>
+          <p:spPr>
+            <a:xfrm>
+              <a:off x="2349233" y="3000432"/>
+              <a:ext cx="1253765" cy="575035"/>
+            </a:xfrm>
+            <a:prstGeom prst="roundRect">
+              <a:avLst>
+                <a:gd name="adj" fmla="val 5678"/>
+              </a:avLst>
+            </a:prstGeom>
+            <a:solidFill>
+              <a:schemeClr val="tx1">
+                <a:lumMod val="75000"/>
+                <a:lumOff val="25000"/>
+              </a:schemeClr>
+            </a:solidFill>
+          </p:spPr>
+          <p:style>
+            <a:lnRef idx="2">
+              <a:schemeClr val="dk1">
+                <a:shade val="50000"/>
+              </a:schemeClr>
+            </a:lnRef>
+            <a:fillRef idx="1">
+              <a:schemeClr val="dk1"/>
+            </a:fillRef>
+            <a:effectRef idx="0">
+              <a:schemeClr val="dk1"/>
+            </a:effectRef>
+            <a:fontRef idx="minor">
+              <a:schemeClr val="lt1"/>
+            </a:fontRef>
+          </p:style>
+          <p:txBody>
+            <a:bodyPr rtlCol="0" anchor="ctr"/>
+            <a:lstStyle/>
+            <a:p>
+              <a:pPr algn="ctr"/>
+              <a:endParaRPr lang="en-US"/>
+            </a:p>
+          </p:txBody>
+        </p:sp>
+        <p:sp>
+          <p:nvSpPr>
+            <p:cNvPr id="151" name="Rectangle: Rounded Corners 150">
+              <a:extLst>
+                <a:ext uri="{FF2B5EF4-FFF2-40B4-BE49-F238E27FC236}">
+                  <a16:creationId xmlns:a16="http://schemas.microsoft.com/office/drawing/2014/main" id="{82C363BC-9AE3-B0C8-89A8-7C6AEEFAFC09}"/>
+                </a:ext>
+              </a:extLst>
+            </p:cNvPr>
+            <p:cNvSpPr/>
+            <p:nvPr/>
+          </p:nvSpPr>
+          <p:spPr>
+            <a:xfrm>
+              <a:off x="2349233" y="2934444"/>
+              <a:ext cx="1253765" cy="169684"/>
+            </a:xfrm>
+            <a:prstGeom prst="roundRect">
+              <a:avLst>
+                <a:gd name="adj" fmla="val 5678"/>
+              </a:avLst>
+            </a:prstGeom>
+          </p:spPr>
+          <p:style>
+            <a:lnRef idx="2">
+              <a:schemeClr val="accent3">
+                <a:shade val="50000"/>
+              </a:schemeClr>
+            </a:lnRef>
+            <a:fillRef idx="1">
+              <a:schemeClr val="accent3"/>
+            </a:fillRef>
+            <a:effectRef idx="0">
+              <a:schemeClr val="accent3"/>
+            </a:effectRef>
+            <a:fontRef idx="minor">
+              <a:schemeClr val="lt1"/>
+            </a:fontRef>
+          </p:style>
+          <p:txBody>
+            <a:bodyPr rtlCol="0" anchor="ctr"/>
+            <a:lstStyle/>
+            <a:p>
+              <a:pPr algn="ctr"/>
+              <a:endParaRPr lang="en-US"/>
+            </a:p>
+          </p:txBody>
+        </p:sp>
+      </p:grpSp>
+      <p:grpSp>
+        <p:nvGrpSpPr>
+          <p:cNvPr id="162" name="Group 161">
+            <a:extLst>
+              <a:ext uri="{FF2B5EF4-FFF2-40B4-BE49-F238E27FC236}">
+                <a16:creationId xmlns:a16="http://schemas.microsoft.com/office/drawing/2014/main" id="{E3CBE201-AB3A-D656-0F39-E4A86181B9A5}"/>
+              </a:ext>
+            </a:extLst>
+          </p:cNvPr>
+          <p:cNvGrpSpPr/>
+          <p:nvPr/>
+        </p:nvGrpSpPr>
+        <p:grpSpPr>
+          <a:xfrm>
+            <a:off x="4026837" y="2325055"/>
+            <a:ext cx="1253765" cy="1473236"/>
+            <a:chOff x="4026837" y="2325055"/>
+            <a:chExt cx="1253765" cy="1473236"/>
+          </a:xfrm>
+        </p:grpSpPr>
+        <p:sp>
+          <p:nvSpPr>
+            <p:cNvPr id="153" name="Rectangle: Rounded Corners 152">
+              <a:extLst>
+                <a:ext uri="{FF2B5EF4-FFF2-40B4-BE49-F238E27FC236}">
+                  <a16:creationId xmlns:a16="http://schemas.microsoft.com/office/drawing/2014/main" id="{CA457AE7-586F-A681-80DC-B1EE6764DA87}"/>
+                </a:ext>
+              </a:extLst>
+            </p:cNvPr>
+            <p:cNvSpPr/>
+            <p:nvPr/>
+          </p:nvSpPr>
+          <p:spPr>
+            <a:xfrm rot="5400000">
+              <a:off x="4524012" y="3631472"/>
+              <a:ext cx="223100" cy="109981"/>
+            </a:xfrm>
+            <a:prstGeom prst="roundRect">
+              <a:avLst>
+                <a:gd name="adj" fmla="val 5678"/>
+              </a:avLst>
+            </a:prstGeom>
+          </p:spPr>
+          <p:style>
+            <a:lnRef idx="2">
+              <a:schemeClr val="accent3">
+                <a:shade val="50000"/>
+              </a:schemeClr>
+            </a:lnRef>
+            <a:fillRef idx="1">
+              <a:schemeClr val="accent3"/>
+            </a:fillRef>
+            <a:effectRef idx="0">
+              <a:schemeClr val="accent3"/>
+            </a:effectRef>
+            <a:fontRef idx="minor">
+              <a:schemeClr val="lt1"/>
+            </a:fontRef>
+          </p:style>
+          <p:txBody>
+            <a:bodyPr rtlCol="0" anchor="ctr"/>
+            <a:lstStyle/>
+            <a:p>
+              <a:pPr algn="ctr"/>
+              <a:endParaRPr lang="en-US"/>
+            </a:p>
+          </p:txBody>
+        </p:sp>
+        <p:sp>
+          <p:nvSpPr>
+            <p:cNvPr id="154" name="Rectangle: Rounded Corners 153">
+              <a:extLst>
+                <a:ext uri="{FF2B5EF4-FFF2-40B4-BE49-F238E27FC236}">
+                  <a16:creationId xmlns:a16="http://schemas.microsoft.com/office/drawing/2014/main" id="{2FC7EF46-6432-A6E7-E397-5623F20B4A64}"/>
+                </a:ext>
+              </a:extLst>
+            </p:cNvPr>
+            <p:cNvSpPr/>
+            <p:nvPr/>
+          </p:nvSpPr>
+          <p:spPr>
+            <a:xfrm rot="5400000">
+              <a:off x="4142045" y="2732009"/>
+              <a:ext cx="947520" cy="133611"/>
+            </a:xfrm>
+            <a:prstGeom prst="roundRect">
+              <a:avLst>
+                <a:gd name="adj" fmla="val 50000"/>
+              </a:avLst>
+            </a:prstGeom>
+          </p:spPr>
+          <p:style>
+            <a:lnRef idx="2">
+              <a:schemeClr val="accent3">
+                <a:shade val="50000"/>
+              </a:schemeClr>
+            </a:lnRef>
+            <a:fillRef idx="1">
+              <a:schemeClr val="accent3"/>
+            </a:fillRef>
+            <a:effectRef idx="0">
+              <a:schemeClr val="accent3"/>
+            </a:effectRef>
+            <a:fontRef idx="minor">
+              <a:schemeClr val="lt1"/>
+            </a:fontRef>
+          </p:style>
+          <p:txBody>
+            <a:bodyPr rtlCol="0" anchor="ctr"/>
+            <a:lstStyle/>
+            <a:p>
+              <a:pPr algn="ctr"/>
+              <a:endParaRPr lang="en-US"/>
+            </a:p>
+          </p:txBody>
+        </p:sp>
+        <p:sp>
+          <p:nvSpPr>
+            <p:cNvPr id="155" name="Rectangle: Rounded Corners 154">
+              <a:extLst>
+                <a:ext uri="{FF2B5EF4-FFF2-40B4-BE49-F238E27FC236}">
+                  <a16:creationId xmlns:a16="http://schemas.microsoft.com/office/drawing/2014/main" id="{9A190438-D483-4F7A-5B54-49A7D21DB83E}"/>
+                </a:ext>
+              </a:extLst>
+            </p:cNvPr>
+            <p:cNvSpPr/>
+            <p:nvPr/>
+          </p:nvSpPr>
+          <p:spPr>
+            <a:xfrm>
+              <a:off x="4448387" y="2873727"/>
+              <a:ext cx="361951" cy="169684"/>
+            </a:xfrm>
+            <a:prstGeom prst="roundRect">
+              <a:avLst>
+                <a:gd name="adj" fmla="val 5678"/>
+              </a:avLst>
+            </a:prstGeom>
+          </p:spPr>
+          <p:style>
+            <a:lnRef idx="2">
+              <a:schemeClr val="accent3">
+                <a:shade val="50000"/>
+              </a:schemeClr>
+            </a:lnRef>
+            <a:fillRef idx="1">
+              <a:schemeClr val="accent3"/>
+            </a:fillRef>
+            <a:effectRef idx="0">
+              <a:schemeClr val="accent3"/>
+            </a:effectRef>
+            <a:fontRef idx="minor">
+              <a:schemeClr val="lt1"/>
+            </a:fontRef>
+          </p:style>
+          <p:txBody>
+            <a:bodyPr rtlCol="0" anchor="ctr"/>
+            <a:lstStyle/>
+            <a:p>
+              <a:pPr algn="ctr"/>
+              <a:endParaRPr lang="en-US"/>
+            </a:p>
+          </p:txBody>
+        </p:sp>
+        <p:sp>
+          <p:nvSpPr>
+            <p:cNvPr id="156" name="Rectangle: Rounded Corners 155">
+              <a:extLst>
+                <a:ext uri="{FF2B5EF4-FFF2-40B4-BE49-F238E27FC236}">
+                  <a16:creationId xmlns:a16="http://schemas.microsoft.com/office/drawing/2014/main" id="{D15FD7F2-2ACE-0846-2900-D71BBC9310E5}"/>
+                </a:ext>
+              </a:extLst>
+            </p:cNvPr>
+            <p:cNvSpPr/>
+            <p:nvPr/>
+          </p:nvSpPr>
+          <p:spPr>
+            <a:xfrm rot="5400000">
+              <a:off x="4073972" y="3631749"/>
+              <a:ext cx="223100" cy="109981"/>
+            </a:xfrm>
+            <a:prstGeom prst="roundRect">
+              <a:avLst>
+                <a:gd name="adj" fmla="val 5678"/>
+              </a:avLst>
+            </a:prstGeom>
+          </p:spPr>
+          <p:style>
+            <a:lnRef idx="2">
+              <a:schemeClr val="accent3">
+                <a:shade val="50000"/>
+              </a:schemeClr>
+            </a:lnRef>
+            <a:fillRef idx="1">
+              <a:schemeClr val="accent3"/>
+            </a:fillRef>
+            <a:effectRef idx="0">
+              <a:schemeClr val="accent3"/>
+            </a:effectRef>
+            <a:fontRef idx="minor">
+              <a:schemeClr val="lt1"/>
+            </a:fontRef>
+          </p:style>
+          <p:txBody>
+            <a:bodyPr rtlCol="0" anchor="ctr"/>
+            <a:lstStyle/>
+            <a:p>
+              <a:pPr algn="ctr"/>
+              <a:endParaRPr lang="en-US"/>
+            </a:p>
+          </p:txBody>
+        </p:sp>
+        <p:sp>
+          <p:nvSpPr>
+            <p:cNvPr id="157" name="Rectangle: Rounded Corners 156">
+              <a:extLst>
+                <a:ext uri="{FF2B5EF4-FFF2-40B4-BE49-F238E27FC236}">
+                  <a16:creationId xmlns:a16="http://schemas.microsoft.com/office/drawing/2014/main" id="{73518727-AED5-B036-F5A3-D9BB4842F55A}"/>
+                </a:ext>
+              </a:extLst>
+            </p:cNvPr>
+            <p:cNvSpPr/>
+            <p:nvPr/>
+          </p:nvSpPr>
+          <p:spPr>
+            <a:xfrm rot="5400000">
+              <a:off x="4983657" y="3631750"/>
+              <a:ext cx="223100" cy="109981"/>
+            </a:xfrm>
+            <a:prstGeom prst="roundRect">
+              <a:avLst>
+                <a:gd name="adj" fmla="val 5678"/>
+              </a:avLst>
+            </a:prstGeom>
+          </p:spPr>
+          <p:style>
+            <a:lnRef idx="2">
+              <a:schemeClr val="accent3">
+                <a:shade val="50000"/>
+              </a:schemeClr>
+            </a:lnRef>
+            <a:fillRef idx="1">
+              <a:schemeClr val="accent3"/>
+            </a:fillRef>
+            <a:effectRef idx="0">
+              <a:schemeClr val="accent3"/>
+            </a:effectRef>
+            <a:fontRef idx="minor">
+              <a:schemeClr val="lt1"/>
+            </a:fontRef>
+          </p:style>
+          <p:txBody>
+            <a:bodyPr rtlCol="0" anchor="ctr"/>
+            <a:lstStyle/>
+            <a:p>
+              <a:pPr algn="ctr"/>
+              <a:endParaRPr lang="en-US"/>
+            </a:p>
+          </p:txBody>
+        </p:sp>
+        <p:sp>
+          <p:nvSpPr>
+            <p:cNvPr id="158" name="Rectangle: Rounded Corners 157">
+              <a:extLst>
+                <a:ext uri="{FF2B5EF4-FFF2-40B4-BE49-F238E27FC236}">
+                  <a16:creationId xmlns:a16="http://schemas.microsoft.com/office/drawing/2014/main" id="{8B471773-01D8-F5F7-646A-E6296857286A}"/>
+                </a:ext>
+              </a:extLst>
+            </p:cNvPr>
+            <p:cNvSpPr/>
+            <p:nvPr/>
+          </p:nvSpPr>
+          <p:spPr>
+            <a:xfrm>
+              <a:off x="4026837" y="3000154"/>
+              <a:ext cx="1253765" cy="575035"/>
+            </a:xfrm>
+            <a:prstGeom prst="roundRect">
+              <a:avLst>
+                <a:gd name="adj" fmla="val 5678"/>
+              </a:avLst>
+            </a:prstGeom>
+            <a:solidFill>
+              <a:schemeClr val="tx1">
+                <a:lumMod val="75000"/>
+                <a:lumOff val="25000"/>
+              </a:schemeClr>
+            </a:solidFill>
+          </p:spPr>
+          <p:style>
+            <a:lnRef idx="2">
+              <a:schemeClr val="dk1">
+                <a:shade val="50000"/>
+              </a:schemeClr>
+            </a:lnRef>
+            <a:fillRef idx="1">
+              <a:schemeClr val="dk1"/>
+            </a:fillRef>
+            <a:effectRef idx="0">
+              <a:schemeClr val="dk1"/>
+            </a:effectRef>
+            <a:fontRef idx="minor">
+              <a:schemeClr val="lt1"/>
+            </a:fontRef>
+          </p:style>
+          <p:txBody>
+            <a:bodyPr rtlCol="0" anchor="ctr"/>
+            <a:lstStyle/>
+            <a:p>
+              <a:pPr algn="ctr"/>
+              <a:endParaRPr lang="en-US"/>
+            </a:p>
+          </p:txBody>
+        </p:sp>
+        <p:sp>
+          <p:nvSpPr>
+            <p:cNvPr id="159" name="Rectangle: Rounded Corners 158">
+              <a:extLst>
+                <a:ext uri="{FF2B5EF4-FFF2-40B4-BE49-F238E27FC236}">
+                  <a16:creationId xmlns:a16="http://schemas.microsoft.com/office/drawing/2014/main" id="{C07AA404-F8A8-13A5-CB12-5B8E830D2AD1}"/>
+                </a:ext>
+              </a:extLst>
+            </p:cNvPr>
+            <p:cNvSpPr/>
+            <p:nvPr/>
+          </p:nvSpPr>
+          <p:spPr>
+            <a:xfrm>
+              <a:off x="4026837" y="2934166"/>
+              <a:ext cx="1253765" cy="169684"/>
+            </a:xfrm>
+            <a:prstGeom prst="roundRect">
+              <a:avLst>
+                <a:gd name="adj" fmla="val 5678"/>
+              </a:avLst>
+            </a:prstGeom>
+          </p:spPr>
+          <p:style>
+            <a:lnRef idx="2">
+              <a:schemeClr val="accent3">
+                <a:shade val="50000"/>
+              </a:schemeClr>
+            </a:lnRef>
+            <a:fillRef idx="1">
+              <a:schemeClr val="accent3"/>
+            </a:fillRef>
+            <a:effectRef idx="0">
+              <a:schemeClr val="accent3"/>
+            </a:effectRef>
+            <a:fontRef idx="minor">
+              <a:schemeClr val="lt1"/>
+            </a:fontRef>
+          </p:style>
+          <p:txBody>
+            <a:bodyPr rtlCol="0" anchor="ctr"/>
+            <a:lstStyle/>
+            <a:p>
+              <a:pPr algn="ctr"/>
+              <a:endParaRPr lang="en-US"/>
+            </a:p>
+          </p:txBody>
+        </p:sp>
+      </p:grpSp>
+      <p:sp>
+        <p:nvSpPr>
+          <p:cNvPr id="163" name="Rectangle 162">
+            <a:extLst>
+              <a:ext uri="{FF2B5EF4-FFF2-40B4-BE49-F238E27FC236}">
+                <a16:creationId xmlns:a16="http://schemas.microsoft.com/office/drawing/2014/main" id="{22241910-8DDB-1689-56BE-886BFE7FC422}"/>
+              </a:ext>
+            </a:extLst>
+          </p:cNvPr>
+          <p:cNvSpPr/>
+          <p:nvPr/>
+        </p:nvSpPr>
+        <p:spPr>
+          <a:xfrm>
+            <a:off x="635054" y="5273380"/>
+            <a:ext cx="1555423" cy="279364"/>
+          </a:xfrm>
+          <a:prstGeom prst="rect">
+            <a:avLst/>
+          </a:prstGeom>
+        </p:spPr>
+        <p:style>
+          <a:lnRef idx="2">
+            <a:schemeClr val="accent6">
+              <a:shade val="50000"/>
+            </a:schemeClr>
+          </a:lnRef>
+          <a:fillRef idx="1">
+            <a:schemeClr val="accent6"/>
+          </a:fillRef>
+          <a:effectRef idx="0">
+            <a:schemeClr val="accent6"/>
+          </a:effectRef>
+          <a:fontRef idx="minor">
+            <a:schemeClr val="lt1"/>
+          </a:fontRef>
+        </p:style>
+        <p:txBody>
+          <a:bodyPr rtlCol="0" anchor="ctr"/>
+          <a:lstStyle/>
+          <a:p>
+            <a:pPr algn="ctr"/>
+            <a:endParaRPr lang="en-US"/>
+          </a:p>
+        </p:txBody>
+      </p:sp>
+      <p:sp>
+        <p:nvSpPr>
+          <p:cNvPr id="164" name="Oval 163">
+            <a:extLst>
+              <a:ext uri="{FF2B5EF4-FFF2-40B4-BE49-F238E27FC236}">
+                <a16:creationId xmlns:a16="http://schemas.microsoft.com/office/drawing/2014/main" id="{66CEEE91-D963-6464-F505-D62A5479439A}"/>
+              </a:ext>
+            </a:extLst>
+          </p:cNvPr>
+          <p:cNvSpPr/>
+          <p:nvPr/>
+        </p:nvSpPr>
+        <p:spPr>
+          <a:xfrm>
+            <a:off x="684274" y="5336386"/>
+            <a:ext cx="160255" cy="160255"/>
+          </a:xfrm>
+          <a:prstGeom prst="ellipse">
+            <a:avLst/>
+          </a:prstGeom>
+          <a:solidFill>
+            <a:schemeClr val="bg1"/>
+          </a:solidFill>
+        </p:spPr>
+        <p:style>
+          <a:lnRef idx="2">
+            <a:schemeClr val="accent6">
+              <a:shade val="50000"/>
+            </a:schemeClr>
+          </a:lnRef>
+          <a:fillRef idx="1">
+            <a:schemeClr val="accent6"/>
+          </a:fillRef>
+          <a:effectRef idx="0">
+            <a:schemeClr val="accent6"/>
+          </a:effectRef>
+          <a:fontRef idx="minor">
+            <a:schemeClr val="lt1"/>
+          </a:fontRef>
+        </p:style>
+        <p:txBody>
+          <a:bodyPr rtlCol="0" anchor="ctr"/>
+          <a:lstStyle/>
+          <a:p>
+            <a:pPr algn="ctr"/>
+            <a:endParaRPr lang="en-US"/>
+          </a:p>
+        </p:txBody>
+      </p:sp>
+      <p:sp>
+        <p:nvSpPr>
+          <p:cNvPr id="165" name="Oval 164">
+            <a:extLst>
+              <a:ext uri="{FF2B5EF4-FFF2-40B4-BE49-F238E27FC236}">
+                <a16:creationId xmlns:a16="http://schemas.microsoft.com/office/drawing/2014/main" id="{1B7BCA8A-36FF-5523-482E-26126413D72E}"/>
+              </a:ext>
+            </a:extLst>
+          </p:cNvPr>
+          <p:cNvSpPr/>
+          <p:nvPr/>
+        </p:nvSpPr>
+        <p:spPr>
+          <a:xfrm>
+            <a:off x="1979433" y="5328796"/>
+            <a:ext cx="160255" cy="160255"/>
+          </a:xfrm>
+          <a:prstGeom prst="ellipse">
+            <a:avLst/>
+          </a:prstGeom>
+          <a:solidFill>
+            <a:schemeClr val="bg1"/>
+          </a:solidFill>
+        </p:spPr>
+        <p:style>
+          <a:lnRef idx="2">
+            <a:schemeClr val="accent6">
+              <a:shade val="50000"/>
+            </a:schemeClr>
+          </a:lnRef>
+          <a:fillRef idx="1">
+            <a:schemeClr val="accent6"/>
+          </a:fillRef>
+          <a:effectRef idx="0">
+            <a:schemeClr val="accent6"/>
+          </a:effectRef>
+          <a:fontRef idx="minor">
+            <a:schemeClr val="lt1"/>
+          </a:fontRef>
+        </p:style>
+        <p:txBody>
+          <a:bodyPr rtlCol="0" anchor="ctr"/>
+          <a:lstStyle/>
+          <a:p>
+            <a:pPr algn="ctr"/>
+            <a:endParaRPr lang="en-US"/>
+          </a:p>
+        </p:txBody>
+      </p:sp>
+      <p:sp>
+        <p:nvSpPr>
+          <p:cNvPr id="166" name="Rectangle 165">
+            <a:extLst>
+              <a:ext uri="{FF2B5EF4-FFF2-40B4-BE49-F238E27FC236}">
+                <a16:creationId xmlns:a16="http://schemas.microsoft.com/office/drawing/2014/main" id="{A41B72A5-3843-CED1-2AED-691A3955E9F7}"/>
+              </a:ext>
+            </a:extLst>
+          </p:cNvPr>
+          <p:cNvSpPr/>
+          <p:nvPr/>
+        </p:nvSpPr>
+        <p:spPr>
+          <a:xfrm>
+            <a:off x="893749" y="5020492"/>
+            <a:ext cx="1034895" cy="773719"/>
+          </a:xfrm>
+          <a:prstGeom prst="rect">
+            <a:avLst/>
+          </a:prstGeom>
+        </p:spPr>
+        <p:style>
+          <a:lnRef idx="2">
+            <a:schemeClr val="dk1">
+              <a:shade val="50000"/>
+            </a:schemeClr>
+          </a:lnRef>
+          <a:fillRef idx="1">
+            <a:schemeClr val="dk1"/>
+          </a:fillRef>
+          <a:effectRef idx="0">
+            <a:schemeClr val="dk1"/>
+          </a:effectRef>
+          <a:fontRef idx="minor">
+            <a:schemeClr val="lt1"/>
+          </a:fontRef>
+        </p:style>
+        <p:txBody>
+          <a:bodyPr rtlCol="0" anchor="ctr"/>
+          <a:lstStyle/>
+          <a:p>
+            <a:pPr algn="ctr"/>
+            <a:endParaRPr lang="en-US"/>
+          </a:p>
+        </p:txBody>
+      </p:sp>
+      <p:grpSp>
+        <p:nvGrpSpPr>
+          <p:cNvPr id="167" name="Group 166">
+            <a:extLst>
+              <a:ext uri="{FF2B5EF4-FFF2-40B4-BE49-F238E27FC236}">
+                <a16:creationId xmlns:a16="http://schemas.microsoft.com/office/drawing/2014/main" id="{89AB5CBF-A508-8CFA-D9E5-5241ED0CB598}"/>
+              </a:ext>
+            </a:extLst>
+          </p:cNvPr>
+          <p:cNvGrpSpPr/>
+          <p:nvPr/>
+        </p:nvGrpSpPr>
+        <p:grpSpPr>
+          <a:xfrm>
+            <a:off x="984561" y="5145917"/>
+            <a:ext cx="853269" cy="522143"/>
+            <a:chOff x="5128750" y="2735407"/>
+            <a:chExt cx="1096276" cy="670847"/>
+          </a:xfrm>
+        </p:grpSpPr>
+        <p:sp>
+          <p:nvSpPr>
+            <p:cNvPr id="168" name="Rectangle: Rounded Corners 167">
+              <a:extLst>
+                <a:ext uri="{FF2B5EF4-FFF2-40B4-BE49-F238E27FC236}">
+                  <a16:creationId xmlns:a16="http://schemas.microsoft.com/office/drawing/2014/main" id="{E24B8BD5-DD80-DC36-516F-D787BAFA1D4D}"/>
+                </a:ext>
+              </a:extLst>
+            </p:cNvPr>
+            <p:cNvSpPr/>
+            <p:nvPr/>
+          </p:nvSpPr>
+          <p:spPr>
+            <a:xfrm>
+              <a:off x="5128750" y="2792394"/>
+              <a:ext cx="59840" cy="247570"/>
+            </a:xfrm>
+            <a:prstGeom prst="roundRect">
+              <a:avLst/>
+            </a:prstGeom>
+            <a:solidFill>
+              <a:srgbClr val="FF0000"/>
+            </a:solidFill>
+            <a:ln>
+              <a:solidFill>
+                <a:srgbClr val="C00000"/>
+              </a:solidFill>
+            </a:ln>
+          </p:spPr>
+          <p:style>
+            <a:lnRef idx="2">
+              <a:schemeClr val="accent2">
+                <a:shade val="50000"/>
+              </a:schemeClr>
+            </a:lnRef>
+            <a:fillRef idx="1">
+              <a:schemeClr val="accent2"/>
+            </a:fillRef>
+            <a:effectRef idx="0">
+              <a:schemeClr val="accent2"/>
+            </a:effectRef>
+            <a:fontRef idx="minor">
+              <a:schemeClr val="lt1"/>
+            </a:fontRef>
+          </p:style>
+          <p:txBody>
+            <a:bodyPr rtlCol="0" anchor="ctr"/>
+            <a:lstStyle/>
+            <a:p>
+              <a:pPr algn="ctr"/>
+              <a:endParaRPr lang="en-US"/>
+            </a:p>
+          </p:txBody>
+        </p:sp>
+        <p:sp>
+          <p:nvSpPr>
+            <p:cNvPr id="169" name="Rectangle: Rounded Corners 168">
+              <a:extLst>
+                <a:ext uri="{FF2B5EF4-FFF2-40B4-BE49-F238E27FC236}">
+                  <a16:creationId xmlns:a16="http://schemas.microsoft.com/office/drawing/2014/main" id="{8E564F80-9166-C6BF-422D-4DF2C36ABA80}"/>
+                </a:ext>
+              </a:extLst>
+            </p:cNvPr>
+            <p:cNvSpPr/>
+            <p:nvPr/>
+          </p:nvSpPr>
+          <p:spPr>
+            <a:xfrm>
+              <a:off x="5128750" y="3085705"/>
+              <a:ext cx="59840" cy="247570"/>
+            </a:xfrm>
+            <a:prstGeom prst="roundRect">
+              <a:avLst/>
+            </a:prstGeom>
+            <a:solidFill>
+              <a:srgbClr val="FF0000"/>
+            </a:solidFill>
+            <a:ln>
+              <a:solidFill>
+                <a:srgbClr val="C00000"/>
+              </a:solidFill>
+            </a:ln>
+          </p:spPr>
+          <p:style>
+            <a:lnRef idx="2">
+              <a:schemeClr val="accent2">
+                <a:shade val="50000"/>
+              </a:schemeClr>
+            </a:lnRef>
+            <a:fillRef idx="1">
+              <a:schemeClr val="accent2"/>
+            </a:fillRef>
+            <a:effectRef idx="0">
+              <a:schemeClr val="accent2"/>
+            </a:effectRef>
+            <a:fontRef idx="minor">
+              <a:schemeClr val="lt1"/>
+            </a:fontRef>
+          </p:style>
+          <p:txBody>
+            <a:bodyPr rtlCol="0" anchor="ctr"/>
+            <a:lstStyle/>
+            <a:p>
+              <a:pPr algn="ctr"/>
+              <a:endParaRPr lang="en-US"/>
+            </a:p>
+          </p:txBody>
+        </p:sp>
+        <p:sp>
+          <p:nvSpPr>
+            <p:cNvPr id="170" name="Rectangle: Rounded Corners 169">
+              <a:extLst>
+                <a:ext uri="{FF2B5EF4-FFF2-40B4-BE49-F238E27FC236}">
+                  <a16:creationId xmlns:a16="http://schemas.microsoft.com/office/drawing/2014/main" id="{45A86A6C-BE13-2E71-8FDB-7E1BF396573D}"/>
+                </a:ext>
+              </a:extLst>
+            </p:cNvPr>
+            <p:cNvSpPr/>
+            <p:nvPr/>
+          </p:nvSpPr>
+          <p:spPr>
+            <a:xfrm>
+              <a:off x="5368304" y="2792394"/>
+              <a:ext cx="59840" cy="247570"/>
+            </a:xfrm>
+            <a:prstGeom prst="roundRect">
+              <a:avLst/>
+            </a:prstGeom>
+            <a:solidFill>
+              <a:srgbClr val="FF0000"/>
+            </a:solidFill>
+            <a:ln>
+              <a:solidFill>
+                <a:srgbClr val="C00000"/>
+              </a:solidFill>
+            </a:ln>
+          </p:spPr>
+          <p:style>
+            <a:lnRef idx="2">
+              <a:schemeClr val="accent2">
+                <a:shade val="50000"/>
+              </a:schemeClr>
+            </a:lnRef>
+            <a:fillRef idx="1">
+              <a:schemeClr val="accent2"/>
+            </a:fillRef>
+            <a:effectRef idx="0">
+              <a:schemeClr val="accent2"/>
+            </a:effectRef>
+            <a:fontRef idx="minor">
+              <a:schemeClr val="lt1"/>
+            </a:fontRef>
+          </p:style>
+          <p:txBody>
+            <a:bodyPr rtlCol="0" anchor="ctr"/>
+            <a:lstStyle/>
+            <a:p>
+              <a:pPr algn="ctr"/>
+              <a:endParaRPr lang="en-US"/>
+            </a:p>
+          </p:txBody>
+        </p:sp>
+        <p:sp>
+          <p:nvSpPr>
+            <p:cNvPr id="171" name="Rectangle: Rounded Corners 170">
+              <a:extLst>
+                <a:ext uri="{FF2B5EF4-FFF2-40B4-BE49-F238E27FC236}">
+                  <a16:creationId xmlns:a16="http://schemas.microsoft.com/office/drawing/2014/main" id="{11AD703D-C127-751C-CBB4-72DF93643152}"/>
+                </a:ext>
+              </a:extLst>
+            </p:cNvPr>
+            <p:cNvSpPr/>
+            <p:nvPr/>
+          </p:nvSpPr>
+          <p:spPr>
+            <a:xfrm>
+              <a:off x="5368304" y="3088508"/>
+              <a:ext cx="59840" cy="247570"/>
+            </a:xfrm>
+            <a:prstGeom prst="roundRect">
+              <a:avLst/>
+            </a:prstGeom>
+            <a:solidFill>
+              <a:srgbClr val="FF0000"/>
+            </a:solidFill>
+            <a:ln>
+              <a:solidFill>
+                <a:srgbClr val="C00000"/>
+              </a:solidFill>
+            </a:ln>
+          </p:spPr>
+          <p:style>
+            <a:lnRef idx="2">
+              <a:schemeClr val="accent2">
+                <a:shade val="50000"/>
+              </a:schemeClr>
+            </a:lnRef>
+            <a:fillRef idx="1">
+              <a:schemeClr val="accent2"/>
+            </a:fillRef>
+            <a:effectRef idx="0">
+              <a:schemeClr val="accent2"/>
+            </a:effectRef>
+            <a:fontRef idx="minor">
+              <a:schemeClr val="lt1"/>
+            </a:fontRef>
+          </p:style>
+          <p:txBody>
+            <a:bodyPr rtlCol="0" anchor="ctr"/>
+            <a:lstStyle/>
+            <a:p>
+              <a:pPr algn="ctr"/>
+              <a:endParaRPr lang="en-US"/>
+            </a:p>
+          </p:txBody>
+        </p:sp>
+        <p:sp>
+          <p:nvSpPr>
+            <p:cNvPr id="172" name="Rectangle: Rounded Corners 171">
+              <a:extLst>
+                <a:ext uri="{FF2B5EF4-FFF2-40B4-BE49-F238E27FC236}">
+                  <a16:creationId xmlns:a16="http://schemas.microsoft.com/office/drawing/2014/main" id="{F0D2C87D-0C7E-6D90-9FF7-8BB64E750471}"/>
+                </a:ext>
+              </a:extLst>
+            </p:cNvPr>
+            <p:cNvSpPr/>
+            <p:nvPr/>
+          </p:nvSpPr>
+          <p:spPr>
+            <a:xfrm rot="5400000">
+              <a:off x="5245942" y="2996588"/>
+              <a:ext cx="56150" cy="127442"/>
+            </a:xfrm>
+            <a:prstGeom prst="roundRect">
+              <a:avLst/>
+            </a:prstGeom>
+            <a:solidFill>
+              <a:srgbClr val="FF0000"/>
+            </a:solidFill>
+            <a:ln>
+              <a:solidFill>
+                <a:srgbClr val="C00000"/>
+              </a:solidFill>
+            </a:ln>
+          </p:spPr>
+          <p:style>
+            <a:lnRef idx="2">
+              <a:schemeClr val="accent2">
+                <a:shade val="50000"/>
+              </a:schemeClr>
+            </a:lnRef>
+            <a:fillRef idx="1">
+              <a:schemeClr val="accent2"/>
+            </a:fillRef>
+            <a:effectRef idx="0">
+              <a:schemeClr val="accent2"/>
+            </a:effectRef>
+            <a:fontRef idx="minor">
+              <a:schemeClr val="lt1"/>
+            </a:fontRef>
+          </p:style>
+          <p:txBody>
+            <a:bodyPr rtlCol="0" anchor="ctr"/>
+            <a:lstStyle/>
+            <a:p>
+              <a:pPr algn="ctr"/>
+              <a:endParaRPr lang="en-US"/>
+            </a:p>
+          </p:txBody>
+        </p:sp>
+        <p:sp>
+          <p:nvSpPr>
+            <p:cNvPr id="173" name="Rectangle: Rounded Corners 172">
+              <a:extLst>
+                <a:ext uri="{FF2B5EF4-FFF2-40B4-BE49-F238E27FC236}">
+                  <a16:creationId xmlns:a16="http://schemas.microsoft.com/office/drawing/2014/main" id="{C0F570B2-132A-C0D6-44BA-1802D47C3302}"/>
+                </a:ext>
+              </a:extLst>
+            </p:cNvPr>
+            <p:cNvSpPr/>
+            <p:nvPr/>
+          </p:nvSpPr>
+          <p:spPr>
+            <a:xfrm rot="5400000">
+              <a:off x="5249326" y="2699761"/>
+              <a:ext cx="56150" cy="127442"/>
+            </a:xfrm>
+            <a:prstGeom prst="roundRect">
+              <a:avLst/>
+            </a:prstGeom>
+            <a:solidFill>
+              <a:srgbClr val="FF0000"/>
+            </a:solidFill>
+            <a:ln>
+              <a:solidFill>
+                <a:srgbClr val="C00000"/>
+              </a:solidFill>
+            </a:ln>
+          </p:spPr>
+          <p:style>
+            <a:lnRef idx="2">
+              <a:schemeClr val="accent2">
+                <a:shade val="50000"/>
+              </a:schemeClr>
+            </a:lnRef>
+            <a:fillRef idx="1">
+              <a:schemeClr val="accent2"/>
+            </a:fillRef>
+            <a:effectRef idx="0">
+              <a:schemeClr val="accent2"/>
+            </a:effectRef>
+            <a:fontRef idx="minor">
+              <a:schemeClr val="lt1"/>
+            </a:fontRef>
+          </p:style>
+          <p:txBody>
+            <a:bodyPr rtlCol="0" anchor="ctr"/>
+            <a:lstStyle/>
+            <a:p>
+              <a:pPr algn="ctr"/>
+              <a:endParaRPr lang="en-US"/>
+            </a:p>
+          </p:txBody>
+        </p:sp>
+        <p:sp>
+          <p:nvSpPr>
+            <p:cNvPr id="174" name="Rectangle: Rounded Corners 173">
+              <a:extLst>
+                <a:ext uri="{FF2B5EF4-FFF2-40B4-BE49-F238E27FC236}">
+                  <a16:creationId xmlns:a16="http://schemas.microsoft.com/office/drawing/2014/main" id="{23328C8A-9322-7200-B72E-70982B7877B7}"/>
+                </a:ext>
+              </a:extLst>
+            </p:cNvPr>
+            <p:cNvSpPr/>
+            <p:nvPr/>
+          </p:nvSpPr>
+          <p:spPr>
+            <a:xfrm rot="5400000">
+              <a:off x="5249326" y="3314458"/>
+              <a:ext cx="56150" cy="127442"/>
+            </a:xfrm>
+            <a:prstGeom prst="roundRect">
+              <a:avLst/>
+            </a:prstGeom>
+            <a:solidFill>
+              <a:srgbClr val="FF0000"/>
+            </a:solidFill>
+            <a:ln>
+              <a:solidFill>
+                <a:srgbClr val="C00000"/>
+              </a:solidFill>
+            </a:ln>
+          </p:spPr>
+          <p:style>
+            <a:lnRef idx="2">
+              <a:schemeClr val="accent2">
+                <a:shade val="50000"/>
+              </a:schemeClr>
+            </a:lnRef>
+            <a:fillRef idx="1">
+              <a:schemeClr val="accent2"/>
+            </a:fillRef>
+            <a:effectRef idx="0">
+              <a:schemeClr val="accent2"/>
+            </a:effectRef>
+            <a:fontRef idx="minor">
+              <a:schemeClr val="lt1"/>
+            </a:fontRef>
+          </p:style>
+          <p:txBody>
+            <a:bodyPr rtlCol="0" anchor="ctr"/>
+            <a:lstStyle/>
+            <a:p>
+              <a:pPr algn="ctr"/>
+              <a:endParaRPr lang="en-US"/>
+            </a:p>
+          </p:txBody>
+        </p:sp>
+        <p:sp>
+          <p:nvSpPr>
+            <p:cNvPr id="175" name="Rectangle: Rounded Corners 174">
+              <a:extLst>
+                <a:ext uri="{FF2B5EF4-FFF2-40B4-BE49-F238E27FC236}">
+                  <a16:creationId xmlns:a16="http://schemas.microsoft.com/office/drawing/2014/main" id="{9DFBCB43-3E72-D00A-9A8A-36F2CDD13930}"/>
+                </a:ext>
+              </a:extLst>
+            </p:cNvPr>
+            <p:cNvSpPr/>
+            <p:nvPr/>
+          </p:nvSpPr>
+          <p:spPr>
+            <a:xfrm>
+              <a:off x="5528237" y="2792394"/>
+              <a:ext cx="59840" cy="247570"/>
+            </a:xfrm>
+            <a:prstGeom prst="roundRect">
+              <a:avLst/>
+            </a:prstGeom>
+            <a:solidFill>
+              <a:srgbClr val="FF0000"/>
+            </a:solidFill>
+            <a:ln>
+              <a:solidFill>
+                <a:srgbClr val="C00000"/>
+              </a:solidFill>
+            </a:ln>
+          </p:spPr>
+          <p:style>
+            <a:lnRef idx="2">
+              <a:schemeClr val="accent2">
+                <a:shade val="50000"/>
+              </a:schemeClr>
+            </a:lnRef>
+            <a:fillRef idx="1">
+              <a:schemeClr val="accent2"/>
+            </a:fillRef>
+            <a:effectRef idx="0">
+              <a:schemeClr val="accent2"/>
+            </a:effectRef>
+            <a:fontRef idx="minor">
+              <a:schemeClr val="lt1"/>
+            </a:fontRef>
+          </p:style>
+          <p:txBody>
+            <a:bodyPr rtlCol="0" anchor="ctr"/>
+            <a:lstStyle/>
+            <a:p>
+              <a:pPr algn="ctr"/>
+              <a:endParaRPr lang="en-US"/>
+            </a:p>
+          </p:txBody>
+        </p:sp>
+        <p:sp>
+          <p:nvSpPr>
+            <p:cNvPr id="176" name="Rectangle: Rounded Corners 175">
+              <a:extLst>
+                <a:ext uri="{FF2B5EF4-FFF2-40B4-BE49-F238E27FC236}">
+                  <a16:creationId xmlns:a16="http://schemas.microsoft.com/office/drawing/2014/main" id="{E337B8DE-E8A5-9217-B4F1-6593808ED0A4}"/>
+                </a:ext>
+              </a:extLst>
+            </p:cNvPr>
+            <p:cNvSpPr/>
+            <p:nvPr/>
+          </p:nvSpPr>
+          <p:spPr>
+            <a:xfrm>
+              <a:off x="5528237" y="3085705"/>
+              <a:ext cx="59840" cy="247570"/>
+            </a:xfrm>
+            <a:prstGeom prst="roundRect">
+              <a:avLst/>
+            </a:prstGeom>
+            <a:solidFill>
+              <a:srgbClr val="FF0000"/>
+            </a:solidFill>
+            <a:ln>
+              <a:solidFill>
+                <a:srgbClr val="C00000"/>
+              </a:solidFill>
+            </a:ln>
+          </p:spPr>
+          <p:style>
+            <a:lnRef idx="2">
+              <a:schemeClr val="accent2">
+                <a:shade val="50000"/>
+              </a:schemeClr>
+            </a:lnRef>
+            <a:fillRef idx="1">
+              <a:schemeClr val="accent2"/>
+            </a:fillRef>
+            <a:effectRef idx="0">
+              <a:schemeClr val="accent2"/>
+            </a:effectRef>
+            <a:fontRef idx="minor">
+              <a:schemeClr val="lt1"/>
+            </a:fontRef>
+          </p:style>
+          <p:txBody>
+            <a:bodyPr rtlCol="0" anchor="ctr"/>
+            <a:lstStyle/>
+            <a:p>
+              <a:pPr algn="ctr"/>
+              <a:endParaRPr lang="en-US"/>
+            </a:p>
+          </p:txBody>
+        </p:sp>
+        <p:sp>
+          <p:nvSpPr>
+            <p:cNvPr id="177" name="Rectangle: Rounded Corners 176">
+              <a:extLst>
+                <a:ext uri="{FF2B5EF4-FFF2-40B4-BE49-F238E27FC236}">
+                  <a16:creationId xmlns:a16="http://schemas.microsoft.com/office/drawing/2014/main" id="{59219A17-380A-2688-6E23-B9BF3E8ED4AF}"/>
+                </a:ext>
+              </a:extLst>
+            </p:cNvPr>
+            <p:cNvSpPr/>
+            <p:nvPr/>
+          </p:nvSpPr>
+          <p:spPr>
+            <a:xfrm>
+              <a:off x="5767791" y="2792394"/>
+              <a:ext cx="59840" cy="247570"/>
+            </a:xfrm>
+            <a:prstGeom prst="roundRect">
+              <a:avLst/>
+            </a:prstGeom>
+            <a:solidFill>
+              <a:srgbClr val="FF0000"/>
+            </a:solidFill>
+            <a:ln>
+              <a:solidFill>
+                <a:srgbClr val="C00000"/>
+              </a:solidFill>
+            </a:ln>
+          </p:spPr>
+          <p:style>
+            <a:lnRef idx="2">
+              <a:schemeClr val="accent2">
+                <a:shade val="50000"/>
+              </a:schemeClr>
+            </a:lnRef>
+            <a:fillRef idx="1">
+              <a:schemeClr val="accent2"/>
+            </a:fillRef>
+            <a:effectRef idx="0">
+              <a:schemeClr val="accent2"/>
+            </a:effectRef>
+            <a:fontRef idx="minor">
+              <a:schemeClr val="lt1"/>
+            </a:fontRef>
+          </p:style>
+          <p:txBody>
+            <a:bodyPr rtlCol="0" anchor="ctr"/>
+            <a:lstStyle/>
+            <a:p>
+              <a:pPr algn="ctr"/>
+              <a:endParaRPr lang="en-US"/>
+            </a:p>
+          </p:txBody>
+        </p:sp>
+        <p:sp>
+          <p:nvSpPr>
+            <p:cNvPr id="178" name="Rectangle: Rounded Corners 177">
+              <a:extLst>
+                <a:ext uri="{FF2B5EF4-FFF2-40B4-BE49-F238E27FC236}">
+                  <a16:creationId xmlns:a16="http://schemas.microsoft.com/office/drawing/2014/main" id="{CE171FF5-C5EA-EDE0-FB2A-816E2827792D}"/>
+                </a:ext>
+              </a:extLst>
+            </p:cNvPr>
+            <p:cNvSpPr/>
+            <p:nvPr/>
+          </p:nvSpPr>
+          <p:spPr>
+            <a:xfrm>
+              <a:off x="5767791" y="3088508"/>
+              <a:ext cx="59840" cy="247570"/>
+            </a:xfrm>
+            <a:prstGeom prst="roundRect">
+              <a:avLst/>
+            </a:prstGeom>
+            <a:solidFill>
+              <a:srgbClr val="FF0000"/>
+            </a:solidFill>
+            <a:ln>
+              <a:solidFill>
+                <a:srgbClr val="C00000"/>
+              </a:solidFill>
+            </a:ln>
+          </p:spPr>
+          <p:style>
+            <a:lnRef idx="2">
+              <a:schemeClr val="accent2">
+                <a:shade val="50000"/>
+              </a:schemeClr>
+            </a:lnRef>
+            <a:fillRef idx="1">
+              <a:schemeClr val="accent2"/>
+            </a:fillRef>
+            <a:effectRef idx="0">
+              <a:schemeClr val="accent2"/>
+            </a:effectRef>
+            <a:fontRef idx="minor">
+              <a:schemeClr val="lt1"/>
+            </a:fontRef>
+          </p:style>
+          <p:txBody>
+            <a:bodyPr rtlCol="0" anchor="ctr"/>
+            <a:lstStyle/>
+            <a:p>
+              <a:pPr algn="ctr"/>
+              <a:endParaRPr lang="en-US"/>
+            </a:p>
+          </p:txBody>
+        </p:sp>
+        <p:sp>
+          <p:nvSpPr>
+            <p:cNvPr id="179" name="Rectangle: Rounded Corners 178">
+              <a:extLst>
+                <a:ext uri="{FF2B5EF4-FFF2-40B4-BE49-F238E27FC236}">
+                  <a16:creationId xmlns:a16="http://schemas.microsoft.com/office/drawing/2014/main" id="{BC44A208-2C25-DB2A-FC6D-AEEA7E69CAA3}"/>
+                </a:ext>
+              </a:extLst>
+            </p:cNvPr>
+            <p:cNvSpPr/>
+            <p:nvPr/>
+          </p:nvSpPr>
+          <p:spPr>
+            <a:xfrm rot="5400000">
+              <a:off x="5645429" y="2996588"/>
+              <a:ext cx="56150" cy="127442"/>
+            </a:xfrm>
+            <a:prstGeom prst="roundRect">
+              <a:avLst/>
+            </a:prstGeom>
+            <a:solidFill>
+              <a:srgbClr val="FF0000"/>
+            </a:solidFill>
+            <a:ln>
+              <a:solidFill>
+                <a:srgbClr val="C00000"/>
+              </a:solidFill>
+            </a:ln>
+          </p:spPr>
+          <p:style>
+            <a:lnRef idx="2">
+              <a:schemeClr val="accent2">
+                <a:shade val="50000"/>
+              </a:schemeClr>
+            </a:lnRef>
+            <a:fillRef idx="1">
+              <a:schemeClr val="accent2"/>
+            </a:fillRef>
+            <a:effectRef idx="0">
+              <a:schemeClr val="accent2"/>
+            </a:effectRef>
+            <a:fontRef idx="minor">
+              <a:schemeClr val="lt1"/>
+            </a:fontRef>
+          </p:style>
+          <p:txBody>
+            <a:bodyPr rtlCol="0" anchor="ctr"/>
+            <a:lstStyle/>
+            <a:p>
+              <a:pPr algn="ctr"/>
+              <a:endParaRPr lang="en-US"/>
+            </a:p>
+          </p:txBody>
+        </p:sp>
+        <p:sp>
+          <p:nvSpPr>
+            <p:cNvPr id="180" name="Rectangle: Rounded Corners 179">
+              <a:extLst>
+                <a:ext uri="{FF2B5EF4-FFF2-40B4-BE49-F238E27FC236}">
+                  <a16:creationId xmlns:a16="http://schemas.microsoft.com/office/drawing/2014/main" id="{5F0F6962-CB89-5AFA-3D48-86B382E214B0}"/>
+                </a:ext>
+              </a:extLst>
+            </p:cNvPr>
+            <p:cNvSpPr/>
+            <p:nvPr/>
+          </p:nvSpPr>
+          <p:spPr>
+            <a:xfrm rot="5400000">
+              <a:off x="5648813" y="2699761"/>
+              <a:ext cx="56150" cy="127442"/>
+            </a:xfrm>
+            <a:prstGeom prst="roundRect">
+              <a:avLst/>
+            </a:prstGeom>
+            <a:solidFill>
+              <a:srgbClr val="FF0000"/>
+            </a:solidFill>
+            <a:ln>
+              <a:solidFill>
+                <a:srgbClr val="C00000"/>
+              </a:solidFill>
+            </a:ln>
+          </p:spPr>
+          <p:style>
+            <a:lnRef idx="2">
+              <a:schemeClr val="accent2">
+                <a:shade val="50000"/>
+              </a:schemeClr>
+            </a:lnRef>
+            <a:fillRef idx="1">
+              <a:schemeClr val="accent2"/>
+            </a:fillRef>
+            <a:effectRef idx="0">
+              <a:schemeClr val="accent2"/>
+            </a:effectRef>
+            <a:fontRef idx="minor">
+              <a:schemeClr val="lt1"/>
+            </a:fontRef>
+          </p:style>
+          <p:txBody>
+            <a:bodyPr rtlCol="0" anchor="ctr"/>
+            <a:lstStyle/>
+            <a:p>
+              <a:pPr algn="ctr"/>
+              <a:endParaRPr lang="en-US"/>
+            </a:p>
+          </p:txBody>
+        </p:sp>
+        <p:sp>
+          <p:nvSpPr>
+            <p:cNvPr id="181" name="Rectangle: Rounded Corners 180">
+              <a:extLst>
+                <a:ext uri="{FF2B5EF4-FFF2-40B4-BE49-F238E27FC236}">
+                  <a16:creationId xmlns:a16="http://schemas.microsoft.com/office/drawing/2014/main" id="{7BD13F95-A7A5-DB04-B602-1D41585AD117}"/>
+                </a:ext>
+              </a:extLst>
+            </p:cNvPr>
+            <p:cNvSpPr/>
+            <p:nvPr/>
+          </p:nvSpPr>
+          <p:spPr>
+            <a:xfrm rot="5400000">
+              <a:off x="5648813" y="3314458"/>
+              <a:ext cx="56150" cy="127442"/>
+            </a:xfrm>
+            <a:prstGeom prst="roundRect">
+              <a:avLst/>
+            </a:prstGeom>
+            <a:solidFill>
+              <a:srgbClr val="FF0000"/>
+            </a:solidFill>
+            <a:ln>
+              <a:solidFill>
+                <a:srgbClr val="C00000"/>
+              </a:solidFill>
+            </a:ln>
+          </p:spPr>
+          <p:style>
+            <a:lnRef idx="2">
+              <a:schemeClr val="accent2">
+                <a:shade val="50000"/>
+              </a:schemeClr>
+            </a:lnRef>
+            <a:fillRef idx="1">
+              <a:schemeClr val="accent2"/>
+            </a:fillRef>
+            <a:effectRef idx="0">
+              <a:schemeClr val="accent2"/>
+            </a:effectRef>
+            <a:fontRef idx="minor">
+              <a:schemeClr val="lt1"/>
+            </a:fontRef>
+          </p:style>
+          <p:txBody>
+            <a:bodyPr rtlCol="0" anchor="ctr"/>
+            <a:lstStyle/>
+            <a:p>
+              <a:pPr algn="ctr"/>
+              <a:endParaRPr lang="en-US"/>
+            </a:p>
+          </p:txBody>
+        </p:sp>
+        <p:sp>
+          <p:nvSpPr>
+            <p:cNvPr id="182" name="Rectangle: Rounded Corners 181">
+              <a:extLst>
+                <a:ext uri="{FF2B5EF4-FFF2-40B4-BE49-F238E27FC236}">
+                  <a16:creationId xmlns:a16="http://schemas.microsoft.com/office/drawing/2014/main" id="{2CB2C541-B616-113B-C6FC-A2FF6660042D}"/>
+                </a:ext>
+              </a:extLst>
+            </p:cNvPr>
+            <p:cNvSpPr/>
+            <p:nvPr/>
+          </p:nvSpPr>
+          <p:spPr>
+            <a:xfrm>
+              <a:off x="5925632" y="2792394"/>
+              <a:ext cx="59840" cy="247570"/>
+            </a:xfrm>
+            <a:prstGeom prst="roundRect">
+              <a:avLst/>
+            </a:prstGeom>
+            <a:solidFill>
+              <a:srgbClr val="FF0000"/>
+            </a:solidFill>
+            <a:ln>
+              <a:solidFill>
+                <a:srgbClr val="C00000"/>
+              </a:solidFill>
+            </a:ln>
+          </p:spPr>
+          <p:style>
+            <a:lnRef idx="2">
+              <a:schemeClr val="accent2">
+                <a:shade val="50000"/>
+              </a:schemeClr>
+            </a:lnRef>
+            <a:fillRef idx="1">
+              <a:schemeClr val="accent2"/>
+            </a:fillRef>
+            <a:effectRef idx="0">
+              <a:schemeClr val="accent2"/>
+            </a:effectRef>
+            <a:fontRef idx="minor">
+              <a:schemeClr val="lt1"/>
+            </a:fontRef>
+          </p:style>
+          <p:txBody>
+            <a:bodyPr rtlCol="0" anchor="ctr"/>
+            <a:lstStyle/>
+            <a:p>
+              <a:pPr algn="ctr"/>
+              <a:endParaRPr lang="en-US"/>
+            </a:p>
+          </p:txBody>
+        </p:sp>
+        <p:sp>
+          <p:nvSpPr>
+            <p:cNvPr id="183" name="Rectangle: Rounded Corners 182">
+              <a:extLst>
+                <a:ext uri="{FF2B5EF4-FFF2-40B4-BE49-F238E27FC236}">
+                  <a16:creationId xmlns:a16="http://schemas.microsoft.com/office/drawing/2014/main" id="{1A72D1BF-C313-A14B-E9CD-635DDF8CD57F}"/>
+                </a:ext>
+              </a:extLst>
+            </p:cNvPr>
+            <p:cNvSpPr/>
+            <p:nvPr/>
+          </p:nvSpPr>
+          <p:spPr>
+            <a:xfrm>
+              <a:off x="5925632" y="3085705"/>
+              <a:ext cx="59840" cy="247570"/>
+            </a:xfrm>
+            <a:prstGeom prst="roundRect">
+              <a:avLst/>
+            </a:prstGeom>
+            <a:solidFill>
+              <a:srgbClr val="FF0000"/>
+            </a:solidFill>
+            <a:ln>
+              <a:solidFill>
+                <a:srgbClr val="C00000"/>
+              </a:solidFill>
+            </a:ln>
+          </p:spPr>
+          <p:style>
+            <a:lnRef idx="2">
+              <a:schemeClr val="accent2">
+                <a:shade val="50000"/>
+              </a:schemeClr>
+            </a:lnRef>
+            <a:fillRef idx="1">
+              <a:schemeClr val="accent2"/>
+            </a:fillRef>
+            <a:effectRef idx="0">
+              <a:schemeClr val="accent2"/>
+            </a:effectRef>
+            <a:fontRef idx="minor">
+              <a:schemeClr val="lt1"/>
+            </a:fontRef>
+          </p:style>
+          <p:txBody>
+            <a:bodyPr rtlCol="0" anchor="ctr"/>
+            <a:lstStyle/>
+            <a:p>
+              <a:pPr algn="ctr"/>
+              <a:endParaRPr lang="en-US"/>
+            </a:p>
+          </p:txBody>
+        </p:sp>
+        <p:sp>
+          <p:nvSpPr>
+            <p:cNvPr id="184" name="Rectangle: Rounded Corners 183">
+              <a:extLst>
+                <a:ext uri="{FF2B5EF4-FFF2-40B4-BE49-F238E27FC236}">
+                  <a16:creationId xmlns:a16="http://schemas.microsoft.com/office/drawing/2014/main" id="{FF60D1E7-D886-6E45-E97A-CA0295F18D87}"/>
+                </a:ext>
+              </a:extLst>
+            </p:cNvPr>
+            <p:cNvSpPr/>
+            <p:nvPr/>
+          </p:nvSpPr>
+          <p:spPr>
+            <a:xfrm>
+              <a:off x="6165186" y="2792394"/>
+              <a:ext cx="59840" cy="247570"/>
+            </a:xfrm>
+            <a:prstGeom prst="roundRect">
+              <a:avLst/>
+            </a:prstGeom>
+            <a:solidFill>
+              <a:srgbClr val="FF0000"/>
+            </a:solidFill>
+            <a:ln>
+              <a:solidFill>
+                <a:srgbClr val="C00000"/>
+              </a:solidFill>
+            </a:ln>
+          </p:spPr>
+          <p:style>
+            <a:lnRef idx="2">
+              <a:schemeClr val="accent2">
+                <a:shade val="50000"/>
+              </a:schemeClr>
+            </a:lnRef>
+            <a:fillRef idx="1">
+              <a:schemeClr val="accent2"/>
+            </a:fillRef>
+            <a:effectRef idx="0">
+              <a:schemeClr val="accent2"/>
+            </a:effectRef>
+            <a:fontRef idx="minor">
+              <a:schemeClr val="lt1"/>
+            </a:fontRef>
+          </p:style>
+          <p:txBody>
+            <a:bodyPr rtlCol="0" anchor="ctr"/>
+            <a:lstStyle/>
+            <a:p>
+              <a:pPr algn="ctr"/>
+              <a:endParaRPr lang="en-US"/>
+            </a:p>
+          </p:txBody>
+        </p:sp>
+        <p:sp>
+          <p:nvSpPr>
+            <p:cNvPr id="185" name="Rectangle: Rounded Corners 184">
+              <a:extLst>
+                <a:ext uri="{FF2B5EF4-FFF2-40B4-BE49-F238E27FC236}">
+                  <a16:creationId xmlns:a16="http://schemas.microsoft.com/office/drawing/2014/main" id="{EF4B66FC-2293-7B64-A936-AC7348C66332}"/>
+                </a:ext>
+              </a:extLst>
+            </p:cNvPr>
+            <p:cNvSpPr/>
+            <p:nvPr/>
+          </p:nvSpPr>
+          <p:spPr>
+            <a:xfrm>
+              <a:off x="6165186" y="3088508"/>
+              <a:ext cx="59840" cy="247570"/>
+            </a:xfrm>
+            <a:prstGeom prst="roundRect">
+              <a:avLst/>
+            </a:prstGeom>
+            <a:solidFill>
+              <a:srgbClr val="FF0000"/>
+            </a:solidFill>
+            <a:ln>
+              <a:solidFill>
+                <a:srgbClr val="C00000"/>
+              </a:solidFill>
+            </a:ln>
+          </p:spPr>
+          <p:style>
+            <a:lnRef idx="2">
+              <a:schemeClr val="accent2">
+                <a:shade val="50000"/>
+              </a:schemeClr>
+            </a:lnRef>
+            <a:fillRef idx="1">
+              <a:schemeClr val="accent2"/>
+            </a:fillRef>
+            <a:effectRef idx="0">
+              <a:schemeClr val="accent2"/>
+            </a:effectRef>
+            <a:fontRef idx="minor">
+              <a:schemeClr val="lt1"/>
+            </a:fontRef>
+          </p:style>
+          <p:txBody>
+            <a:bodyPr rtlCol="0" anchor="ctr"/>
+            <a:lstStyle/>
+            <a:p>
+              <a:pPr algn="ctr"/>
+              <a:endParaRPr lang="en-US"/>
+            </a:p>
+          </p:txBody>
+        </p:sp>
+        <p:sp>
+          <p:nvSpPr>
+            <p:cNvPr id="186" name="Rectangle: Rounded Corners 185">
+              <a:extLst>
+                <a:ext uri="{FF2B5EF4-FFF2-40B4-BE49-F238E27FC236}">
+                  <a16:creationId xmlns:a16="http://schemas.microsoft.com/office/drawing/2014/main" id="{50C9EAFA-C568-3751-6D14-EF5EDEF7FE19}"/>
+                </a:ext>
+              </a:extLst>
+            </p:cNvPr>
+            <p:cNvSpPr/>
+            <p:nvPr/>
+          </p:nvSpPr>
+          <p:spPr>
+            <a:xfrm rot="5400000">
+              <a:off x="6042824" y="2996588"/>
+              <a:ext cx="56150" cy="127442"/>
+            </a:xfrm>
+            <a:prstGeom prst="roundRect">
+              <a:avLst/>
+            </a:prstGeom>
+            <a:solidFill>
+              <a:srgbClr val="FF0000"/>
+            </a:solidFill>
+            <a:ln>
+              <a:solidFill>
+                <a:srgbClr val="C00000"/>
+              </a:solidFill>
+            </a:ln>
+          </p:spPr>
+          <p:style>
+            <a:lnRef idx="2">
+              <a:schemeClr val="accent2">
+                <a:shade val="50000"/>
+              </a:schemeClr>
+            </a:lnRef>
+            <a:fillRef idx="1">
+              <a:schemeClr val="accent2"/>
+            </a:fillRef>
+            <a:effectRef idx="0">
+              <a:schemeClr val="accent2"/>
+            </a:effectRef>
+            <a:fontRef idx="minor">
+              <a:schemeClr val="lt1"/>
+            </a:fontRef>
+          </p:style>
+          <p:txBody>
+            <a:bodyPr rtlCol="0" anchor="ctr"/>
+            <a:lstStyle/>
+            <a:p>
+              <a:pPr algn="ctr"/>
+              <a:endParaRPr lang="en-US"/>
+            </a:p>
+          </p:txBody>
+        </p:sp>
+        <p:sp>
+          <p:nvSpPr>
+            <p:cNvPr id="187" name="Rectangle: Rounded Corners 186">
+              <a:extLst>
+                <a:ext uri="{FF2B5EF4-FFF2-40B4-BE49-F238E27FC236}">
+                  <a16:creationId xmlns:a16="http://schemas.microsoft.com/office/drawing/2014/main" id="{17C3C326-69DE-DC41-276C-55A12B2C37A4}"/>
+                </a:ext>
+              </a:extLst>
+            </p:cNvPr>
+            <p:cNvSpPr/>
+            <p:nvPr/>
+          </p:nvSpPr>
+          <p:spPr>
+            <a:xfrm rot="5400000">
+              <a:off x="6046208" y="2699761"/>
+              <a:ext cx="56150" cy="127442"/>
+            </a:xfrm>
+            <a:prstGeom prst="roundRect">
+              <a:avLst/>
+            </a:prstGeom>
+            <a:solidFill>
+              <a:srgbClr val="FF0000"/>
+            </a:solidFill>
+            <a:ln>
+              <a:solidFill>
+                <a:srgbClr val="C00000"/>
+              </a:solidFill>
+            </a:ln>
+          </p:spPr>
+          <p:style>
+            <a:lnRef idx="2">
+              <a:schemeClr val="accent2">
+                <a:shade val="50000"/>
+              </a:schemeClr>
+            </a:lnRef>
+            <a:fillRef idx="1">
+              <a:schemeClr val="accent2"/>
+            </a:fillRef>
+            <a:effectRef idx="0">
+              <a:schemeClr val="accent2"/>
+            </a:effectRef>
+            <a:fontRef idx="minor">
+              <a:schemeClr val="lt1"/>
+            </a:fontRef>
+          </p:style>
+          <p:txBody>
+            <a:bodyPr rtlCol="0" anchor="ctr"/>
+            <a:lstStyle/>
+            <a:p>
+              <a:pPr algn="ctr"/>
+              <a:endParaRPr lang="en-US"/>
+            </a:p>
+          </p:txBody>
+        </p:sp>
+        <p:sp>
+          <p:nvSpPr>
+            <p:cNvPr id="188" name="Rectangle: Rounded Corners 187">
+              <a:extLst>
+                <a:ext uri="{FF2B5EF4-FFF2-40B4-BE49-F238E27FC236}">
+                  <a16:creationId xmlns:a16="http://schemas.microsoft.com/office/drawing/2014/main" id="{592BFB90-F807-CFF8-9A2D-B8E42CC3C04D}"/>
+                </a:ext>
+              </a:extLst>
+            </p:cNvPr>
+            <p:cNvSpPr/>
+            <p:nvPr/>
+          </p:nvSpPr>
+          <p:spPr>
+            <a:xfrm rot="5400000">
+              <a:off x="6046208" y="3314458"/>
+              <a:ext cx="56150" cy="127442"/>
+            </a:xfrm>
+            <a:prstGeom prst="roundRect">
+              <a:avLst/>
+            </a:prstGeom>
+            <a:solidFill>
+              <a:srgbClr val="FF0000"/>
+            </a:solidFill>
+            <a:ln>
+              <a:solidFill>
+                <a:srgbClr val="C00000"/>
+              </a:solidFill>
+            </a:ln>
+          </p:spPr>
+          <p:style>
+            <a:lnRef idx="2">
+              <a:schemeClr val="accent2">
+                <a:shade val="50000"/>
+              </a:schemeClr>
+            </a:lnRef>
+            <a:fillRef idx="1">
+              <a:schemeClr val="accent2"/>
+            </a:fillRef>
+            <a:effectRef idx="0">
+              <a:schemeClr val="accent2"/>
+            </a:effectRef>
+            <a:fontRef idx="minor">
+              <a:schemeClr val="lt1"/>
+            </a:fontRef>
+          </p:style>
+          <p:txBody>
+            <a:bodyPr rtlCol="0" anchor="ctr"/>
+            <a:lstStyle/>
+            <a:p>
+              <a:pPr algn="ctr"/>
+              <a:endParaRPr lang="en-US"/>
+            </a:p>
+          </p:txBody>
+        </p:sp>
+      </p:grpSp>
+    </p:spTree>
+    <p:extLst>
+      <p:ext uri="{BB962C8B-B14F-4D97-AF65-F5344CB8AC3E}">
+        <p14:creationId xmlns:p14="http://schemas.microsoft.com/office/powerpoint/2010/main" val="4183973614"/>
+      </p:ext>
+    </p:extLst>
+  </p:cSld>
+  <p:clrMapOvr>
+    <a:masterClrMapping/>
+  </p:clrMapOvr>
+</p:sld>
+</file>
+
 <file path=ppt/theme/theme1.xml><?xml version="1.0" encoding="utf-8"?>
 <a:theme xmlns:a="http://schemas.openxmlformats.org/drawingml/2006/main" name="Office Theme">
   <a:themeElements>

--- a/Symbols.pptx
+++ b/Symbols.pptx
@@ -7,6 +7,7 @@
   <p:sldIdLst>
     <p:sldId id="257" r:id="rId2"/>
     <p:sldId id="258" r:id="rId3"/>
+    <p:sldId id="259" r:id="rId4"/>
   </p:sldIdLst>
   <p:sldSz cx="12192000" cy="6858000"/>
   <p:notesSz cx="6858000" cy="9144000"/>
@@ -11512,6 +11513,3273 @@
 </p:sld>
 </file>
 
+<file path=ppt/slides/slide3.xml><?xml version="1.0" encoding="utf-8"?>
+<p:sld xmlns:a="http://schemas.openxmlformats.org/drawingml/2006/main" xmlns:r="http://schemas.openxmlformats.org/officeDocument/2006/relationships" xmlns:p="http://schemas.openxmlformats.org/presentationml/2006/main">
+  <p:cSld>
+    <p:spTree>
+      <p:nvGrpSpPr>
+        <p:cNvPr id="1" name=""/>
+        <p:cNvGrpSpPr/>
+        <p:nvPr/>
+      </p:nvGrpSpPr>
+      <p:grpSpPr>
+        <a:xfrm>
+          <a:off x="0" y="0"/>
+          <a:ext cx="0" cy="0"/>
+          <a:chOff x="0" y="0"/>
+          <a:chExt cx="0" cy="0"/>
+        </a:xfrm>
+      </p:grpSpPr>
+      <p:sp>
+        <p:nvSpPr>
+          <p:cNvPr id="4" name="TextBox 3">
+            <a:extLst>
+              <a:ext uri="{FF2B5EF4-FFF2-40B4-BE49-F238E27FC236}">
+                <a16:creationId xmlns:a16="http://schemas.microsoft.com/office/drawing/2014/main" id="{60042DA3-D5EA-9B19-8339-AFFFCED59B4B}"/>
+              </a:ext>
+            </a:extLst>
+          </p:cNvPr>
+          <p:cNvSpPr txBox="1"/>
+          <p:nvPr/>
+        </p:nvSpPr>
+        <p:spPr>
+          <a:xfrm>
+            <a:off x="10300" y="-18181"/>
+            <a:ext cx="1254446" cy="461665"/>
+          </a:xfrm>
+          <a:prstGeom prst="rect">
+            <a:avLst/>
+          </a:prstGeom>
+          <a:noFill/>
+        </p:spPr>
+        <p:txBody>
+          <a:bodyPr wrap="none" rtlCol="0">
+            <a:spAutoFit/>
+          </a:bodyPr>
+          <a:lstStyle/>
+          <a:p>
+            <a:r>
+              <a:rPr lang="en-US" sz="2400" dirty="0" err="1"/>
+              <a:t>Phidgets</a:t>
+            </a:r>
+            <a:endParaRPr lang="en-US" sz="2400" dirty="0"/>
+          </a:p>
+        </p:txBody>
+      </p:sp>
+      <p:grpSp>
+        <p:nvGrpSpPr>
+          <p:cNvPr id="5" name="Group 4">
+            <a:extLst>
+              <a:ext uri="{FF2B5EF4-FFF2-40B4-BE49-F238E27FC236}">
+                <a16:creationId xmlns:a16="http://schemas.microsoft.com/office/drawing/2014/main" id="{D4822DE2-D095-302F-FBAD-78E57C33E05C}"/>
+              </a:ext>
+            </a:extLst>
+          </p:cNvPr>
+          <p:cNvGrpSpPr/>
+          <p:nvPr/>
+        </p:nvGrpSpPr>
+        <p:grpSpPr>
+          <a:xfrm>
+            <a:off x="341058" y="682699"/>
+            <a:ext cx="2189956" cy="2189956"/>
+            <a:chOff x="811936" y="1942206"/>
+            <a:chExt cx="3251200" cy="3251200"/>
+          </a:xfrm>
+        </p:grpSpPr>
+        <p:sp>
+          <p:nvSpPr>
+            <p:cNvPr id="6" name="Rectangle: Rounded Corners 5">
+              <a:extLst>
+                <a:ext uri="{FF2B5EF4-FFF2-40B4-BE49-F238E27FC236}">
+                  <a16:creationId xmlns:a16="http://schemas.microsoft.com/office/drawing/2014/main" id="{E055CED7-9C77-2005-7706-5E155EB15908}"/>
+                </a:ext>
+              </a:extLst>
+            </p:cNvPr>
+            <p:cNvSpPr/>
+            <p:nvPr/>
+          </p:nvSpPr>
+          <p:spPr>
+            <a:xfrm>
+              <a:off x="811936" y="1942206"/>
+              <a:ext cx="3251200" cy="3251200"/>
+            </a:xfrm>
+            <a:prstGeom prst="roundRect">
+              <a:avLst>
+                <a:gd name="adj" fmla="val 3542"/>
+              </a:avLst>
+            </a:prstGeom>
+            <a:solidFill>
+              <a:schemeClr val="tx1">
+                <a:lumMod val="75000"/>
+                <a:lumOff val="25000"/>
+              </a:schemeClr>
+            </a:solidFill>
+          </p:spPr>
+          <p:style>
+            <a:lnRef idx="2">
+              <a:schemeClr val="dk1">
+                <a:shade val="50000"/>
+              </a:schemeClr>
+            </a:lnRef>
+            <a:fillRef idx="1">
+              <a:schemeClr val="dk1"/>
+            </a:fillRef>
+            <a:effectRef idx="0">
+              <a:schemeClr val="dk1"/>
+            </a:effectRef>
+            <a:fontRef idx="minor">
+              <a:schemeClr val="lt1"/>
+            </a:fontRef>
+          </p:style>
+          <p:txBody>
+            <a:bodyPr rtlCol="0" anchor="ctr"/>
+            <a:lstStyle/>
+            <a:p>
+              <a:pPr algn="ctr"/>
+              <a:endParaRPr lang="en-US"/>
+            </a:p>
+          </p:txBody>
+        </p:sp>
+        <p:sp>
+          <p:nvSpPr>
+            <p:cNvPr id="7" name="TextBox 6">
+              <a:extLst>
+                <a:ext uri="{FF2B5EF4-FFF2-40B4-BE49-F238E27FC236}">
+                  <a16:creationId xmlns:a16="http://schemas.microsoft.com/office/drawing/2014/main" id="{9920B584-AD62-1CEC-8088-979EE4F296C7}"/>
+                </a:ext>
+              </a:extLst>
+            </p:cNvPr>
+            <p:cNvSpPr txBox="1"/>
+            <p:nvPr/>
+          </p:nvSpPr>
+          <p:spPr>
+            <a:xfrm>
+              <a:off x="1462176" y="2053966"/>
+              <a:ext cx="1990000" cy="685386"/>
+            </a:xfrm>
+            <a:prstGeom prst="rect">
+              <a:avLst/>
+            </a:prstGeom>
+            <a:noFill/>
+          </p:spPr>
+          <p:txBody>
+            <a:bodyPr wrap="none" rtlCol="0">
+              <a:spAutoFit/>
+            </a:bodyPr>
+            <a:lstStyle/>
+            <a:p>
+              <a:r>
+                <a:rPr lang="en-US" sz="2400" dirty="0">
+                  <a:solidFill>
+                    <a:schemeClr val="bg1"/>
+                  </a:solidFill>
+                </a:rPr>
+                <a:t>5     4     3</a:t>
+              </a:r>
+            </a:p>
+          </p:txBody>
+        </p:sp>
+        <p:sp>
+          <p:nvSpPr>
+            <p:cNvPr id="8" name="TextBox 7">
+              <a:extLst>
+                <a:ext uri="{FF2B5EF4-FFF2-40B4-BE49-F238E27FC236}">
+                  <a16:creationId xmlns:a16="http://schemas.microsoft.com/office/drawing/2014/main" id="{75C1C7A8-952C-0E38-A7F4-CE5AEF0A47C9}"/>
+                </a:ext>
+              </a:extLst>
+            </p:cNvPr>
+            <p:cNvSpPr txBox="1"/>
+            <p:nvPr/>
+          </p:nvSpPr>
+          <p:spPr>
+            <a:xfrm>
+              <a:off x="1473169" y="4442836"/>
+              <a:ext cx="1990000" cy="685386"/>
+            </a:xfrm>
+            <a:prstGeom prst="rect">
+              <a:avLst/>
+            </a:prstGeom>
+            <a:noFill/>
+          </p:spPr>
+          <p:txBody>
+            <a:bodyPr wrap="none" rtlCol="0">
+              <a:spAutoFit/>
+            </a:bodyPr>
+            <a:lstStyle/>
+            <a:p>
+              <a:r>
+                <a:rPr lang="en-US" sz="2400" dirty="0">
+                  <a:solidFill>
+                    <a:schemeClr val="bg1"/>
+                  </a:solidFill>
+                </a:rPr>
+                <a:t>0     1     2</a:t>
+              </a:r>
+            </a:p>
+          </p:txBody>
+        </p:sp>
+        <p:sp>
+          <p:nvSpPr>
+            <p:cNvPr id="9" name="TextBox 8">
+              <a:extLst>
+                <a:ext uri="{FF2B5EF4-FFF2-40B4-BE49-F238E27FC236}">
+                  <a16:creationId xmlns:a16="http://schemas.microsoft.com/office/drawing/2014/main" id="{D0911CF6-9934-C8D5-84B7-5D26E8F28704}"/>
+                </a:ext>
+              </a:extLst>
+            </p:cNvPr>
+            <p:cNvSpPr txBox="1"/>
+            <p:nvPr/>
+          </p:nvSpPr>
+          <p:spPr>
+            <a:xfrm>
+              <a:off x="1519293" y="3111324"/>
+              <a:ext cx="1932883" cy="959540"/>
+            </a:xfrm>
+            <a:prstGeom prst="rect">
+              <a:avLst/>
+            </a:prstGeom>
+            <a:noFill/>
+          </p:spPr>
+          <p:txBody>
+            <a:bodyPr wrap="none" rtlCol="0">
+              <a:spAutoFit/>
+            </a:bodyPr>
+            <a:lstStyle/>
+            <a:p>
+              <a:pPr algn="ctr"/>
+              <a:r>
+                <a:rPr lang="en-US" dirty="0">
+                  <a:solidFill>
+                    <a:schemeClr val="bg1"/>
+                  </a:solidFill>
+                </a:rPr>
+                <a:t>VINT</a:t>
+              </a:r>
+              <a:br>
+                <a:rPr lang="en-US" dirty="0">
+                  <a:solidFill>
+                    <a:schemeClr val="bg1"/>
+                  </a:solidFill>
+                </a:rPr>
+              </a:br>
+              <a:r>
+                <a:rPr lang="en-US" dirty="0">
+                  <a:solidFill>
+                    <a:schemeClr val="bg1"/>
+                  </a:solidFill>
+                </a:rPr>
+                <a:t>HUB0001_0</a:t>
+              </a:r>
+            </a:p>
+          </p:txBody>
+        </p:sp>
+        <p:sp>
+          <p:nvSpPr>
+            <p:cNvPr id="10" name="Rectangle 9">
+              <a:extLst>
+                <a:ext uri="{FF2B5EF4-FFF2-40B4-BE49-F238E27FC236}">
+                  <a16:creationId xmlns:a16="http://schemas.microsoft.com/office/drawing/2014/main" id="{98B4F9C7-863A-D85B-7237-3C440B1F7469}"/>
+                </a:ext>
+              </a:extLst>
+            </p:cNvPr>
+            <p:cNvSpPr/>
+            <p:nvPr/>
+          </p:nvSpPr>
+          <p:spPr>
+            <a:xfrm>
+              <a:off x="811936" y="3161406"/>
+              <a:ext cx="345440" cy="812800"/>
+            </a:xfrm>
+            <a:prstGeom prst="rect">
+              <a:avLst/>
+            </a:prstGeom>
+          </p:spPr>
+          <p:style>
+            <a:lnRef idx="2">
+              <a:schemeClr val="accent3">
+                <a:shade val="50000"/>
+              </a:schemeClr>
+            </a:lnRef>
+            <a:fillRef idx="1">
+              <a:schemeClr val="accent3"/>
+            </a:fillRef>
+            <a:effectRef idx="0">
+              <a:schemeClr val="accent3"/>
+            </a:effectRef>
+            <a:fontRef idx="minor">
+              <a:schemeClr val="lt1"/>
+            </a:fontRef>
+          </p:style>
+          <p:txBody>
+            <a:bodyPr vert="eaVert" rtlCol="0" anchor="ctr"/>
+            <a:lstStyle/>
+            <a:p>
+              <a:pPr algn="ctr"/>
+              <a:r>
+                <a:rPr lang="en-US" dirty="0"/>
+                <a:t>USB</a:t>
+              </a:r>
+            </a:p>
+          </p:txBody>
+        </p:sp>
+      </p:grpSp>
+      <p:grpSp>
+        <p:nvGrpSpPr>
+          <p:cNvPr id="96" name="Group 95">
+            <a:extLst>
+              <a:ext uri="{FF2B5EF4-FFF2-40B4-BE49-F238E27FC236}">
+                <a16:creationId xmlns:a16="http://schemas.microsoft.com/office/drawing/2014/main" id="{FA7B03BB-DD8C-1A33-4EAB-30EAE795FEE6}"/>
+              </a:ext>
+            </a:extLst>
+          </p:cNvPr>
+          <p:cNvGrpSpPr/>
+          <p:nvPr/>
+        </p:nvGrpSpPr>
+        <p:grpSpPr>
+          <a:xfrm>
+            <a:off x="2794821" y="682699"/>
+            <a:ext cx="2189956" cy="2189956"/>
+            <a:chOff x="2794821" y="682699"/>
+            <a:chExt cx="2189956" cy="2189956"/>
+          </a:xfrm>
+        </p:grpSpPr>
+        <p:sp>
+          <p:nvSpPr>
+            <p:cNvPr id="12" name="Rectangle: Rounded Corners 11">
+              <a:extLst>
+                <a:ext uri="{FF2B5EF4-FFF2-40B4-BE49-F238E27FC236}">
+                  <a16:creationId xmlns:a16="http://schemas.microsoft.com/office/drawing/2014/main" id="{858E7223-1BE6-084C-23FB-14F420FAAB62}"/>
+                </a:ext>
+              </a:extLst>
+            </p:cNvPr>
+            <p:cNvSpPr/>
+            <p:nvPr/>
+          </p:nvSpPr>
+          <p:spPr>
+            <a:xfrm>
+              <a:off x="2794821" y="682699"/>
+              <a:ext cx="2189956" cy="2189956"/>
+            </a:xfrm>
+            <a:prstGeom prst="roundRect">
+              <a:avLst>
+                <a:gd name="adj" fmla="val 4921"/>
+              </a:avLst>
+            </a:prstGeom>
+            <a:solidFill>
+              <a:schemeClr val="tx1">
+                <a:lumMod val="75000"/>
+                <a:lumOff val="25000"/>
+              </a:schemeClr>
+            </a:solidFill>
+          </p:spPr>
+          <p:style>
+            <a:lnRef idx="2">
+              <a:schemeClr val="dk1">
+                <a:shade val="50000"/>
+              </a:schemeClr>
+            </a:lnRef>
+            <a:fillRef idx="1">
+              <a:schemeClr val="dk1"/>
+            </a:fillRef>
+            <a:effectRef idx="0">
+              <a:schemeClr val="dk1"/>
+            </a:effectRef>
+            <a:fontRef idx="minor">
+              <a:schemeClr val="lt1"/>
+            </a:fontRef>
+          </p:style>
+          <p:txBody>
+            <a:bodyPr rtlCol="0" anchor="ctr"/>
+            <a:lstStyle/>
+            <a:p>
+              <a:pPr algn="ctr"/>
+              <a:endParaRPr lang="en-US"/>
+            </a:p>
+          </p:txBody>
+        </p:sp>
+        <p:sp>
+          <p:nvSpPr>
+            <p:cNvPr id="13" name="TextBox 12">
+              <a:extLst>
+                <a:ext uri="{FF2B5EF4-FFF2-40B4-BE49-F238E27FC236}">
+                  <a16:creationId xmlns:a16="http://schemas.microsoft.com/office/drawing/2014/main" id="{DA2CBF0D-3BA8-D3AD-178E-7CF2090BA89A}"/>
+                </a:ext>
+              </a:extLst>
+            </p:cNvPr>
+            <p:cNvSpPr txBox="1"/>
+            <p:nvPr/>
+          </p:nvSpPr>
+          <p:spPr>
+            <a:xfrm>
+              <a:off x="4409688" y="975270"/>
+              <a:ext cx="338554" cy="461665"/>
+            </a:xfrm>
+            <a:prstGeom prst="rect">
+              <a:avLst/>
+            </a:prstGeom>
+            <a:noFill/>
+          </p:spPr>
+          <p:txBody>
+            <a:bodyPr wrap="none" rtlCol="0">
+              <a:spAutoFit/>
+            </a:bodyPr>
+            <a:lstStyle/>
+            <a:p>
+              <a:r>
+                <a:rPr lang="en-US" sz="2400" b="1" dirty="0">
+                  <a:solidFill>
+                    <a:schemeClr val="bg1"/>
+                  </a:solidFill>
+                </a:rPr>
+                <a:t>+</a:t>
+              </a:r>
+            </a:p>
+          </p:txBody>
+        </p:sp>
+        <p:sp>
+          <p:nvSpPr>
+            <p:cNvPr id="15" name="TextBox 14">
+              <a:extLst>
+                <a:ext uri="{FF2B5EF4-FFF2-40B4-BE49-F238E27FC236}">
+                  <a16:creationId xmlns:a16="http://schemas.microsoft.com/office/drawing/2014/main" id="{92F5DFE2-E35A-B788-050D-F036EE527E04}"/>
+                </a:ext>
+              </a:extLst>
+            </p:cNvPr>
+            <p:cNvSpPr txBox="1"/>
+            <p:nvPr/>
+          </p:nvSpPr>
+          <p:spPr>
+            <a:xfrm>
+              <a:off x="4455102" y="2021670"/>
+              <a:ext cx="279244" cy="461665"/>
+            </a:xfrm>
+            <a:prstGeom prst="rect">
+              <a:avLst/>
+            </a:prstGeom>
+            <a:noFill/>
+          </p:spPr>
+          <p:txBody>
+            <a:bodyPr wrap="none" rtlCol="0">
+              <a:spAutoFit/>
+            </a:bodyPr>
+            <a:lstStyle/>
+            <a:p>
+              <a:r>
+                <a:rPr lang="en-US" sz="2400" b="1" dirty="0">
+                  <a:solidFill>
+                    <a:schemeClr val="bg1"/>
+                  </a:solidFill>
+                </a:rPr>
+                <a:t>-</a:t>
+              </a:r>
+            </a:p>
+          </p:txBody>
+        </p:sp>
+        <p:sp>
+          <p:nvSpPr>
+            <p:cNvPr id="16" name="Rectangle 15">
+              <a:extLst>
+                <a:ext uri="{FF2B5EF4-FFF2-40B4-BE49-F238E27FC236}">
+                  <a16:creationId xmlns:a16="http://schemas.microsoft.com/office/drawing/2014/main" id="{8A305156-2A87-B1DA-38FF-31C27D645E5E}"/>
+                </a:ext>
+              </a:extLst>
+            </p:cNvPr>
+            <p:cNvSpPr/>
+            <p:nvPr/>
+          </p:nvSpPr>
+          <p:spPr>
+            <a:xfrm>
+              <a:off x="4386124" y="1372709"/>
+              <a:ext cx="594417" cy="747366"/>
+            </a:xfrm>
+            <a:prstGeom prst="rect">
+              <a:avLst/>
+            </a:prstGeom>
+            <a:solidFill>
+              <a:schemeClr val="accent6">
+                <a:lumMod val="50000"/>
+              </a:schemeClr>
+            </a:solidFill>
+          </p:spPr>
+          <p:style>
+            <a:lnRef idx="2">
+              <a:schemeClr val="accent6">
+                <a:shade val="50000"/>
+              </a:schemeClr>
+            </a:lnRef>
+            <a:fillRef idx="1">
+              <a:schemeClr val="accent6"/>
+            </a:fillRef>
+            <a:effectRef idx="0">
+              <a:schemeClr val="accent6"/>
+            </a:effectRef>
+            <a:fontRef idx="minor">
+              <a:schemeClr val="lt1"/>
+            </a:fontRef>
+          </p:style>
+          <p:txBody>
+            <a:bodyPr rtlCol="0" anchor="ctr"/>
+            <a:lstStyle/>
+            <a:p>
+              <a:pPr algn="ctr"/>
+              <a:endParaRPr lang="en-US"/>
+            </a:p>
+          </p:txBody>
+        </p:sp>
+        <p:sp>
+          <p:nvSpPr>
+            <p:cNvPr id="17" name="Rectangle 16">
+              <a:extLst>
+                <a:ext uri="{FF2B5EF4-FFF2-40B4-BE49-F238E27FC236}">
+                  <a16:creationId xmlns:a16="http://schemas.microsoft.com/office/drawing/2014/main" id="{234D9145-A3AE-8B5C-1B76-F36E4DA0CDE1}"/>
+                </a:ext>
+              </a:extLst>
+            </p:cNvPr>
+            <p:cNvSpPr/>
+            <p:nvPr/>
+          </p:nvSpPr>
+          <p:spPr>
+            <a:xfrm>
+              <a:off x="4386124" y="1372709"/>
+              <a:ext cx="381311" cy="747366"/>
+            </a:xfrm>
+            <a:prstGeom prst="rect">
+              <a:avLst/>
+            </a:prstGeom>
+          </p:spPr>
+          <p:style>
+            <a:lnRef idx="2">
+              <a:schemeClr val="accent6">
+                <a:shade val="50000"/>
+              </a:schemeClr>
+            </a:lnRef>
+            <a:fillRef idx="1">
+              <a:schemeClr val="accent6"/>
+            </a:fillRef>
+            <a:effectRef idx="0">
+              <a:schemeClr val="accent6"/>
+            </a:effectRef>
+            <a:fontRef idx="minor">
+              <a:schemeClr val="lt1"/>
+            </a:fontRef>
+          </p:style>
+          <p:txBody>
+            <a:bodyPr rtlCol="0" anchor="ctr"/>
+            <a:lstStyle/>
+            <a:p>
+              <a:pPr algn="ctr"/>
+              <a:endParaRPr lang="en-US"/>
+            </a:p>
+          </p:txBody>
+        </p:sp>
+        <p:sp>
+          <p:nvSpPr>
+            <p:cNvPr id="18" name="Oval 17">
+              <a:extLst>
+                <a:ext uri="{FF2B5EF4-FFF2-40B4-BE49-F238E27FC236}">
+                  <a16:creationId xmlns:a16="http://schemas.microsoft.com/office/drawing/2014/main" id="{57076E9A-0AEB-87B6-3ADB-D64BF30D837C}"/>
+                </a:ext>
+              </a:extLst>
+            </p:cNvPr>
+            <p:cNvSpPr/>
+            <p:nvPr/>
+          </p:nvSpPr>
+          <p:spPr>
+            <a:xfrm>
+              <a:off x="4456407" y="1412684"/>
+              <a:ext cx="229424" cy="229424"/>
+            </a:xfrm>
+            <a:prstGeom prst="ellipse">
+              <a:avLst/>
+            </a:prstGeom>
+          </p:spPr>
+          <p:style>
+            <a:lnRef idx="2">
+              <a:schemeClr val="accent3">
+                <a:shade val="50000"/>
+              </a:schemeClr>
+            </a:lnRef>
+            <a:fillRef idx="1">
+              <a:schemeClr val="accent3"/>
+            </a:fillRef>
+            <a:effectRef idx="0">
+              <a:schemeClr val="accent3"/>
+            </a:effectRef>
+            <a:fontRef idx="minor">
+              <a:schemeClr val="lt1"/>
+            </a:fontRef>
+          </p:style>
+          <p:txBody>
+            <a:bodyPr rtlCol="0" anchor="ctr"/>
+            <a:lstStyle/>
+            <a:p>
+              <a:pPr algn="ctr"/>
+              <a:endParaRPr lang="en-US"/>
+            </a:p>
+          </p:txBody>
+        </p:sp>
+        <p:sp>
+          <p:nvSpPr>
+            <p:cNvPr id="19" name="Oval 18">
+              <a:extLst>
+                <a:ext uri="{FF2B5EF4-FFF2-40B4-BE49-F238E27FC236}">
+                  <a16:creationId xmlns:a16="http://schemas.microsoft.com/office/drawing/2014/main" id="{F6424C30-246D-6C3A-4785-07D6A6572646}"/>
+                </a:ext>
+              </a:extLst>
+            </p:cNvPr>
+            <p:cNvSpPr/>
+            <p:nvPr/>
+          </p:nvSpPr>
+          <p:spPr>
+            <a:xfrm>
+              <a:off x="4456407" y="1821061"/>
+              <a:ext cx="229424" cy="229424"/>
+            </a:xfrm>
+            <a:prstGeom prst="ellipse">
+              <a:avLst/>
+            </a:prstGeom>
+          </p:spPr>
+          <p:style>
+            <a:lnRef idx="2">
+              <a:schemeClr val="accent3">
+                <a:shade val="50000"/>
+              </a:schemeClr>
+            </a:lnRef>
+            <a:fillRef idx="1">
+              <a:schemeClr val="accent3"/>
+            </a:fillRef>
+            <a:effectRef idx="0">
+              <a:schemeClr val="accent3"/>
+            </a:effectRef>
+            <a:fontRef idx="minor">
+              <a:schemeClr val="lt1"/>
+            </a:fontRef>
+          </p:style>
+          <p:txBody>
+            <a:bodyPr rtlCol="0" anchor="ctr"/>
+            <a:lstStyle/>
+            <a:p>
+              <a:pPr algn="ctr"/>
+              <a:endParaRPr lang="en-US"/>
+            </a:p>
+          </p:txBody>
+        </p:sp>
+        <p:sp>
+          <p:nvSpPr>
+            <p:cNvPr id="20" name="TextBox 19">
+              <a:extLst>
+                <a:ext uri="{FF2B5EF4-FFF2-40B4-BE49-F238E27FC236}">
+                  <a16:creationId xmlns:a16="http://schemas.microsoft.com/office/drawing/2014/main" id="{B98EAE7B-2693-0EE9-6DDE-3EC4F6540FAE}"/>
+                </a:ext>
+              </a:extLst>
+            </p:cNvPr>
+            <p:cNvSpPr txBox="1"/>
+            <p:nvPr/>
+          </p:nvSpPr>
+          <p:spPr>
+            <a:xfrm>
+              <a:off x="2985309" y="1431135"/>
+              <a:ext cx="1256626" cy="646331"/>
+            </a:xfrm>
+            <a:prstGeom prst="rect">
+              <a:avLst/>
+            </a:prstGeom>
+            <a:noFill/>
+          </p:spPr>
+          <p:txBody>
+            <a:bodyPr wrap="none" rtlCol="0">
+              <a:spAutoFit/>
+            </a:bodyPr>
+            <a:lstStyle/>
+            <a:p>
+              <a:pPr algn="ctr"/>
+              <a:r>
+                <a:rPr lang="en-US" dirty="0">
+                  <a:solidFill>
+                    <a:schemeClr val="bg1"/>
+                  </a:solidFill>
+                </a:rPr>
+                <a:t>30A Cur</a:t>
+              </a:r>
+              <a:br>
+                <a:rPr lang="en-US" dirty="0">
+                  <a:solidFill>
+                    <a:schemeClr val="bg1"/>
+                  </a:solidFill>
+                </a:rPr>
+              </a:br>
+              <a:r>
+                <a:rPr lang="en-US" dirty="0">
+                  <a:solidFill>
+                    <a:schemeClr val="bg1"/>
+                  </a:solidFill>
+                </a:rPr>
+                <a:t>VCP1100_0</a:t>
+              </a:r>
+            </a:p>
+          </p:txBody>
+        </p:sp>
+        <p:sp>
+          <p:nvSpPr>
+            <p:cNvPr id="38" name="Rectangle 37">
+              <a:extLst>
+                <a:ext uri="{FF2B5EF4-FFF2-40B4-BE49-F238E27FC236}">
+                  <a16:creationId xmlns:a16="http://schemas.microsoft.com/office/drawing/2014/main" id="{CCEE34DE-20F9-80C2-3CB6-81215AFF1811}"/>
+                </a:ext>
+              </a:extLst>
+            </p:cNvPr>
+            <p:cNvSpPr/>
+            <p:nvPr/>
+          </p:nvSpPr>
+          <p:spPr>
+            <a:xfrm>
+              <a:off x="2801617" y="1516655"/>
+              <a:ext cx="232683" cy="547489"/>
+            </a:xfrm>
+            <a:prstGeom prst="rect">
+              <a:avLst/>
+            </a:prstGeom>
+          </p:spPr>
+          <p:style>
+            <a:lnRef idx="2">
+              <a:schemeClr val="accent3">
+                <a:shade val="50000"/>
+              </a:schemeClr>
+            </a:lnRef>
+            <a:fillRef idx="1">
+              <a:schemeClr val="accent3"/>
+            </a:fillRef>
+            <a:effectRef idx="0">
+              <a:schemeClr val="accent3"/>
+            </a:effectRef>
+            <a:fontRef idx="minor">
+              <a:schemeClr val="lt1"/>
+            </a:fontRef>
+          </p:style>
+          <p:txBody>
+            <a:bodyPr vert="eaVert" rtlCol="0" anchor="ctr"/>
+            <a:lstStyle/>
+            <a:p>
+              <a:pPr algn="ctr"/>
+              <a:r>
+                <a:rPr lang="en-US" dirty="0"/>
+                <a:t>VINT</a:t>
+              </a:r>
+            </a:p>
+          </p:txBody>
+        </p:sp>
+      </p:grpSp>
+      <p:grpSp>
+        <p:nvGrpSpPr>
+          <p:cNvPr id="99" name="Group 98">
+            <a:extLst>
+              <a:ext uri="{FF2B5EF4-FFF2-40B4-BE49-F238E27FC236}">
+                <a16:creationId xmlns:a16="http://schemas.microsoft.com/office/drawing/2014/main" id="{47DDCE5E-F3A4-6D55-766B-5651B299B45B}"/>
+              </a:ext>
+            </a:extLst>
+          </p:cNvPr>
+          <p:cNvGrpSpPr/>
+          <p:nvPr/>
+        </p:nvGrpSpPr>
+        <p:grpSpPr>
+          <a:xfrm>
+            <a:off x="325759" y="4821176"/>
+            <a:ext cx="2205255" cy="1520298"/>
+            <a:chOff x="325759" y="4821176"/>
+            <a:chExt cx="2205255" cy="1520298"/>
+          </a:xfrm>
+        </p:grpSpPr>
+        <p:grpSp>
+          <p:nvGrpSpPr>
+            <p:cNvPr id="30" name="Group 29">
+              <a:extLst>
+                <a:ext uri="{FF2B5EF4-FFF2-40B4-BE49-F238E27FC236}">
+                  <a16:creationId xmlns:a16="http://schemas.microsoft.com/office/drawing/2014/main" id="{D8E80566-814D-FEDE-891B-11176256E4CC}"/>
+                </a:ext>
+              </a:extLst>
+            </p:cNvPr>
+            <p:cNvGrpSpPr/>
+            <p:nvPr/>
+          </p:nvGrpSpPr>
+          <p:grpSpPr>
+            <a:xfrm>
+              <a:off x="332268" y="4821176"/>
+              <a:ext cx="2198746" cy="1520298"/>
+              <a:chOff x="7956374" y="3779520"/>
+              <a:chExt cx="3098740" cy="2142589"/>
+            </a:xfrm>
+          </p:grpSpPr>
+          <p:sp>
+            <p:nvSpPr>
+              <p:cNvPr id="31" name="Rectangle: Rounded Corners 30">
+                <a:extLst>
+                  <a:ext uri="{FF2B5EF4-FFF2-40B4-BE49-F238E27FC236}">
+                    <a16:creationId xmlns:a16="http://schemas.microsoft.com/office/drawing/2014/main" id="{4B93AC6B-2172-9A5D-C4FF-93CAD45B7142}"/>
+                  </a:ext>
+                </a:extLst>
+              </p:cNvPr>
+              <p:cNvSpPr/>
+              <p:nvPr/>
+            </p:nvSpPr>
+            <p:spPr>
+              <a:xfrm>
+                <a:off x="7956374" y="3779520"/>
+                <a:ext cx="3089567" cy="2142589"/>
+              </a:xfrm>
+              <a:prstGeom prst="roundRect">
+                <a:avLst>
+                  <a:gd name="adj" fmla="val 4921"/>
+                </a:avLst>
+              </a:prstGeom>
+              <a:solidFill>
+                <a:schemeClr val="tx1">
+                  <a:lumMod val="75000"/>
+                  <a:lumOff val="25000"/>
+                </a:schemeClr>
+              </a:solidFill>
+            </p:spPr>
+            <p:style>
+              <a:lnRef idx="2">
+                <a:schemeClr val="dk1">
+                  <a:shade val="50000"/>
+                </a:schemeClr>
+              </a:lnRef>
+              <a:fillRef idx="1">
+                <a:schemeClr val="dk1"/>
+              </a:fillRef>
+              <a:effectRef idx="0">
+                <a:schemeClr val="dk1"/>
+              </a:effectRef>
+              <a:fontRef idx="minor">
+                <a:schemeClr val="lt1"/>
+              </a:fontRef>
+            </p:style>
+            <p:txBody>
+              <a:bodyPr rtlCol="0" anchor="ctr"/>
+              <a:lstStyle/>
+              <a:p>
+                <a:pPr algn="ctr"/>
+                <a:endParaRPr lang="en-US"/>
+              </a:p>
+            </p:txBody>
+          </p:sp>
+          <p:sp>
+            <p:nvSpPr>
+              <p:cNvPr id="33" name="Rectangle 32">
+                <a:extLst>
+                  <a:ext uri="{FF2B5EF4-FFF2-40B4-BE49-F238E27FC236}">
+                    <a16:creationId xmlns:a16="http://schemas.microsoft.com/office/drawing/2014/main" id="{A4237DE4-8233-3065-7737-6C3F59562FC9}"/>
+                  </a:ext>
+                </a:extLst>
+              </p:cNvPr>
+              <p:cNvSpPr/>
+              <p:nvPr/>
+            </p:nvSpPr>
+            <p:spPr>
+              <a:xfrm>
+                <a:off x="10186434" y="4296509"/>
+                <a:ext cx="868680" cy="1092200"/>
+              </a:xfrm>
+              <a:prstGeom prst="rect">
+                <a:avLst/>
+              </a:prstGeom>
+              <a:solidFill>
+                <a:schemeClr val="accent6">
+                  <a:lumMod val="50000"/>
+                </a:schemeClr>
+              </a:solidFill>
+            </p:spPr>
+            <p:style>
+              <a:lnRef idx="2">
+                <a:schemeClr val="accent6">
+                  <a:shade val="50000"/>
+                </a:schemeClr>
+              </a:lnRef>
+              <a:fillRef idx="1">
+                <a:schemeClr val="accent6"/>
+              </a:fillRef>
+              <a:effectRef idx="0">
+                <a:schemeClr val="accent6"/>
+              </a:effectRef>
+              <a:fontRef idx="minor">
+                <a:schemeClr val="lt1"/>
+              </a:fontRef>
+            </p:style>
+            <p:txBody>
+              <a:bodyPr rtlCol="0" anchor="ctr"/>
+              <a:lstStyle/>
+              <a:p>
+                <a:pPr algn="ctr"/>
+                <a:endParaRPr lang="en-US"/>
+              </a:p>
+            </p:txBody>
+          </p:sp>
+          <p:sp>
+            <p:nvSpPr>
+              <p:cNvPr id="34" name="Rectangle 33">
+                <a:extLst>
+                  <a:ext uri="{FF2B5EF4-FFF2-40B4-BE49-F238E27FC236}">
+                    <a16:creationId xmlns:a16="http://schemas.microsoft.com/office/drawing/2014/main" id="{2EF14720-6847-9E5B-1BCF-F77B8359C641}"/>
+                  </a:ext>
+                </a:extLst>
+              </p:cNvPr>
+              <p:cNvSpPr/>
+              <p:nvPr/>
+            </p:nvSpPr>
+            <p:spPr>
+              <a:xfrm>
+                <a:off x="10186434" y="4296509"/>
+                <a:ext cx="557247" cy="1092200"/>
+              </a:xfrm>
+              <a:prstGeom prst="rect">
+                <a:avLst/>
+              </a:prstGeom>
+            </p:spPr>
+            <p:style>
+              <a:lnRef idx="2">
+                <a:schemeClr val="accent6">
+                  <a:shade val="50000"/>
+                </a:schemeClr>
+              </a:lnRef>
+              <a:fillRef idx="1">
+                <a:schemeClr val="accent6"/>
+              </a:fillRef>
+              <a:effectRef idx="0">
+                <a:schemeClr val="accent6"/>
+              </a:effectRef>
+              <a:fontRef idx="minor">
+                <a:schemeClr val="lt1"/>
+              </a:fontRef>
+            </p:style>
+            <p:txBody>
+              <a:bodyPr rtlCol="0" anchor="ctr"/>
+              <a:lstStyle/>
+              <a:p>
+                <a:pPr algn="ctr"/>
+                <a:endParaRPr lang="en-US"/>
+              </a:p>
+            </p:txBody>
+          </p:sp>
+          <p:sp>
+            <p:nvSpPr>
+              <p:cNvPr id="35" name="Oval 34">
+                <a:extLst>
+                  <a:ext uri="{FF2B5EF4-FFF2-40B4-BE49-F238E27FC236}">
+                    <a16:creationId xmlns:a16="http://schemas.microsoft.com/office/drawing/2014/main" id="{7652B40A-5069-2793-0CFD-2CF739576796}"/>
+                  </a:ext>
+                </a:extLst>
+              </p:cNvPr>
+              <p:cNvSpPr/>
+              <p:nvPr/>
+            </p:nvSpPr>
+            <p:spPr>
+              <a:xfrm>
+                <a:off x="10289145" y="4354929"/>
+                <a:ext cx="335280" cy="335280"/>
+              </a:xfrm>
+              <a:prstGeom prst="ellipse">
+                <a:avLst/>
+              </a:prstGeom>
+            </p:spPr>
+            <p:style>
+              <a:lnRef idx="2">
+                <a:schemeClr val="accent3">
+                  <a:shade val="50000"/>
+                </a:schemeClr>
+              </a:lnRef>
+              <a:fillRef idx="1">
+                <a:schemeClr val="accent3"/>
+              </a:fillRef>
+              <a:effectRef idx="0">
+                <a:schemeClr val="accent3"/>
+              </a:effectRef>
+              <a:fontRef idx="minor">
+                <a:schemeClr val="lt1"/>
+              </a:fontRef>
+            </p:style>
+            <p:txBody>
+              <a:bodyPr rtlCol="0" anchor="ctr"/>
+              <a:lstStyle/>
+              <a:p>
+                <a:pPr algn="ctr"/>
+                <a:endParaRPr lang="en-US"/>
+              </a:p>
+            </p:txBody>
+          </p:sp>
+          <p:sp>
+            <p:nvSpPr>
+              <p:cNvPr id="36" name="Oval 35">
+                <a:extLst>
+                  <a:ext uri="{FF2B5EF4-FFF2-40B4-BE49-F238E27FC236}">
+                    <a16:creationId xmlns:a16="http://schemas.microsoft.com/office/drawing/2014/main" id="{CD173460-8D58-9E65-9EDA-0BDAB32702F9}"/>
+                  </a:ext>
+                </a:extLst>
+              </p:cNvPr>
+              <p:cNvSpPr/>
+              <p:nvPr/>
+            </p:nvSpPr>
+            <p:spPr>
+              <a:xfrm>
+                <a:off x="10289145" y="4951730"/>
+                <a:ext cx="335280" cy="335280"/>
+              </a:xfrm>
+              <a:prstGeom prst="ellipse">
+                <a:avLst/>
+              </a:prstGeom>
+            </p:spPr>
+            <p:style>
+              <a:lnRef idx="2">
+                <a:schemeClr val="accent3">
+                  <a:shade val="50000"/>
+                </a:schemeClr>
+              </a:lnRef>
+              <a:fillRef idx="1">
+                <a:schemeClr val="accent3"/>
+              </a:fillRef>
+              <a:effectRef idx="0">
+                <a:schemeClr val="accent3"/>
+              </a:effectRef>
+              <a:fontRef idx="minor">
+                <a:schemeClr val="lt1"/>
+              </a:fontRef>
+            </p:style>
+            <p:txBody>
+              <a:bodyPr rtlCol="0" anchor="ctr"/>
+              <a:lstStyle/>
+              <a:p>
+                <a:pPr algn="ctr"/>
+                <a:endParaRPr lang="en-US"/>
+              </a:p>
+            </p:txBody>
+          </p:sp>
+          <p:sp>
+            <p:nvSpPr>
+              <p:cNvPr id="37" name="TextBox 36">
+                <a:extLst>
+                  <a:ext uri="{FF2B5EF4-FFF2-40B4-BE49-F238E27FC236}">
+                    <a16:creationId xmlns:a16="http://schemas.microsoft.com/office/drawing/2014/main" id="{0456BDF8-EDD0-CB5A-7676-EB0FDB22C6A0}"/>
+                  </a:ext>
+                </a:extLst>
+              </p:cNvPr>
+              <p:cNvSpPr txBox="1"/>
+              <p:nvPr/>
+            </p:nvSpPr>
+            <p:spPr>
+              <a:xfrm>
+                <a:off x="8204097" y="4387163"/>
+                <a:ext cx="1956964" cy="910888"/>
+              </a:xfrm>
+              <a:prstGeom prst="rect">
+                <a:avLst/>
+              </a:prstGeom>
+              <a:noFill/>
+            </p:spPr>
+            <p:txBody>
+              <a:bodyPr wrap="none" rtlCol="0">
+                <a:spAutoFit/>
+              </a:bodyPr>
+              <a:lstStyle/>
+              <a:p>
+                <a:pPr algn="ctr"/>
+                <a:r>
+                  <a:rPr lang="en-US" dirty="0">
+                    <a:solidFill>
+                      <a:schemeClr val="bg1"/>
+                    </a:solidFill>
+                  </a:rPr>
+                  <a:t>Temperature</a:t>
+                </a:r>
+                <a:br>
+                  <a:rPr lang="en-US" dirty="0">
+                    <a:solidFill>
+                      <a:schemeClr val="bg1"/>
+                    </a:solidFill>
+                  </a:rPr>
+                </a:br>
+                <a:r>
+                  <a:rPr lang="en-US" dirty="0">
+                    <a:solidFill>
+                      <a:schemeClr val="bg1"/>
+                    </a:solidFill>
+                  </a:rPr>
+                  <a:t>TMP1100_0</a:t>
+                </a:r>
+              </a:p>
+            </p:txBody>
+          </p:sp>
+        </p:grpSp>
+        <p:sp>
+          <p:nvSpPr>
+            <p:cNvPr id="41" name="Rectangle 40">
+              <a:extLst>
+                <a:ext uri="{FF2B5EF4-FFF2-40B4-BE49-F238E27FC236}">
+                  <a16:creationId xmlns:a16="http://schemas.microsoft.com/office/drawing/2014/main" id="{905F75CA-E139-23F3-611F-9F19BA180EB3}"/>
+                </a:ext>
+              </a:extLst>
+            </p:cNvPr>
+            <p:cNvSpPr/>
+            <p:nvPr/>
+          </p:nvSpPr>
+          <p:spPr>
+            <a:xfrm>
+              <a:off x="325759" y="5307580"/>
+              <a:ext cx="232683" cy="547489"/>
+            </a:xfrm>
+            <a:prstGeom prst="rect">
+              <a:avLst/>
+            </a:prstGeom>
+          </p:spPr>
+          <p:style>
+            <a:lnRef idx="2">
+              <a:schemeClr val="accent3">
+                <a:shade val="50000"/>
+              </a:schemeClr>
+            </a:lnRef>
+            <a:fillRef idx="1">
+              <a:schemeClr val="accent3"/>
+            </a:fillRef>
+            <a:effectRef idx="0">
+              <a:schemeClr val="accent3"/>
+            </a:effectRef>
+            <a:fontRef idx="minor">
+              <a:schemeClr val="lt1"/>
+            </a:fontRef>
+          </p:style>
+          <p:txBody>
+            <a:bodyPr vert="eaVert" rtlCol="0" anchor="ctr"/>
+            <a:lstStyle/>
+            <a:p>
+              <a:pPr algn="ctr"/>
+              <a:r>
+                <a:rPr lang="en-US" dirty="0"/>
+                <a:t>VINT</a:t>
+              </a:r>
+            </a:p>
+          </p:txBody>
+        </p:sp>
+      </p:grpSp>
+      <p:grpSp>
+        <p:nvGrpSpPr>
+          <p:cNvPr id="42" name="Group 41">
+            <a:extLst>
+              <a:ext uri="{FF2B5EF4-FFF2-40B4-BE49-F238E27FC236}">
+                <a16:creationId xmlns:a16="http://schemas.microsoft.com/office/drawing/2014/main" id="{9D9522C4-C6F9-AD48-1DEB-69A34AE1DEC7}"/>
+              </a:ext>
+            </a:extLst>
+          </p:cNvPr>
+          <p:cNvGrpSpPr/>
+          <p:nvPr/>
+        </p:nvGrpSpPr>
+        <p:grpSpPr>
+          <a:xfrm>
+            <a:off x="6412375" y="1331351"/>
+            <a:ext cx="3792113" cy="4742679"/>
+            <a:chOff x="6412375" y="882617"/>
+            <a:chExt cx="3792113" cy="4742679"/>
+          </a:xfrm>
+        </p:grpSpPr>
+        <p:sp>
+          <p:nvSpPr>
+            <p:cNvPr id="43" name="Rectangle: Rounded Corners 42">
+              <a:extLst>
+                <a:ext uri="{FF2B5EF4-FFF2-40B4-BE49-F238E27FC236}">
+                  <a16:creationId xmlns:a16="http://schemas.microsoft.com/office/drawing/2014/main" id="{D4C70CE8-6365-B2C5-B38B-F99BDFE54115}"/>
+                </a:ext>
+              </a:extLst>
+            </p:cNvPr>
+            <p:cNvSpPr/>
+            <p:nvPr/>
+          </p:nvSpPr>
+          <p:spPr>
+            <a:xfrm>
+              <a:off x="6412375" y="1078662"/>
+              <a:ext cx="3792113" cy="4546634"/>
+            </a:xfrm>
+            <a:prstGeom prst="roundRect">
+              <a:avLst>
+                <a:gd name="adj" fmla="val 2321"/>
+              </a:avLst>
+            </a:prstGeom>
+            <a:solidFill>
+              <a:srgbClr val="404040"/>
+            </a:solidFill>
+          </p:spPr>
+          <p:style>
+            <a:lnRef idx="2">
+              <a:schemeClr val="dk1">
+                <a:shade val="50000"/>
+              </a:schemeClr>
+            </a:lnRef>
+            <a:fillRef idx="1">
+              <a:schemeClr val="dk1"/>
+            </a:fillRef>
+            <a:effectRef idx="0">
+              <a:schemeClr val="dk1"/>
+            </a:effectRef>
+            <a:fontRef idx="minor">
+              <a:schemeClr val="lt1"/>
+            </a:fontRef>
+          </p:style>
+          <p:txBody>
+            <a:bodyPr rtlCol="0" anchor="ctr"/>
+            <a:lstStyle/>
+            <a:p>
+              <a:pPr algn="ctr"/>
+              <a:endParaRPr lang="en-US"/>
+            </a:p>
+          </p:txBody>
+        </p:sp>
+        <p:grpSp>
+          <p:nvGrpSpPr>
+            <p:cNvPr id="45" name="Group 44">
+              <a:extLst>
+                <a:ext uri="{FF2B5EF4-FFF2-40B4-BE49-F238E27FC236}">
+                  <a16:creationId xmlns:a16="http://schemas.microsoft.com/office/drawing/2014/main" id="{29445F12-406E-EB08-422F-41FCC5E8672F}"/>
+                </a:ext>
+              </a:extLst>
+            </p:cNvPr>
+            <p:cNvGrpSpPr/>
+            <p:nvPr/>
+          </p:nvGrpSpPr>
+          <p:grpSpPr>
+            <a:xfrm rot="16200000">
+              <a:off x="7409046" y="1014801"/>
+              <a:ext cx="594417" cy="747366"/>
+              <a:chOff x="4538524" y="1076375"/>
+              <a:chExt cx="594417" cy="747366"/>
+            </a:xfrm>
+          </p:grpSpPr>
+          <p:sp>
+            <p:nvSpPr>
+              <p:cNvPr id="71" name="Rectangle 70">
+                <a:extLst>
+                  <a:ext uri="{FF2B5EF4-FFF2-40B4-BE49-F238E27FC236}">
+                    <a16:creationId xmlns:a16="http://schemas.microsoft.com/office/drawing/2014/main" id="{073D42D1-2888-8885-22E7-28DD8372C57A}"/>
+                  </a:ext>
+                </a:extLst>
+              </p:cNvPr>
+              <p:cNvSpPr/>
+              <p:nvPr/>
+            </p:nvSpPr>
+            <p:spPr>
+              <a:xfrm>
+                <a:off x="4538524" y="1076375"/>
+                <a:ext cx="594417" cy="747366"/>
+              </a:xfrm>
+              <a:prstGeom prst="rect">
+                <a:avLst/>
+              </a:prstGeom>
+              <a:solidFill>
+                <a:schemeClr val="accent6">
+                  <a:lumMod val="50000"/>
+                </a:schemeClr>
+              </a:solidFill>
+            </p:spPr>
+            <p:style>
+              <a:lnRef idx="2">
+                <a:schemeClr val="accent6">
+                  <a:shade val="50000"/>
+                </a:schemeClr>
+              </a:lnRef>
+              <a:fillRef idx="1">
+                <a:schemeClr val="accent6"/>
+              </a:fillRef>
+              <a:effectRef idx="0">
+                <a:schemeClr val="accent6"/>
+              </a:effectRef>
+              <a:fontRef idx="minor">
+                <a:schemeClr val="lt1"/>
+              </a:fontRef>
+            </p:style>
+            <p:txBody>
+              <a:bodyPr rtlCol="0" anchor="ctr"/>
+              <a:lstStyle/>
+              <a:p>
+                <a:pPr algn="ctr"/>
+                <a:endParaRPr lang="en-US"/>
+              </a:p>
+            </p:txBody>
+          </p:sp>
+          <p:sp>
+            <p:nvSpPr>
+              <p:cNvPr id="74" name="Rectangle 73">
+                <a:extLst>
+                  <a:ext uri="{FF2B5EF4-FFF2-40B4-BE49-F238E27FC236}">
+                    <a16:creationId xmlns:a16="http://schemas.microsoft.com/office/drawing/2014/main" id="{3A1BF611-B317-D93C-464C-89F28F586418}"/>
+                  </a:ext>
+                </a:extLst>
+              </p:cNvPr>
+              <p:cNvSpPr/>
+              <p:nvPr/>
+            </p:nvSpPr>
+            <p:spPr>
+              <a:xfrm>
+                <a:off x="4538524" y="1076375"/>
+                <a:ext cx="381311" cy="747366"/>
+              </a:xfrm>
+              <a:prstGeom prst="rect">
+                <a:avLst/>
+              </a:prstGeom>
+            </p:spPr>
+            <p:style>
+              <a:lnRef idx="2">
+                <a:schemeClr val="accent6">
+                  <a:shade val="50000"/>
+                </a:schemeClr>
+              </a:lnRef>
+              <a:fillRef idx="1">
+                <a:schemeClr val="accent6"/>
+              </a:fillRef>
+              <a:effectRef idx="0">
+                <a:schemeClr val="accent6"/>
+              </a:effectRef>
+              <a:fontRef idx="minor">
+                <a:schemeClr val="lt1"/>
+              </a:fontRef>
+            </p:style>
+            <p:txBody>
+              <a:bodyPr rtlCol="0" anchor="ctr"/>
+              <a:lstStyle/>
+              <a:p>
+                <a:pPr algn="ctr"/>
+                <a:endParaRPr lang="en-US"/>
+              </a:p>
+            </p:txBody>
+          </p:sp>
+          <p:sp>
+            <p:nvSpPr>
+              <p:cNvPr id="75" name="Oval 74">
+                <a:extLst>
+                  <a:ext uri="{FF2B5EF4-FFF2-40B4-BE49-F238E27FC236}">
+                    <a16:creationId xmlns:a16="http://schemas.microsoft.com/office/drawing/2014/main" id="{9296940F-7593-D799-3D42-B48C472DF3AD}"/>
+                  </a:ext>
+                </a:extLst>
+              </p:cNvPr>
+              <p:cNvSpPr/>
+              <p:nvPr/>
+            </p:nvSpPr>
+            <p:spPr>
+              <a:xfrm>
+                <a:off x="4608807" y="1116350"/>
+                <a:ext cx="229424" cy="229424"/>
+              </a:xfrm>
+              <a:prstGeom prst="ellipse">
+                <a:avLst/>
+              </a:prstGeom>
+            </p:spPr>
+            <p:style>
+              <a:lnRef idx="2">
+                <a:schemeClr val="accent3">
+                  <a:shade val="50000"/>
+                </a:schemeClr>
+              </a:lnRef>
+              <a:fillRef idx="1">
+                <a:schemeClr val="accent3"/>
+              </a:fillRef>
+              <a:effectRef idx="0">
+                <a:schemeClr val="accent3"/>
+              </a:effectRef>
+              <a:fontRef idx="minor">
+                <a:schemeClr val="lt1"/>
+              </a:fontRef>
+            </p:style>
+            <p:txBody>
+              <a:bodyPr rtlCol="0" anchor="ctr"/>
+              <a:lstStyle/>
+              <a:p>
+                <a:pPr algn="ctr"/>
+                <a:endParaRPr lang="en-US"/>
+              </a:p>
+            </p:txBody>
+          </p:sp>
+          <p:sp>
+            <p:nvSpPr>
+              <p:cNvPr id="76" name="Oval 75">
+                <a:extLst>
+                  <a:ext uri="{FF2B5EF4-FFF2-40B4-BE49-F238E27FC236}">
+                    <a16:creationId xmlns:a16="http://schemas.microsoft.com/office/drawing/2014/main" id="{4C1BEB81-E5C4-101B-B3BE-60A92E3A4117}"/>
+                  </a:ext>
+                </a:extLst>
+              </p:cNvPr>
+              <p:cNvSpPr/>
+              <p:nvPr/>
+            </p:nvSpPr>
+            <p:spPr>
+              <a:xfrm>
+                <a:off x="4608807" y="1524727"/>
+                <a:ext cx="229424" cy="229424"/>
+              </a:xfrm>
+              <a:prstGeom prst="ellipse">
+                <a:avLst/>
+              </a:prstGeom>
+            </p:spPr>
+            <p:style>
+              <a:lnRef idx="2">
+                <a:schemeClr val="accent3">
+                  <a:shade val="50000"/>
+                </a:schemeClr>
+              </a:lnRef>
+              <a:fillRef idx="1">
+                <a:schemeClr val="accent3"/>
+              </a:fillRef>
+              <a:effectRef idx="0">
+                <a:schemeClr val="accent3"/>
+              </a:effectRef>
+              <a:fontRef idx="minor">
+                <a:schemeClr val="lt1"/>
+              </a:fontRef>
+            </p:style>
+            <p:txBody>
+              <a:bodyPr rtlCol="0" anchor="ctr"/>
+              <a:lstStyle/>
+              <a:p>
+                <a:pPr algn="ctr"/>
+                <a:endParaRPr lang="en-US"/>
+              </a:p>
+            </p:txBody>
+          </p:sp>
+        </p:grpSp>
+        <p:grpSp>
+          <p:nvGrpSpPr>
+            <p:cNvPr id="46" name="Group 45">
+              <a:extLst>
+                <a:ext uri="{FF2B5EF4-FFF2-40B4-BE49-F238E27FC236}">
+                  <a16:creationId xmlns:a16="http://schemas.microsoft.com/office/drawing/2014/main" id="{A3378967-7328-788F-183A-793240368880}"/>
+                </a:ext>
+              </a:extLst>
+            </p:cNvPr>
+            <p:cNvGrpSpPr/>
+            <p:nvPr/>
+          </p:nvGrpSpPr>
+          <p:grpSpPr>
+            <a:xfrm rot="16200000">
+              <a:off x="9101143" y="1014801"/>
+              <a:ext cx="594417" cy="747366"/>
+              <a:chOff x="4538524" y="1076375"/>
+              <a:chExt cx="594417" cy="747366"/>
+            </a:xfrm>
+          </p:grpSpPr>
+          <p:sp>
+            <p:nvSpPr>
+              <p:cNvPr id="66" name="Rectangle 65">
+                <a:extLst>
+                  <a:ext uri="{FF2B5EF4-FFF2-40B4-BE49-F238E27FC236}">
+                    <a16:creationId xmlns:a16="http://schemas.microsoft.com/office/drawing/2014/main" id="{5958EBD7-A62D-3886-192D-994BA3972A99}"/>
+                  </a:ext>
+                </a:extLst>
+              </p:cNvPr>
+              <p:cNvSpPr/>
+              <p:nvPr/>
+            </p:nvSpPr>
+            <p:spPr>
+              <a:xfrm>
+                <a:off x="4538524" y="1076375"/>
+                <a:ext cx="594417" cy="747366"/>
+              </a:xfrm>
+              <a:prstGeom prst="rect">
+                <a:avLst/>
+              </a:prstGeom>
+              <a:solidFill>
+                <a:schemeClr val="accent6">
+                  <a:lumMod val="50000"/>
+                </a:schemeClr>
+              </a:solidFill>
+            </p:spPr>
+            <p:style>
+              <a:lnRef idx="2">
+                <a:schemeClr val="accent6">
+                  <a:shade val="50000"/>
+                </a:schemeClr>
+              </a:lnRef>
+              <a:fillRef idx="1">
+                <a:schemeClr val="accent6"/>
+              </a:fillRef>
+              <a:effectRef idx="0">
+                <a:schemeClr val="accent6"/>
+              </a:effectRef>
+              <a:fontRef idx="minor">
+                <a:schemeClr val="lt1"/>
+              </a:fontRef>
+            </p:style>
+            <p:txBody>
+              <a:bodyPr rtlCol="0" anchor="ctr"/>
+              <a:lstStyle/>
+              <a:p>
+                <a:pPr algn="ctr"/>
+                <a:endParaRPr lang="en-US"/>
+              </a:p>
+            </p:txBody>
+          </p:sp>
+          <p:sp>
+            <p:nvSpPr>
+              <p:cNvPr id="67" name="Rectangle 66">
+                <a:extLst>
+                  <a:ext uri="{FF2B5EF4-FFF2-40B4-BE49-F238E27FC236}">
+                    <a16:creationId xmlns:a16="http://schemas.microsoft.com/office/drawing/2014/main" id="{A1A45B16-4817-FB48-38AE-838D02BA6A42}"/>
+                  </a:ext>
+                </a:extLst>
+              </p:cNvPr>
+              <p:cNvSpPr/>
+              <p:nvPr/>
+            </p:nvSpPr>
+            <p:spPr>
+              <a:xfrm>
+                <a:off x="4538524" y="1076375"/>
+                <a:ext cx="381311" cy="747366"/>
+              </a:xfrm>
+              <a:prstGeom prst="rect">
+                <a:avLst/>
+              </a:prstGeom>
+            </p:spPr>
+            <p:style>
+              <a:lnRef idx="2">
+                <a:schemeClr val="accent6">
+                  <a:shade val="50000"/>
+                </a:schemeClr>
+              </a:lnRef>
+              <a:fillRef idx="1">
+                <a:schemeClr val="accent6"/>
+              </a:fillRef>
+              <a:effectRef idx="0">
+                <a:schemeClr val="accent6"/>
+              </a:effectRef>
+              <a:fontRef idx="minor">
+                <a:schemeClr val="lt1"/>
+              </a:fontRef>
+            </p:style>
+            <p:txBody>
+              <a:bodyPr rtlCol="0" anchor="ctr"/>
+              <a:lstStyle/>
+              <a:p>
+                <a:pPr algn="ctr"/>
+                <a:endParaRPr lang="en-US"/>
+              </a:p>
+            </p:txBody>
+          </p:sp>
+          <p:sp>
+            <p:nvSpPr>
+              <p:cNvPr id="68" name="Oval 67">
+                <a:extLst>
+                  <a:ext uri="{FF2B5EF4-FFF2-40B4-BE49-F238E27FC236}">
+                    <a16:creationId xmlns:a16="http://schemas.microsoft.com/office/drawing/2014/main" id="{1E569372-4100-0B30-6545-7B2B3431BC52}"/>
+                  </a:ext>
+                </a:extLst>
+              </p:cNvPr>
+              <p:cNvSpPr/>
+              <p:nvPr/>
+            </p:nvSpPr>
+            <p:spPr>
+              <a:xfrm>
+                <a:off x="4608807" y="1116350"/>
+                <a:ext cx="229424" cy="229424"/>
+              </a:xfrm>
+              <a:prstGeom prst="ellipse">
+                <a:avLst/>
+              </a:prstGeom>
+            </p:spPr>
+            <p:style>
+              <a:lnRef idx="2">
+                <a:schemeClr val="accent3">
+                  <a:shade val="50000"/>
+                </a:schemeClr>
+              </a:lnRef>
+              <a:fillRef idx="1">
+                <a:schemeClr val="accent3"/>
+              </a:fillRef>
+              <a:effectRef idx="0">
+                <a:schemeClr val="accent3"/>
+              </a:effectRef>
+              <a:fontRef idx="minor">
+                <a:schemeClr val="lt1"/>
+              </a:fontRef>
+            </p:style>
+            <p:txBody>
+              <a:bodyPr rtlCol="0" anchor="ctr"/>
+              <a:lstStyle/>
+              <a:p>
+                <a:pPr algn="ctr"/>
+                <a:endParaRPr lang="en-US"/>
+              </a:p>
+            </p:txBody>
+          </p:sp>
+          <p:sp>
+            <p:nvSpPr>
+              <p:cNvPr id="70" name="Oval 69">
+                <a:extLst>
+                  <a:ext uri="{FF2B5EF4-FFF2-40B4-BE49-F238E27FC236}">
+                    <a16:creationId xmlns:a16="http://schemas.microsoft.com/office/drawing/2014/main" id="{47EDBA35-5265-8FFB-D300-A7563AB25896}"/>
+                  </a:ext>
+                </a:extLst>
+              </p:cNvPr>
+              <p:cNvSpPr/>
+              <p:nvPr/>
+            </p:nvSpPr>
+            <p:spPr>
+              <a:xfrm>
+                <a:off x="4608807" y="1524727"/>
+                <a:ext cx="229424" cy="229424"/>
+              </a:xfrm>
+              <a:prstGeom prst="ellipse">
+                <a:avLst/>
+              </a:prstGeom>
+            </p:spPr>
+            <p:style>
+              <a:lnRef idx="2">
+                <a:schemeClr val="accent3">
+                  <a:shade val="50000"/>
+                </a:schemeClr>
+              </a:lnRef>
+              <a:fillRef idx="1">
+                <a:schemeClr val="accent3"/>
+              </a:fillRef>
+              <a:effectRef idx="0">
+                <a:schemeClr val="accent3"/>
+              </a:effectRef>
+              <a:fontRef idx="minor">
+                <a:schemeClr val="lt1"/>
+              </a:fontRef>
+            </p:style>
+            <p:txBody>
+              <a:bodyPr rtlCol="0" anchor="ctr"/>
+              <a:lstStyle/>
+              <a:p>
+                <a:pPr algn="ctr"/>
+                <a:endParaRPr lang="en-US"/>
+              </a:p>
+            </p:txBody>
+          </p:sp>
+        </p:grpSp>
+        <p:sp>
+          <p:nvSpPr>
+            <p:cNvPr id="47" name="Rectangle 46">
+              <a:extLst>
+                <a:ext uri="{FF2B5EF4-FFF2-40B4-BE49-F238E27FC236}">
+                  <a16:creationId xmlns:a16="http://schemas.microsoft.com/office/drawing/2014/main" id="{C1831819-5748-D899-8FDC-4C38FA19002F}"/>
+                </a:ext>
+              </a:extLst>
+            </p:cNvPr>
+            <p:cNvSpPr/>
+            <p:nvPr/>
+          </p:nvSpPr>
+          <p:spPr>
+            <a:xfrm rot="16200000">
+              <a:off x="6942485" y="5224985"/>
+              <a:ext cx="232683" cy="547489"/>
+            </a:xfrm>
+            <a:prstGeom prst="rect">
+              <a:avLst/>
+            </a:prstGeom>
+          </p:spPr>
+          <p:style>
+            <a:lnRef idx="2">
+              <a:schemeClr val="accent3">
+                <a:shade val="50000"/>
+              </a:schemeClr>
+            </a:lnRef>
+            <a:fillRef idx="1">
+              <a:schemeClr val="accent3"/>
+            </a:fillRef>
+            <a:effectRef idx="0">
+              <a:schemeClr val="accent3"/>
+            </a:effectRef>
+            <a:fontRef idx="minor">
+              <a:schemeClr val="lt1"/>
+            </a:fontRef>
+          </p:style>
+          <p:txBody>
+            <a:bodyPr vert="eaVert" rtlCol="0" anchor="ctr"/>
+            <a:lstStyle/>
+            <a:p>
+              <a:pPr algn="ctr"/>
+              <a:r>
+                <a:rPr lang="en-US" dirty="0"/>
+                <a:t>VINT</a:t>
+              </a:r>
+            </a:p>
+          </p:txBody>
+        </p:sp>
+        <p:sp>
+          <p:nvSpPr>
+            <p:cNvPr id="48" name="Oval 47">
+              <a:extLst>
+                <a:ext uri="{FF2B5EF4-FFF2-40B4-BE49-F238E27FC236}">
+                  <a16:creationId xmlns:a16="http://schemas.microsoft.com/office/drawing/2014/main" id="{09CF7B07-A004-A618-6124-30A351D29D55}"/>
+                </a:ext>
+              </a:extLst>
+            </p:cNvPr>
+            <p:cNvSpPr/>
+            <p:nvPr/>
+          </p:nvSpPr>
+          <p:spPr>
+            <a:xfrm>
+              <a:off x="9512675" y="2078187"/>
+              <a:ext cx="502043" cy="502043"/>
+            </a:xfrm>
+            <a:prstGeom prst="ellipse">
+              <a:avLst/>
+            </a:prstGeom>
+          </p:spPr>
+          <p:style>
+            <a:lnRef idx="2">
+              <a:schemeClr val="accent1">
+                <a:shade val="50000"/>
+              </a:schemeClr>
+            </a:lnRef>
+            <a:fillRef idx="1">
+              <a:schemeClr val="accent1"/>
+            </a:fillRef>
+            <a:effectRef idx="0">
+              <a:schemeClr val="accent1"/>
+            </a:effectRef>
+            <a:fontRef idx="minor">
+              <a:schemeClr val="lt1"/>
+            </a:fontRef>
+          </p:style>
+          <p:txBody>
+            <a:bodyPr rtlCol="0" anchor="ctr"/>
+            <a:lstStyle/>
+            <a:p>
+              <a:pPr algn="ctr"/>
+              <a:endParaRPr lang="en-US"/>
+            </a:p>
+          </p:txBody>
+        </p:sp>
+        <p:sp>
+          <p:nvSpPr>
+            <p:cNvPr id="49" name="Oval 48">
+              <a:extLst>
+                <a:ext uri="{FF2B5EF4-FFF2-40B4-BE49-F238E27FC236}">
+                  <a16:creationId xmlns:a16="http://schemas.microsoft.com/office/drawing/2014/main" id="{9B07EC02-522E-7BC3-38D8-0F49A6F0E062}"/>
+                </a:ext>
+              </a:extLst>
+            </p:cNvPr>
+            <p:cNvSpPr/>
+            <p:nvPr/>
+          </p:nvSpPr>
+          <p:spPr>
+            <a:xfrm>
+              <a:off x="9512675" y="2695410"/>
+              <a:ext cx="502043" cy="502043"/>
+            </a:xfrm>
+            <a:prstGeom prst="ellipse">
+              <a:avLst/>
+            </a:prstGeom>
+          </p:spPr>
+          <p:style>
+            <a:lnRef idx="2">
+              <a:schemeClr val="accent1">
+                <a:shade val="50000"/>
+              </a:schemeClr>
+            </a:lnRef>
+            <a:fillRef idx="1">
+              <a:schemeClr val="accent1"/>
+            </a:fillRef>
+            <a:effectRef idx="0">
+              <a:schemeClr val="accent1"/>
+            </a:effectRef>
+            <a:fontRef idx="minor">
+              <a:schemeClr val="lt1"/>
+            </a:fontRef>
+          </p:style>
+          <p:txBody>
+            <a:bodyPr rtlCol="0" anchor="ctr"/>
+            <a:lstStyle/>
+            <a:p>
+              <a:pPr algn="ctr"/>
+              <a:endParaRPr lang="en-US"/>
+            </a:p>
+          </p:txBody>
+        </p:sp>
+        <p:sp>
+          <p:nvSpPr>
+            <p:cNvPr id="50" name="Oval 49">
+              <a:extLst>
+                <a:ext uri="{FF2B5EF4-FFF2-40B4-BE49-F238E27FC236}">
+                  <a16:creationId xmlns:a16="http://schemas.microsoft.com/office/drawing/2014/main" id="{71EC446F-4BE7-0A81-50E4-5EE7A8AD1F87}"/>
+                </a:ext>
+              </a:extLst>
+            </p:cNvPr>
+            <p:cNvSpPr/>
+            <p:nvPr/>
+          </p:nvSpPr>
+          <p:spPr>
+            <a:xfrm>
+              <a:off x="9512675" y="3312633"/>
+              <a:ext cx="502043" cy="502043"/>
+            </a:xfrm>
+            <a:prstGeom prst="ellipse">
+              <a:avLst/>
+            </a:prstGeom>
+          </p:spPr>
+          <p:style>
+            <a:lnRef idx="2">
+              <a:schemeClr val="accent1">
+                <a:shade val="50000"/>
+              </a:schemeClr>
+            </a:lnRef>
+            <a:fillRef idx="1">
+              <a:schemeClr val="accent1"/>
+            </a:fillRef>
+            <a:effectRef idx="0">
+              <a:schemeClr val="accent1"/>
+            </a:effectRef>
+            <a:fontRef idx="minor">
+              <a:schemeClr val="lt1"/>
+            </a:fontRef>
+          </p:style>
+          <p:txBody>
+            <a:bodyPr rtlCol="0" anchor="ctr"/>
+            <a:lstStyle/>
+            <a:p>
+              <a:pPr algn="ctr"/>
+              <a:endParaRPr lang="en-US"/>
+            </a:p>
+          </p:txBody>
+        </p:sp>
+        <p:sp>
+          <p:nvSpPr>
+            <p:cNvPr id="51" name="Oval 50">
+              <a:extLst>
+                <a:ext uri="{FF2B5EF4-FFF2-40B4-BE49-F238E27FC236}">
+                  <a16:creationId xmlns:a16="http://schemas.microsoft.com/office/drawing/2014/main" id="{0A11A95A-6707-BED5-3962-61A9F7A87D3F}"/>
+                </a:ext>
+              </a:extLst>
+            </p:cNvPr>
+            <p:cNvSpPr/>
+            <p:nvPr/>
+          </p:nvSpPr>
+          <p:spPr>
+            <a:xfrm>
+              <a:off x="9512675" y="3929856"/>
+              <a:ext cx="502043" cy="502043"/>
+            </a:xfrm>
+            <a:prstGeom prst="ellipse">
+              <a:avLst/>
+            </a:prstGeom>
+          </p:spPr>
+          <p:style>
+            <a:lnRef idx="2">
+              <a:schemeClr val="accent1">
+                <a:shade val="50000"/>
+              </a:schemeClr>
+            </a:lnRef>
+            <a:fillRef idx="1">
+              <a:schemeClr val="accent1"/>
+            </a:fillRef>
+            <a:effectRef idx="0">
+              <a:schemeClr val="accent1"/>
+            </a:effectRef>
+            <a:fontRef idx="minor">
+              <a:schemeClr val="lt1"/>
+            </a:fontRef>
+          </p:style>
+          <p:txBody>
+            <a:bodyPr rtlCol="0" anchor="ctr"/>
+            <a:lstStyle/>
+            <a:p>
+              <a:pPr algn="ctr"/>
+              <a:endParaRPr lang="en-US"/>
+            </a:p>
+          </p:txBody>
+        </p:sp>
+        <p:sp>
+          <p:nvSpPr>
+            <p:cNvPr id="52" name="Rectangle: Rounded Corners 51">
+              <a:extLst>
+                <a:ext uri="{FF2B5EF4-FFF2-40B4-BE49-F238E27FC236}">
+                  <a16:creationId xmlns:a16="http://schemas.microsoft.com/office/drawing/2014/main" id="{35C70606-4092-A195-C5D9-BDE0C840CC66}"/>
+                </a:ext>
+              </a:extLst>
+            </p:cNvPr>
+            <p:cNvSpPr/>
+            <p:nvPr/>
+          </p:nvSpPr>
+          <p:spPr>
+            <a:xfrm>
+              <a:off x="9397963" y="4747473"/>
+              <a:ext cx="690070" cy="690070"/>
+            </a:xfrm>
+            <a:prstGeom prst="roundRect">
+              <a:avLst>
+                <a:gd name="adj" fmla="val 4888"/>
+              </a:avLst>
+            </a:prstGeom>
+          </p:spPr>
+          <p:style>
+            <a:lnRef idx="2">
+              <a:schemeClr val="accent3">
+                <a:shade val="50000"/>
+              </a:schemeClr>
+            </a:lnRef>
+            <a:fillRef idx="1">
+              <a:schemeClr val="accent3"/>
+            </a:fillRef>
+            <a:effectRef idx="0">
+              <a:schemeClr val="accent3"/>
+            </a:effectRef>
+            <a:fontRef idx="minor">
+              <a:schemeClr val="lt1"/>
+            </a:fontRef>
+          </p:style>
+          <p:txBody>
+            <a:bodyPr rtlCol="0" anchor="ctr"/>
+            <a:lstStyle/>
+            <a:p>
+              <a:pPr algn="ctr"/>
+              <a:endParaRPr lang="en-US"/>
+            </a:p>
+          </p:txBody>
+        </p:sp>
+        <p:sp>
+          <p:nvSpPr>
+            <p:cNvPr id="53" name="Rectangle: Rounded Corners 52">
+              <a:extLst>
+                <a:ext uri="{FF2B5EF4-FFF2-40B4-BE49-F238E27FC236}">
+                  <a16:creationId xmlns:a16="http://schemas.microsoft.com/office/drawing/2014/main" id="{88AB9085-C34E-152F-B195-60BAD53CCE69}"/>
+                </a:ext>
+              </a:extLst>
+            </p:cNvPr>
+            <p:cNvSpPr/>
+            <p:nvPr/>
+          </p:nvSpPr>
+          <p:spPr>
+            <a:xfrm>
+              <a:off x="6565248" y="2195097"/>
+              <a:ext cx="2664115" cy="2604335"/>
+            </a:xfrm>
+            <a:prstGeom prst="roundRect">
+              <a:avLst>
+                <a:gd name="adj" fmla="val 4888"/>
+              </a:avLst>
+            </a:prstGeom>
+            <a:solidFill>
+              <a:schemeClr val="tx1">
+                <a:lumMod val="85000"/>
+                <a:lumOff val="15000"/>
+              </a:schemeClr>
+            </a:solidFill>
+          </p:spPr>
+          <p:style>
+            <a:lnRef idx="2">
+              <a:schemeClr val="accent3">
+                <a:shade val="50000"/>
+              </a:schemeClr>
+            </a:lnRef>
+            <a:fillRef idx="1">
+              <a:schemeClr val="accent3"/>
+            </a:fillRef>
+            <a:effectRef idx="0">
+              <a:schemeClr val="accent3"/>
+            </a:effectRef>
+            <a:fontRef idx="minor">
+              <a:schemeClr val="lt1"/>
+            </a:fontRef>
+          </p:style>
+          <p:txBody>
+            <a:bodyPr rtlCol="0" anchor="ctr"/>
+            <a:lstStyle/>
+            <a:p>
+              <a:pPr algn="ctr"/>
+              <a:endParaRPr lang="en-US"/>
+            </a:p>
+          </p:txBody>
+        </p:sp>
+        <p:sp>
+          <p:nvSpPr>
+            <p:cNvPr id="54" name="Oval 53">
+              <a:extLst>
+                <a:ext uri="{FF2B5EF4-FFF2-40B4-BE49-F238E27FC236}">
+                  <a16:creationId xmlns:a16="http://schemas.microsoft.com/office/drawing/2014/main" id="{82F46D13-7AFA-B77D-FB65-9CBB75C0C55D}"/>
+                </a:ext>
+              </a:extLst>
+            </p:cNvPr>
+            <p:cNvSpPr/>
+            <p:nvPr/>
+          </p:nvSpPr>
+          <p:spPr>
+            <a:xfrm>
+              <a:off x="6921963" y="2521922"/>
+              <a:ext cx="1950684" cy="1950684"/>
+            </a:xfrm>
+            <a:prstGeom prst="ellipse">
+              <a:avLst/>
+            </a:prstGeom>
+          </p:spPr>
+          <p:style>
+            <a:lnRef idx="2">
+              <a:schemeClr val="accent3">
+                <a:shade val="50000"/>
+              </a:schemeClr>
+            </a:lnRef>
+            <a:fillRef idx="1">
+              <a:schemeClr val="accent3"/>
+            </a:fillRef>
+            <a:effectRef idx="0">
+              <a:schemeClr val="accent3"/>
+            </a:effectRef>
+            <a:fontRef idx="minor">
+              <a:schemeClr val="lt1"/>
+            </a:fontRef>
+          </p:style>
+          <p:txBody>
+            <a:bodyPr rtlCol="0" anchor="ctr"/>
+            <a:lstStyle/>
+            <a:p>
+              <a:pPr algn="ctr"/>
+              <a:endParaRPr lang="en-US"/>
+            </a:p>
+          </p:txBody>
+        </p:sp>
+        <p:sp>
+          <p:nvSpPr>
+            <p:cNvPr id="55" name="TextBox 54">
+              <a:extLst>
+                <a:ext uri="{FF2B5EF4-FFF2-40B4-BE49-F238E27FC236}">
+                  <a16:creationId xmlns:a16="http://schemas.microsoft.com/office/drawing/2014/main" id="{67D37C89-FDB0-C6B6-674E-24770DB8E993}"/>
+                </a:ext>
+              </a:extLst>
+            </p:cNvPr>
+            <p:cNvSpPr txBox="1"/>
+            <p:nvPr/>
+          </p:nvSpPr>
+          <p:spPr>
+            <a:xfrm>
+              <a:off x="7749959" y="4881031"/>
+              <a:ext cx="1274709" cy="646331"/>
+            </a:xfrm>
+            <a:prstGeom prst="rect">
+              <a:avLst/>
+            </a:prstGeom>
+            <a:noFill/>
+          </p:spPr>
+          <p:txBody>
+            <a:bodyPr wrap="none" rtlCol="0">
+              <a:spAutoFit/>
+            </a:bodyPr>
+            <a:lstStyle/>
+            <a:p>
+              <a:pPr algn="ctr"/>
+              <a:r>
+                <a:rPr lang="en-US" dirty="0">
+                  <a:solidFill>
+                    <a:schemeClr val="bg1"/>
+                  </a:solidFill>
+                </a:rPr>
+                <a:t>DC Motor</a:t>
+              </a:r>
+              <a:br>
+                <a:rPr lang="en-US" dirty="0">
+                  <a:solidFill>
+                    <a:schemeClr val="bg1"/>
+                  </a:solidFill>
+                </a:rPr>
+              </a:br>
+              <a:r>
+                <a:rPr lang="en-US" dirty="0">
+                  <a:solidFill>
+                    <a:schemeClr val="bg1"/>
+                  </a:solidFill>
+                </a:rPr>
+                <a:t>DCC1000_0</a:t>
+              </a:r>
+            </a:p>
+          </p:txBody>
+        </p:sp>
+        <p:sp>
+          <p:nvSpPr>
+            <p:cNvPr id="56" name="TextBox 55">
+              <a:extLst>
+                <a:ext uri="{FF2B5EF4-FFF2-40B4-BE49-F238E27FC236}">
+                  <a16:creationId xmlns:a16="http://schemas.microsoft.com/office/drawing/2014/main" id="{0F96A6CC-61D8-E56B-A96D-653D0418C708}"/>
+                </a:ext>
+              </a:extLst>
+            </p:cNvPr>
+            <p:cNvSpPr txBox="1"/>
+            <p:nvPr/>
+          </p:nvSpPr>
+          <p:spPr>
+            <a:xfrm>
+              <a:off x="8069622" y="882617"/>
+              <a:ext cx="283219" cy="442269"/>
+            </a:xfrm>
+            <a:prstGeom prst="rect">
+              <a:avLst/>
+            </a:prstGeom>
+            <a:noFill/>
+          </p:spPr>
+          <p:txBody>
+            <a:bodyPr wrap="none" rtlCol="0">
+              <a:spAutoFit/>
+            </a:bodyPr>
+            <a:lstStyle/>
+            <a:p>
+              <a:r>
+                <a:rPr lang="en-US" sz="3600" b="1" dirty="0">
+                  <a:solidFill>
+                    <a:schemeClr val="bg1"/>
+                  </a:solidFill>
+                </a:rPr>
+                <a:t>+</a:t>
+              </a:r>
+            </a:p>
+          </p:txBody>
+        </p:sp>
+        <p:sp>
+          <p:nvSpPr>
+            <p:cNvPr id="58" name="TextBox 57">
+              <a:extLst>
+                <a:ext uri="{FF2B5EF4-FFF2-40B4-BE49-F238E27FC236}">
+                  <a16:creationId xmlns:a16="http://schemas.microsoft.com/office/drawing/2014/main" id="{89E7D7B7-7819-5AA2-5E81-DB79CEB2676F}"/>
+                </a:ext>
+              </a:extLst>
+            </p:cNvPr>
+            <p:cNvSpPr txBox="1"/>
+            <p:nvPr/>
+          </p:nvSpPr>
+          <p:spPr>
+            <a:xfrm>
+              <a:off x="8619828" y="882617"/>
+              <a:ext cx="283219" cy="442269"/>
+            </a:xfrm>
+            <a:prstGeom prst="rect">
+              <a:avLst/>
+            </a:prstGeom>
+            <a:noFill/>
+          </p:spPr>
+          <p:txBody>
+            <a:bodyPr wrap="none" rtlCol="0">
+              <a:spAutoFit/>
+            </a:bodyPr>
+            <a:lstStyle/>
+            <a:p>
+              <a:r>
+                <a:rPr lang="en-US" sz="3600" b="1" dirty="0">
+                  <a:solidFill>
+                    <a:schemeClr val="bg1"/>
+                  </a:solidFill>
+                </a:rPr>
+                <a:t>+</a:t>
+              </a:r>
+            </a:p>
+          </p:txBody>
+        </p:sp>
+        <p:sp>
+          <p:nvSpPr>
+            <p:cNvPr id="59" name="TextBox 58">
+              <a:extLst>
+                <a:ext uri="{FF2B5EF4-FFF2-40B4-BE49-F238E27FC236}">
+                  <a16:creationId xmlns:a16="http://schemas.microsoft.com/office/drawing/2014/main" id="{D9276566-E5AE-1E1B-72ED-FA6B599C44CB}"/>
+                </a:ext>
+              </a:extLst>
+            </p:cNvPr>
+            <p:cNvSpPr txBox="1"/>
+            <p:nvPr/>
+          </p:nvSpPr>
+          <p:spPr>
+            <a:xfrm>
+              <a:off x="6998712" y="882617"/>
+              <a:ext cx="222889" cy="442269"/>
+            </a:xfrm>
+            <a:prstGeom prst="rect">
+              <a:avLst/>
+            </a:prstGeom>
+            <a:noFill/>
+          </p:spPr>
+          <p:txBody>
+            <a:bodyPr wrap="none" rtlCol="0">
+              <a:spAutoFit/>
+            </a:bodyPr>
+            <a:lstStyle/>
+            <a:p>
+              <a:r>
+                <a:rPr lang="en-US" sz="3600" b="1" dirty="0">
+                  <a:solidFill>
+                    <a:schemeClr val="bg1"/>
+                  </a:solidFill>
+                </a:rPr>
+                <a:t>-</a:t>
+              </a:r>
+            </a:p>
+          </p:txBody>
+        </p:sp>
+        <p:sp>
+          <p:nvSpPr>
+            <p:cNvPr id="60" name="TextBox 59">
+              <a:extLst>
+                <a:ext uri="{FF2B5EF4-FFF2-40B4-BE49-F238E27FC236}">
+                  <a16:creationId xmlns:a16="http://schemas.microsoft.com/office/drawing/2014/main" id="{D0F3E6D6-6E9B-BBDD-99B6-275E93C75F2E}"/>
+                </a:ext>
+              </a:extLst>
+            </p:cNvPr>
+            <p:cNvSpPr txBox="1"/>
+            <p:nvPr/>
+          </p:nvSpPr>
+          <p:spPr>
+            <a:xfrm>
+              <a:off x="9833317" y="882617"/>
+              <a:ext cx="222889" cy="442269"/>
+            </a:xfrm>
+            <a:prstGeom prst="rect">
+              <a:avLst/>
+            </a:prstGeom>
+            <a:noFill/>
+          </p:spPr>
+          <p:txBody>
+            <a:bodyPr wrap="none" rtlCol="0">
+              <a:spAutoFit/>
+            </a:bodyPr>
+            <a:lstStyle/>
+            <a:p>
+              <a:r>
+                <a:rPr lang="en-US" sz="3600" b="1" dirty="0">
+                  <a:solidFill>
+                    <a:schemeClr val="bg1"/>
+                  </a:solidFill>
+                </a:rPr>
+                <a:t>-</a:t>
+              </a:r>
+            </a:p>
+          </p:txBody>
+        </p:sp>
+        <p:sp>
+          <p:nvSpPr>
+            <p:cNvPr id="62" name="TextBox 61">
+              <a:extLst>
+                <a:ext uri="{FF2B5EF4-FFF2-40B4-BE49-F238E27FC236}">
+                  <a16:creationId xmlns:a16="http://schemas.microsoft.com/office/drawing/2014/main" id="{05817862-7E0D-3617-3CAE-1A45E8537072}"/>
+                </a:ext>
+              </a:extLst>
+            </p:cNvPr>
+            <p:cNvSpPr txBox="1"/>
+            <p:nvPr/>
+          </p:nvSpPr>
+          <p:spPr>
+            <a:xfrm>
+              <a:off x="7200289" y="1671633"/>
+              <a:ext cx="1099340" cy="369332"/>
+            </a:xfrm>
+            <a:prstGeom prst="rect">
+              <a:avLst/>
+            </a:prstGeom>
+            <a:noFill/>
+          </p:spPr>
+          <p:txBody>
+            <a:bodyPr wrap="none" rtlCol="0">
+              <a:spAutoFit/>
+            </a:bodyPr>
+            <a:lstStyle/>
+            <a:p>
+              <a:r>
+                <a:rPr lang="en-US" dirty="0">
+                  <a:solidFill>
+                    <a:schemeClr val="bg1"/>
+                  </a:solidFill>
+                </a:rPr>
+                <a:t>DC Motor</a:t>
+              </a:r>
+            </a:p>
+          </p:txBody>
+        </p:sp>
+        <p:sp>
+          <p:nvSpPr>
+            <p:cNvPr id="63" name="TextBox 62">
+              <a:extLst>
+                <a:ext uri="{FF2B5EF4-FFF2-40B4-BE49-F238E27FC236}">
+                  <a16:creationId xmlns:a16="http://schemas.microsoft.com/office/drawing/2014/main" id="{262E3B22-6475-7BDB-ECBC-2E15DD7821DF}"/>
+                </a:ext>
+              </a:extLst>
+            </p:cNvPr>
+            <p:cNvSpPr txBox="1"/>
+            <p:nvPr/>
+          </p:nvSpPr>
+          <p:spPr>
+            <a:xfrm>
+              <a:off x="9008066" y="1671633"/>
+              <a:ext cx="778226" cy="369332"/>
+            </a:xfrm>
+            <a:prstGeom prst="rect">
+              <a:avLst/>
+            </a:prstGeom>
+            <a:noFill/>
+          </p:spPr>
+          <p:txBody>
+            <a:bodyPr wrap="none" rtlCol="0">
+              <a:spAutoFit/>
+            </a:bodyPr>
+            <a:lstStyle/>
+            <a:p>
+              <a:r>
+                <a:rPr lang="en-US" dirty="0">
+                  <a:solidFill>
+                    <a:schemeClr val="bg1"/>
+                  </a:solidFill>
+                </a:rPr>
+                <a:t>Power</a:t>
+              </a:r>
+            </a:p>
+          </p:txBody>
+        </p:sp>
+      </p:grpSp>
+      <p:grpSp>
+        <p:nvGrpSpPr>
+          <p:cNvPr id="97" name="Group 96">
+            <a:extLst>
+              <a:ext uri="{FF2B5EF4-FFF2-40B4-BE49-F238E27FC236}">
+                <a16:creationId xmlns:a16="http://schemas.microsoft.com/office/drawing/2014/main" id="{3FDE9087-1E2F-65F8-BB4C-C788A0428E3E}"/>
+              </a:ext>
+            </a:extLst>
+          </p:cNvPr>
+          <p:cNvGrpSpPr/>
+          <p:nvPr/>
+        </p:nvGrpSpPr>
+        <p:grpSpPr>
+          <a:xfrm>
+            <a:off x="2801617" y="3151389"/>
+            <a:ext cx="2189956" cy="2189956"/>
+            <a:chOff x="2801617" y="3151389"/>
+            <a:chExt cx="2189956" cy="2189956"/>
+          </a:xfrm>
+        </p:grpSpPr>
+        <p:sp>
+          <p:nvSpPr>
+            <p:cNvPr id="79" name="Rectangle: Rounded Corners 78">
+              <a:extLst>
+                <a:ext uri="{FF2B5EF4-FFF2-40B4-BE49-F238E27FC236}">
+                  <a16:creationId xmlns:a16="http://schemas.microsoft.com/office/drawing/2014/main" id="{435EEFE3-241F-429D-E23E-759787B3772F}"/>
+                </a:ext>
+              </a:extLst>
+            </p:cNvPr>
+            <p:cNvSpPr/>
+            <p:nvPr/>
+          </p:nvSpPr>
+          <p:spPr>
+            <a:xfrm>
+              <a:off x="2801617" y="3151389"/>
+              <a:ext cx="2189956" cy="2189956"/>
+            </a:xfrm>
+            <a:prstGeom prst="roundRect">
+              <a:avLst>
+                <a:gd name="adj" fmla="val 4921"/>
+              </a:avLst>
+            </a:prstGeom>
+            <a:solidFill>
+              <a:schemeClr val="tx1">
+                <a:lumMod val="75000"/>
+                <a:lumOff val="25000"/>
+              </a:schemeClr>
+            </a:solidFill>
+          </p:spPr>
+          <p:style>
+            <a:lnRef idx="2">
+              <a:schemeClr val="dk1">
+                <a:shade val="50000"/>
+              </a:schemeClr>
+            </a:lnRef>
+            <a:fillRef idx="1">
+              <a:schemeClr val="dk1"/>
+            </a:fillRef>
+            <a:effectRef idx="0">
+              <a:schemeClr val="dk1"/>
+            </a:effectRef>
+            <a:fontRef idx="minor">
+              <a:schemeClr val="lt1"/>
+            </a:fontRef>
+          </p:style>
+          <p:txBody>
+            <a:bodyPr rtlCol="0" anchor="ctr"/>
+            <a:lstStyle/>
+            <a:p>
+              <a:pPr algn="ctr"/>
+              <a:endParaRPr lang="en-US"/>
+            </a:p>
+          </p:txBody>
+        </p:sp>
+        <p:sp>
+          <p:nvSpPr>
+            <p:cNvPr id="82" name="TextBox 81">
+              <a:extLst>
+                <a:ext uri="{FF2B5EF4-FFF2-40B4-BE49-F238E27FC236}">
+                  <a16:creationId xmlns:a16="http://schemas.microsoft.com/office/drawing/2014/main" id="{2DFA9716-5C99-5759-ABF4-11CE7D3904B6}"/>
+                </a:ext>
+              </a:extLst>
+            </p:cNvPr>
+            <p:cNvSpPr txBox="1"/>
+            <p:nvPr/>
+          </p:nvSpPr>
+          <p:spPr>
+            <a:xfrm>
+              <a:off x="3904281" y="3769399"/>
+              <a:ext cx="526106" cy="1015663"/>
+            </a:xfrm>
+            <a:prstGeom prst="rect">
+              <a:avLst/>
+            </a:prstGeom>
+            <a:noFill/>
+          </p:spPr>
+          <p:txBody>
+            <a:bodyPr wrap="none" rtlCol="0">
+              <a:spAutoFit/>
+            </a:bodyPr>
+            <a:lstStyle/>
+            <a:p>
+              <a:pPr algn="ctr"/>
+              <a:r>
+                <a:rPr lang="en-US" sz="2000" b="1" dirty="0">
+                  <a:solidFill>
+                    <a:schemeClr val="bg1"/>
+                  </a:solidFill>
+                </a:rPr>
+                <a:t>NC</a:t>
+              </a:r>
+              <a:br>
+                <a:rPr lang="en-US" sz="2000" b="1" dirty="0">
+                  <a:solidFill>
+                    <a:schemeClr val="bg1"/>
+                  </a:solidFill>
+                </a:rPr>
+              </a:br>
+              <a:r>
+                <a:rPr lang="en-US" sz="2000" b="1" dirty="0">
+                  <a:solidFill>
+                    <a:schemeClr val="bg1"/>
+                  </a:solidFill>
+                </a:rPr>
+                <a:t>C</a:t>
+              </a:r>
+            </a:p>
+            <a:p>
+              <a:pPr algn="ctr"/>
+              <a:r>
+                <a:rPr lang="en-US" sz="2000" b="1" dirty="0">
+                  <a:solidFill>
+                    <a:schemeClr val="bg1"/>
+                  </a:solidFill>
+                </a:rPr>
+                <a:t>NO</a:t>
+              </a:r>
+            </a:p>
+          </p:txBody>
+        </p:sp>
+        <p:sp>
+          <p:nvSpPr>
+            <p:cNvPr id="84" name="Rectangle 83">
+              <a:extLst>
+                <a:ext uri="{FF2B5EF4-FFF2-40B4-BE49-F238E27FC236}">
+                  <a16:creationId xmlns:a16="http://schemas.microsoft.com/office/drawing/2014/main" id="{48817DC5-2014-CE0E-730D-27769F6EF866}"/>
+                </a:ext>
+              </a:extLst>
+            </p:cNvPr>
+            <p:cNvSpPr/>
+            <p:nvPr/>
+          </p:nvSpPr>
+          <p:spPr>
+            <a:xfrm>
+              <a:off x="4395958" y="3700814"/>
+              <a:ext cx="594417" cy="1127476"/>
+            </a:xfrm>
+            <a:prstGeom prst="rect">
+              <a:avLst/>
+            </a:prstGeom>
+            <a:solidFill>
+              <a:schemeClr val="accent6">
+                <a:lumMod val="50000"/>
+              </a:schemeClr>
+            </a:solidFill>
+          </p:spPr>
+          <p:style>
+            <a:lnRef idx="2">
+              <a:schemeClr val="accent6">
+                <a:shade val="50000"/>
+              </a:schemeClr>
+            </a:lnRef>
+            <a:fillRef idx="1">
+              <a:schemeClr val="accent6"/>
+            </a:fillRef>
+            <a:effectRef idx="0">
+              <a:schemeClr val="accent6"/>
+            </a:effectRef>
+            <a:fontRef idx="minor">
+              <a:schemeClr val="lt1"/>
+            </a:fontRef>
+          </p:style>
+          <p:txBody>
+            <a:bodyPr rtlCol="0" anchor="ctr"/>
+            <a:lstStyle/>
+            <a:p>
+              <a:pPr algn="ctr"/>
+              <a:endParaRPr lang="en-US"/>
+            </a:p>
+          </p:txBody>
+        </p:sp>
+        <p:sp>
+          <p:nvSpPr>
+            <p:cNvPr id="86" name="Rectangle 85">
+              <a:extLst>
+                <a:ext uri="{FF2B5EF4-FFF2-40B4-BE49-F238E27FC236}">
+                  <a16:creationId xmlns:a16="http://schemas.microsoft.com/office/drawing/2014/main" id="{F3AD1602-3343-99D3-A18B-A514A016BD6B}"/>
+                </a:ext>
+              </a:extLst>
+            </p:cNvPr>
+            <p:cNvSpPr/>
+            <p:nvPr/>
+          </p:nvSpPr>
+          <p:spPr>
+            <a:xfrm>
+              <a:off x="4395958" y="3700813"/>
+              <a:ext cx="381311" cy="1127477"/>
+            </a:xfrm>
+            <a:prstGeom prst="rect">
+              <a:avLst/>
+            </a:prstGeom>
+          </p:spPr>
+          <p:style>
+            <a:lnRef idx="2">
+              <a:schemeClr val="accent6">
+                <a:shade val="50000"/>
+              </a:schemeClr>
+            </a:lnRef>
+            <a:fillRef idx="1">
+              <a:schemeClr val="accent6"/>
+            </a:fillRef>
+            <a:effectRef idx="0">
+              <a:schemeClr val="accent6"/>
+            </a:effectRef>
+            <a:fontRef idx="minor">
+              <a:schemeClr val="lt1"/>
+            </a:fontRef>
+          </p:style>
+          <p:txBody>
+            <a:bodyPr rtlCol="0" anchor="ctr"/>
+            <a:lstStyle/>
+            <a:p>
+              <a:pPr algn="ctr"/>
+              <a:endParaRPr lang="en-US"/>
+            </a:p>
+          </p:txBody>
+        </p:sp>
+        <p:sp>
+          <p:nvSpPr>
+            <p:cNvPr id="87" name="Oval 86">
+              <a:extLst>
+                <a:ext uri="{FF2B5EF4-FFF2-40B4-BE49-F238E27FC236}">
+                  <a16:creationId xmlns:a16="http://schemas.microsoft.com/office/drawing/2014/main" id="{3E443238-FDCC-B0BC-1B00-A68284B6F682}"/>
+                </a:ext>
+              </a:extLst>
+            </p:cNvPr>
+            <p:cNvSpPr/>
+            <p:nvPr/>
+          </p:nvSpPr>
+          <p:spPr>
+            <a:xfrm>
+              <a:off x="4466241" y="3740789"/>
+              <a:ext cx="229424" cy="229424"/>
+            </a:xfrm>
+            <a:prstGeom prst="ellipse">
+              <a:avLst/>
+            </a:prstGeom>
+          </p:spPr>
+          <p:style>
+            <a:lnRef idx="2">
+              <a:schemeClr val="accent3">
+                <a:shade val="50000"/>
+              </a:schemeClr>
+            </a:lnRef>
+            <a:fillRef idx="1">
+              <a:schemeClr val="accent3"/>
+            </a:fillRef>
+            <a:effectRef idx="0">
+              <a:schemeClr val="accent3"/>
+            </a:effectRef>
+            <a:fontRef idx="minor">
+              <a:schemeClr val="lt1"/>
+            </a:fontRef>
+          </p:style>
+          <p:txBody>
+            <a:bodyPr rtlCol="0" anchor="ctr"/>
+            <a:lstStyle/>
+            <a:p>
+              <a:pPr algn="ctr"/>
+              <a:endParaRPr lang="en-US"/>
+            </a:p>
+          </p:txBody>
+        </p:sp>
+        <p:sp>
+          <p:nvSpPr>
+            <p:cNvPr id="90" name="Oval 89">
+              <a:extLst>
+                <a:ext uri="{FF2B5EF4-FFF2-40B4-BE49-F238E27FC236}">
+                  <a16:creationId xmlns:a16="http://schemas.microsoft.com/office/drawing/2014/main" id="{FC38BC43-C93C-3F98-22B6-5EE6041C0BC7}"/>
+                </a:ext>
+              </a:extLst>
+            </p:cNvPr>
+            <p:cNvSpPr/>
+            <p:nvPr/>
+          </p:nvSpPr>
+          <p:spPr>
+            <a:xfrm>
+              <a:off x="4466241" y="4149166"/>
+              <a:ext cx="229424" cy="229424"/>
+            </a:xfrm>
+            <a:prstGeom prst="ellipse">
+              <a:avLst/>
+            </a:prstGeom>
+          </p:spPr>
+          <p:style>
+            <a:lnRef idx="2">
+              <a:schemeClr val="accent3">
+                <a:shade val="50000"/>
+              </a:schemeClr>
+            </a:lnRef>
+            <a:fillRef idx="1">
+              <a:schemeClr val="accent3"/>
+            </a:fillRef>
+            <a:effectRef idx="0">
+              <a:schemeClr val="accent3"/>
+            </a:effectRef>
+            <a:fontRef idx="minor">
+              <a:schemeClr val="lt1"/>
+            </a:fontRef>
+          </p:style>
+          <p:txBody>
+            <a:bodyPr rtlCol="0" anchor="ctr"/>
+            <a:lstStyle/>
+            <a:p>
+              <a:pPr algn="ctr"/>
+              <a:endParaRPr lang="en-US"/>
+            </a:p>
+          </p:txBody>
+        </p:sp>
+        <p:sp>
+          <p:nvSpPr>
+            <p:cNvPr id="91" name="TextBox 90">
+              <a:extLst>
+                <a:ext uri="{FF2B5EF4-FFF2-40B4-BE49-F238E27FC236}">
+                  <a16:creationId xmlns:a16="http://schemas.microsoft.com/office/drawing/2014/main" id="{6E67ED6F-C06C-6867-FF1A-1DD9BE07AC12}"/>
+                </a:ext>
+              </a:extLst>
+            </p:cNvPr>
+            <p:cNvSpPr txBox="1"/>
+            <p:nvPr/>
+          </p:nvSpPr>
+          <p:spPr>
+            <a:xfrm>
+              <a:off x="2810729" y="3158303"/>
+              <a:ext cx="1220207" cy="646331"/>
+            </a:xfrm>
+            <a:prstGeom prst="rect">
+              <a:avLst/>
+            </a:prstGeom>
+            <a:noFill/>
+          </p:spPr>
+          <p:txBody>
+            <a:bodyPr wrap="none" rtlCol="0">
+              <a:spAutoFit/>
+            </a:bodyPr>
+            <a:lstStyle/>
+            <a:p>
+              <a:pPr algn="ctr"/>
+              <a:r>
+                <a:rPr lang="en-US" dirty="0">
+                  <a:solidFill>
+                    <a:schemeClr val="bg1"/>
+                  </a:solidFill>
+                </a:rPr>
+                <a:t>Relay</a:t>
+              </a:r>
+              <a:br>
+                <a:rPr lang="en-US" dirty="0">
+                  <a:solidFill>
+                    <a:schemeClr val="bg1"/>
+                  </a:solidFill>
+                </a:rPr>
+              </a:br>
+              <a:r>
+                <a:rPr lang="en-US" dirty="0">
+                  <a:solidFill>
+                    <a:schemeClr val="bg1"/>
+                  </a:solidFill>
+                </a:rPr>
+                <a:t>REL2001_0</a:t>
+              </a:r>
+            </a:p>
+          </p:txBody>
+        </p:sp>
+        <p:sp>
+          <p:nvSpPr>
+            <p:cNvPr id="92" name="Rectangle 91">
+              <a:extLst>
+                <a:ext uri="{FF2B5EF4-FFF2-40B4-BE49-F238E27FC236}">
+                  <a16:creationId xmlns:a16="http://schemas.microsoft.com/office/drawing/2014/main" id="{64C5292D-8C9F-E60A-4559-747E995B10DE}"/>
+                </a:ext>
+              </a:extLst>
+            </p:cNvPr>
+            <p:cNvSpPr/>
+            <p:nvPr/>
+          </p:nvSpPr>
+          <p:spPr>
+            <a:xfrm>
+              <a:off x="2808413" y="3985345"/>
+              <a:ext cx="232683" cy="547489"/>
+            </a:xfrm>
+            <a:prstGeom prst="rect">
+              <a:avLst/>
+            </a:prstGeom>
+          </p:spPr>
+          <p:style>
+            <a:lnRef idx="2">
+              <a:schemeClr val="accent3">
+                <a:shade val="50000"/>
+              </a:schemeClr>
+            </a:lnRef>
+            <a:fillRef idx="1">
+              <a:schemeClr val="accent3"/>
+            </a:fillRef>
+            <a:effectRef idx="0">
+              <a:schemeClr val="accent3"/>
+            </a:effectRef>
+            <a:fontRef idx="minor">
+              <a:schemeClr val="lt1"/>
+            </a:fontRef>
+          </p:style>
+          <p:txBody>
+            <a:bodyPr vert="eaVert" rtlCol="0" anchor="ctr"/>
+            <a:lstStyle/>
+            <a:p>
+              <a:pPr algn="ctr"/>
+              <a:r>
+                <a:rPr lang="en-US" dirty="0"/>
+                <a:t>VINT</a:t>
+              </a:r>
+            </a:p>
+          </p:txBody>
+        </p:sp>
+        <p:sp>
+          <p:nvSpPr>
+            <p:cNvPr id="93" name="Oval 92">
+              <a:extLst>
+                <a:ext uri="{FF2B5EF4-FFF2-40B4-BE49-F238E27FC236}">
+                  <a16:creationId xmlns:a16="http://schemas.microsoft.com/office/drawing/2014/main" id="{46E75FCA-34DF-F5A5-FECA-DF705A28C745}"/>
+                </a:ext>
+              </a:extLst>
+            </p:cNvPr>
+            <p:cNvSpPr/>
+            <p:nvPr/>
+          </p:nvSpPr>
+          <p:spPr>
+            <a:xfrm>
+              <a:off x="4466241" y="4551331"/>
+              <a:ext cx="229424" cy="229424"/>
+            </a:xfrm>
+            <a:prstGeom prst="ellipse">
+              <a:avLst/>
+            </a:prstGeom>
+          </p:spPr>
+          <p:style>
+            <a:lnRef idx="2">
+              <a:schemeClr val="accent3">
+                <a:shade val="50000"/>
+              </a:schemeClr>
+            </a:lnRef>
+            <a:fillRef idx="1">
+              <a:schemeClr val="accent3"/>
+            </a:fillRef>
+            <a:effectRef idx="0">
+              <a:schemeClr val="accent3"/>
+            </a:effectRef>
+            <a:fontRef idx="minor">
+              <a:schemeClr val="lt1"/>
+            </a:fontRef>
+          </p:style>
+          <p:txBody>
+            <a:bodyPr rtlCol="0" anchor="ctr"/>
+            <a:lstStyle/>
+            <a:p>
+              <a:pPr algn="ctr"/>
+              <a:endParaRPr lang="en-US"/>
+            </a:p>
+          </p:txBody>
+        </p:sp>
+      </p:grpSp>
+      <p:grpSp>
+        <p:nvGrpSpPr>
+          <p:cNvPr id="98" name="Group 97">
+            <a:extLst>
+              <a:ext uri="{FF2B5EF4-FFF2-40B4-BE49-F238E27FC236}">
+                <a16:creationId xmlns:a16="http://schemas.microsoft.com/office/drawing/2014/main" id="{B0A77734-33F5-0A67-4DB7-4705665226D4}"/>
+              </a:ext>
+            </a:extLst>
+          </p:cNvPr>
+          <p:cNvGrpSpPr/>
+          <p:nvPr/>
+        </p:nvGrpSpPr>
+        <p:grpSpPr>
+          <a:xfrm>
+            <a:off x="332268" y="3108181"/>
+            <a:ext cx="2198746" cy="1535326"/>
+            <a:chOff x="332268" y="3108181"/>
+            <a:chExt cx="2198746" cy="1535326"/>
+          </a:xfrm>
+        </p:grpSpPr>
+        <p:grpSp>
+          <p:nvGrpSpPr>
+            <p:cNvPr id="21" name="Group 20">
+              <a:extLst>
+                <a:ext uri="{FF2B5EF4-FFF2-40B4-BE49-F238E27FC236}">
+                  <a16:creationId xmlns:a16="http://schemas.microsoft.com/office/drawing/2014/main" id="{B477ADEE-B2FB-EBCB-12E6-9B12377AF687}"/>
+                </a:ext>
+              </a:extLst>
+            </p:cNvPr>
+            <p:cNvGrpSpPr/>
+            <p:nvPr/>
+          </p:nvGrpSpPr>
+          <p:grpSpPr>
+            <a:xfrm>
+              <a:off x="332268" y="3123209"/>
+              <a:ext cx="2198746" cy="1520298"/>
+              <a:chOff x="7947201" y="1286411"/>
+              <a:chExt cx="3098740" cy="2142589"/>
+            </a:xfrm>
+          </p:grpSpPr>
+          <p:sp>
+            <p:nvSpPr>
+              <p:cNvPr id="22" name="Rectangle: Rounded Corners 21">
+                <a:extLst>
+                  <a:ext uri="{FF2B5EF4-FFF2-40B4-BE49-F238E27FC236}">
+                    <a16:creationId xmlns:a16="http://schemas.microsoft.com/office/drawing/2014/main" id="{3AF9B436-CA21-FF14-11BD-ED87A5926999}"/>
+                  </a:ext>
+                </a:extLst>
+              </p:cNvPr>
+              <p:cNvSpPr/>
+              <p:nvPr/>
+            </p:nvSpPr>
+            <p:spPr>
+              <a:xfrm>
+                <a:off x="7947201" y="1286411"/>
+                <a:ext cx="3089567" cy="2142589"/>
+              </a:xfrm>
+              <a:prstGeom prst="roundRect">
+                <a:avLst>
+                  <a:gd name="adj" fmla="val 4921"/>
+                </a:avLst>
+              </a:prstGeom>
+              <a:solidFill>
+                <a:schemeClr val="tx1">
+                  <a:lumMod val="75000"/>
+                  <a:lumOff val="25000"/>
+                </a:schemeClr>
+              </a:solidFill>
+            </p:spPr>
+            <p:style>
+              <a:lnRef idx="2">
+                <a:schemeClr val="dk1">
+                  <a:shade val="50000"/>
+                </a:schemeClr>
+              </a:lnRef>
+              <a:fillRef idx="1">
+                <a:schemeClr val="dk1"/>
+              </a:fillRef>
+              <a:effectRef idx="0">
+                <a:schemeClr val="dk1"/>
+              </a:effectRef>
+              <a:fontRef idx="minor">
+                <a:schemeClr val="lt1"/>
+              </a:fontRef>
+            </p:style>
+            <p:txBody>
+              <a:bodyPr rtlCol="0" anchor="ctr"/>
+              <a:lstStyle/>
+              <a:p>
+                <a:pPr algn="ctr"/>
+                <a:endParaRPr lang="en-US"/>
+              </a:p>
+            </p:txBody>
+          </p:sp>
+          <p:sp>
+            <p:nvSpPr>
+              <p:cNvPr id="23" name="Rectangle 22">
+                <a:extLst>
+                  <a:ext uri="{FF2B5EF4-FFF2-40B4-BE49-F238E27FC236}">
+                    <a16:creationId xmlns:a16="http://schemas.microsoft.com/office/drawing/2014/main" id="{9015C922-98FC-1DE8-C941-2770B4E58EEE}"/>
+                  </a:ext>
+                </a:extLst>
+              </p:cNvPr>
+              <p:cNvSpPr/>
+              <p:nvPr/>
+            </p:nvSpPr>
+            <p:spPr>
+              <a:xfrm>
+                <a:off x="10177261" y="1803400"/>
+                <a:ext cx="868680" cy="1092200"/>
+              </a:xfrm>
+              <a:prstGeom prst="rect">
+                <a:avLst/>
+              </a:prstGeom>
+              <a:solidFill>
+                <a:schemeClr val="accent6">
+                  <a:lumMod val="50000"/>
+                </a:schemeClr>
+              </a:solidFill>
+            </p:spPr>
+            <p:style>
+              <a:lnRef idx="2">
+                <a:schemeClr val="accent6">
+                  <a:shade val="50000"/>
+                </a:schemeClr>
+              </a:lnRef>
+              <a:fillRef idx="1">
+                <a:schemeClr val="accent6"/>
+              </a:fillRef>
+              <a:effectRef idx="0">
+                <a:schemeClr val="accent6"/>
+              </a:effectRef>
+              <a:fontRef idx="minor">
+                <a:schemeClr val="lt1"/>
+              </a:fontRef>
+            </p:style>
+            <p:txBody>
+              <a:bodyPr rtlCol="0" anchor="ctr"/>
+              <a:lstStyle/>
+              <a:p>
+                <a:pPr algn="ctr"/>
+                <a:endParaRPr lang="en-US"/>
+              </a:p>
+            </p:txBody>
+          </p:sp>
+          <p:sp>
+            <p:nvSpPr>
+              <p:cNvPr id="25" name="Rectangle 24">
+                <a:extLst>
+                  <a:ext uri="{FF2B5EF4-FFF2-40B4-BE49-F238E27FC236}">
+                    <a16:creationId xmlns:a16="http://schemas.microsoft.com/office/drawing/2014/main" id="{DD91E1FE-B1DD-315A-F3A1-692B2A6301C1}"/>
+                  </a:ext>
+                </a:extLst>
+              </p:cNvPr>
+              <p:cNvSpPr/>
+              <p:nvPr/>
+            </p:nvSpPr>
+            <p:spPr>
+              <a:xfrm>
+                <a:off x="10177261" y="1803400"/>
+                <a:ext cx="557247" cy="1092200"/>
+              </a:xfrm>
+              <a:prstGeom prst="rect">
+                <a:avLst/>
+              </a:prstGeom>
+            </p:spPr>
+            <p:style>
+              <a:lnRef idx="2">
+                <a:schemeClr val="accent6">
+                  <a:shade val="50000"/>
+                </a:schemeClr>
+              </a:lnRef>
+              <a:fillRef idx="1">
+                <a:schemeClr val="accent6"/>
+              </a:fillRef>
+              <a:effectRef idx="0">
+                <a:schemeClr val="accent6"/>
+              </a:effectRef>
+              <a:fontRef idx="minor">
+                <a:schemeClr val="lt1"/>
+              </a:fontRef>
+            </p:style>
+            <p:txBody>
+              <a:bodyPr rtlCol="0" anchor="ctr"/>
+              <a:lstStyle/>
+              <a:p>
+                <a:pPr algn="ctr"/>
+                <a:endParaRPr lang="en-US"/>
+              </a:p>
+            </p:txBody>
+          </p:sp>
+          <p:sp>
+            <p:nvSpPr>
+              <p:cNvPr id="26" name="Oval 25">
+                <a:extLst>
+                  <a:ext uri="{FF2B5EF4-FFF2-40B4-BE49-F238E27FC236}">
+                    <a16:creationId xmlns:a16="http://schemas.microsoft.com/office/drawing/2014/main" id="{DA9B6F30-44DE-7F32-7E7F-B53D3609813C}"/>
+                  </a:ext>
+                </a:extLst>
+              </p:cNvPr>
+              <p:cNvSpPr/>
+              <p:nvPr/>
+            </p:nvSpPr>
+            <p:spPr>
+              <a:xfrm>
+                <a:off x="10279972" y="1861820"/>
+                <a:ext cx="335280" cy="335280"/>
+              </a:xfrm>
+              <a:prstGeom prst="ellipse">
+                <a:avLst/>
+              </a:prstGeom>
+            </p:spPr>
+            <p:style>
+              <a:lnRef idx="2">
+                <a:schemeClr val="accent3">
+                  <a:shade val="50000"/>
+                </a:schemeClr>
+              </a:lnRef>
+              <a:fillRef idx="1">
+                <a:schemeClr val="accent3"/>
+              </a:fillRef>
+              <a:effectRef idx="0">
+                <a:schemeClr val="accent3"/>
+              </a:effectRef>
+              <a:fontRef idx="minor">
+                <a:schemeClr val="lt1"/>
+              </a:fontRef>
+            </p:style>
+            <p:txBody>
+              <a:bodyPr rtlCol="0" anchor="ctr"/>
+              <a:lstStyle/>
+              <a:p>
+                <a:pPr algn="ctr"/>
+                <a:endParaRPr lang="en-US"/>
+              </a:p>
+            </p:txBody>
+          </p:sp>
+          <p:sp>
+            <p:nvSpPr>
+              <p:cNvPr id="27" name="Oval 26">
+                <a:extLst>
+                  <a:ext uri="{FF2B5EF4-FFF2-40B4-BE49-F238E27FC236}">
+                    <a16:creationId xmlns:a16="http://schemas.microsoft.com/office/drawing/2014/main" id="{334C54A2-6BF3-4F4F-9A40-5FDB5E6C0716}"/>
+                  </a:ext>
+                </a:extLst>
+              </p:cNvPr>
+              <p:cNvSpPr/>
+              <p:nvPr/>
+            </p:nvSpPr>
+            <p:spPr>
+              <a:xfrm>
+                <a:off x="10279972" y="2458621"/>
+                <a:ext cx="335280" cy="335280"/>
+              </a:xfrm>
+              <a:prstGeom prst="ellipse">
+                <a:avLst/>
+              </a:prstGeom>
+            </p:spPr>
+            <p:style>
+              <a:lnRef idx="2">
+                <a:schemeClr val="accent3">
+                  <a:shade val="50000"/>
+                </a:schemeClr>
+              </a:lnRef>
+              <a:fillRef idx="1">
+                <a:schemeClr val="accent3"/>
+              </a:fillRef>
+              <a:effectRef idx="0">
+                <a:schemeClr val="accent3"/>
+              </a:effectRef>
+              <a:fontRef idx="minor">
+                <a:schemeClr val="lt1"/>
+              </a:fontRef>
+            </p:style>
+            <p:txBody>
+              <a:bodyPr rtlCol="0" anchor="ctr"/>
+              <a:lstStyle/>
+              <a:p>
+                <a:pPr algn="ctr"/>
+                <a:endParaRPr lang="en-US"/>
+              </a:p>
+            </p:txBody>
+          </p:sp>
+          <p:sp>
+            <p:nvSpPr>
+              <p:cNvPr id="29" name="TextBox 28">
+                <a:extLst>
+                  <a:ext uri="{FF2B5EF4-FFF2-40B4-BE49-F238E27FC236}">
+                    <a16:creationId xmlns:a16="http://schemas.microsoft.com/office/drawing/2014/main" id="{EFC361D7-5583-AB81-F8D0-5B988F24C95B}"/>
+                  </a:ext>
+                </a:extLst>
+              </p:cNvPr>
+              <p:cNvSpPr txBox="1"/>
+              <p:nvPr/>
+            </p:nvSpPr>
+            <p:spPr>
+              <a:xfrm>
+                <a:off x="8229151" y="1894054"/>
+                <a:ext cx="1770991" cy="910888"/>
+              </a:xfrm>
+              <a:prstGeom prst="rect">
+                <a:avLst/>
+              </a:prstGeom>
+              <a:noFill/>
+            </p:spPr>
+            <p:txBody>
+              <a:bodyPr wrap="none" rtlCol="0">
+                <a:spAutoFit/>
+              </a:bodyPr>
+              <a:lstStyle/>
+              <a:p>
+                <a:pPr algn="ctr"/>
+                <a:r>
+                  <a:rPr lang="en-US" dirty="0">
+                    <a:solidFill>
+                      <a:schemeClr val="bg1"/>
+                    </a:solidFill>
+                  </a:rPr>
+                  <a:t>40V 20-bit</a:t>
+                </a:r>
+                <a:br>
+                  <a:rPr lang="en-US" dirty="0">
+                    <a:solidFill>
+                      <a:schemeClr val="bg1"/>
+                    </a:solidFill>
+                  </a:rPr>
+                </a:br>
+                <a:r>
+                  <a:rPr lang="en-US" dirty="0">
+                    <a:solidFill>
+                      <a:schemeClr val="bg1"/>
+                    </a:solidFill>
+                  </a:rPr>
+                  <a:t>VCP1000_0</a:t>
+                </a:r>
+              </a:p>
+            </p:txBody>
+          </p:sp>
+        </p:grpSp>
+        <p:sp>
+          <p:nvSpPr>
+            <p:cNvPr id="39" name="Rectangle 38">
+              <a:extLst>
+                <a:ext uri="{FF2B5EF4-FFF2-40B4-BE49-F238E27FC236}">
+                  <a16:creationId xmlns:a16="http://schemas.microsoft.com/office/drawing/2014/main" id="{B18CF043-A380-8189-1691-E9DA39E1CFA6}"/>
+                </a:ext>
+              </a:extLst>
+            </p:cNvPr>
+            <p:cNvSpPr/>
+            <p:nvPr/>
+          </p:nvSpPr>
+          <p:spPr>
+            <a:xfrm>
+              <a:off x="336468" y="3670697"/>
+              <a:ext cx="232683" cy="547489"/>
+            </a:xfrm>
+            <a:prstGeom prst="rect">
+              <a:avLst/>
+            </a:prstGeom>
+          </p:spPr>
+          <p:style>
+            <a:lnRef idx="2">
+              <a:schemeClr val="accent3">
+                <a:shade val="50000"/>
+              </a:schemeClr>
+            </a:lnRef>
+            <a:fillRef idx="1">
+              <a:schemeClr val="accent3"/>
+            </a:fillRef>
+            <a:effectRef idx="0">
+              <a:schemeClr val="accent3"/>
+            </a:effectRef>
+            <a:fontRef idx="minor">
+              <a:schemeClr val="lt1"/>
+            </a:fontRef>
+          </p:style>
+          <p:txBody>
+            <a:bodyPr vert="eaVert" rtlCol="0" anchor="ctr"/>
+            <a:lstStyle/>
+            <a:p>
+              <a:pPr algn="ctr"/>
+              <a:r>
+                <a:rPr lang="en-US" dirty="0"/>
+                <a:t>VINT</a:t>
+              </a:r>
+            </a:p>
+          </p:txBody>
+        </p:sp>
+        <p:sp>
+          <p:nvSpPr>
+            <p:cNvPr id="94" name="TextBox 93">
+              <a:extLst>
+                <a:ext uri="{FF2B5EF4-FFF2-40B4-BE49-F238E27FC236}">
+                  <a16:creationId xmlns:a16="http://schemas.microsoft.com/office/drawing/2014/main" id="{70C75463-7128-1828-EED2-E64355DB6BBD}"/>
+                </a:ext>
+              </a:extLst>
+            </p:cNvPr>
+            <p:cNvSpPr txBox="1"/>
+            <p:nvPr/>
+          </p:nvSpPr>
+          <p:spPr>
+            <a:xfrm>
+              <a:off x="1943858" y="3108181"/>
+              <a:ext cx="338554" cy="461665"/>
+            </a:xfrm>
+            <a:prstGeom prst="rect">
+              <a:avLst/>
+            </a:prstGeom>
+            <a:noFill/>
+          </p:spPr>
+          <p:txBody>
+            <a:bodyPr wrap="none" rtlCol="0">
+              <a:spAutoFit/>
+            </a:bodyPr>
+            <a:lstStyle/>
+            <a:p>
+              <a:r>
+                <a:rPr lang="en-US" sz="2400" b="1" dirty="0">
+                  <a:solidFill>
+                    <a:schemeClr val="bg1"/>
+                  </a:solidFill>
+                </a:rPr>
+                <a:t>+</a:t>
+              </a:r>
+            </a:p>
+          </p:txBody>
+        </p:sp>
+        <p:sp>
+          <p:nvSpPr>
+            <p:cNvPr id="95" name="TextBox 94">
+              <a:extLst>
+                <a:ext uri="{FF2B5EF4-FFF2-40B4-BE49-F238E27FC236}">
+                  <a16:creationId xmlns:a16="http://schemas.microsoft.com/office/drawing/2014/main" id="{D4087EB4-F835-739D-6705-001AF4295B87}"/>
+                </a:ext>
+              </a:extLst>
+            </p:cNvPr>
+            <p:cNvSpPr txBox="1"/>
+            <p:nvPr/>
+          </p:nvSpPr>
+          <p:spPr>
+            <a:xfrm>
+              <a:off x="1966841" y="4176093"/>
+              <a:ext cx="279244" cy="461665"/>
+            </a:xfrm>
+            <a:prstGeom prst="rect">
+              <a:avLst/>
+            </a:prstGeom>
+            <a:noFill/>
+          </p:spPr>
+          <p:txBody>
+            <a:bodyPr wrap="none" rtlCol="0">
+              <a:spAutoFit/>
+            </a:bodyPr>
+            <a:lstStyle/>
+            <a:p>
+              <a:r>
+                <a:rPr lang="en-US" sz="2400" b="1" dirty="0">
+                  <a:solidFill>
+                    <a:schemeClr val="bg1"/>
+                  </a:solidFill>
+                </a:rPr>
+                <a:t>-</a:t>
+              </a:r>
+            </a:p>
+          </p:txBody>
+        </p:sp>
+      </p:grpSp>
+    </p:spTree>
+    <p:extLst>
+      <p:ext uri="{BB962C8B-B14F-4D97-AF65-F5344CB8AC3E}">
+        <p14:creationId xmlns:p14="http://schemas.microsoft.com/office/powerpoint/2010/main" val="3435831254"/>
+      </p:ext>
+    </p:extLst>
+  </p:cSld>
+  <p:clrMapOvr>
+    <a:masterClrMapping/>
+  </p:clrMapOvr>
+</p:sld>
+</file>
+
 <file path=ppt/theme/theme1.xml><?xml version="1.0" encoding="utf-8"?>
 <a:theme xmlns:a="http://schemas.openxmlformats.org/drawingml/2006/main" name="Office Theme">
   <a:themeElements>
